--- a/Figs/figures.pptx
+++ b/Figs/figures.pptx
@@ -8,7 +8,8 @@
     <p:sldId id="265" r:id="rId2"/>
     <p:sldId id="269" r:id="rId3"/>
     <p:sldId id="260" r:id="rId4"/>
-    <p:sldId id="270" r:id="rId5"/>
+    <p:sldId id="271" r:id="rId5"/>
+    <p:sldId id="272" r:id="rId6"/>
   </p:sldIdLst>
   <p:sldSz cx="9144000" cy="6858000" type="screen4x3"/>
   <p:notesSz cx="6858000" cy="9144000"/>
@@ -308,7 +309,7 @@
             <a:fld id="{1D8BD707-D9CF-40AE-B4C6-C98DA3205C09}" type="datetimeFigureOut">
               <a:rPr lang="en-US" smtClean="0"/>
               <a:pPr/>
-              <a:t>4/26/16</a:t>
+              <a:t>5/9/16</a:t>
             </a:fld>
             <a:endParaRPr lang="en-US"/>
           </a:p>
@@ -475,7 +476,7 @@
             <a:fld id="{1D8BD707-D9CF-40AE-B4C6-C98DA3205C09}" type="datetimeFigureOut">
               <a:rPr lang="en-US" smtClean="0"/>
               <a:pPr/>
-              <a:t>4/26/16</a:t>
+              <a:t>5/9/16</a:t>
             </a:fld>
             <a:endParaRPr lang="en-US"/>
           </a:p>
@@ -652,7 +653,7 @@
             <a:fld id="{1D8BD707-D9CF-40AE-B4C6-C98DA3205C09}" type="datetimeFigureOut">
               <a:rPr lang="en-US" smtClean="0"/>
               <a:pPr/>
-              <a:t>4/26/16</a:t>
+              <a:t>5/9/16</a:t>
             </a:fld>
             <a:endParaRPr lang="en-US"/>
           </a:p>
@@ -819,7 +820,7 @@
             <a:fld id="{1D8BD707-D9CF-40AE-B4C6-C98DA3205C09}" type="datetimeFigureOut">
               <a:rPr lang="en-US" smtClean="0"/>
               <a:pPr/>
-              <a:t>4/26/16</a:t>
+              <a:t>5/9/16</a:t>
             </a:fld>
             <a:endParaRPr lang="en-US"/>
           </a:p>
@@ -1062,7 +1063,7 @@
             <a:fld id="{1D8BD707-D9CF-40AE-B4C6-C98DA3205C09}" type="datetimeFigureOut">
               <a:rPr lang="en-US" smtClean="0"/>
               <a:pPr/>
-              <a:t>4/26/16</a:t>
+              <a:t>5/9/16</a:t>
             </a:fld>
             <a:endParaRPr lang="en-US"/>
           </a:p>
@@ -1347,7 +1348,7 @@
             <a:fld id="{1D8BD707-D9CF-40AE-B4C6-C98DA3205C09}" type="datetimeFigureOut">
               <a:rPr lang="en-US" smtClean="0"/>
               <a:pPr/>
-              <a:t>4/26/16</a:t>
+              <a:t>5/9/16</a:t>
             </a:fld>
             <a:endParaRPr lang="en-US"/>
           </a:p>
@@ -1766,7 +1767,7 @@
             <a:fld id="{1D8BD707-D9CF-40AE-B4C6-C98DA3205C09}" type="datetimeFigureOut">
               <a:rPr lang="en-US" smtClean="0"/>
               <a:pPr/>
-              <a:t>4/26/16</a:t>
+              <a:t>5/9/16</a:t>
             </a:fld>
             <a:endParaRPr lang="en-US"/>
           </a:p>
@@ -1881,7 +1882,7 @@
             <a:fld id="{1D8BD707-D9CF-40AE-B4C6-C98DA3205C09}" type="datetimeFigureOut">
               <a:rPr lang="en-US" smtClean="0"/>
               <a:pPr/>
-              <a:t>4/26/16</a:t>
+              <a:t>5/9/16</a:t>
             </a:fld>
             <a:endParaRPr lang="en-US"/>
           </a:p>
@@ -1973,7 +1974,7 @@
             <a:fld id="{1D8BD707-D9CF-40AE-B4C6-C98DA3205C09}" type="datetimeFigureOut">
               <a:rPr lang="en-US" smtClean="0"/>
               <a:pPr/>
-              <a:t>4/26/16</a:t>
+              <a:t>5/9/16</a:t>
             </a:fld>
             <a:endParaRPr lang="en-US"/>
           </a:p>
@@ -2247,7 +2248,7 @@
             <a:fld id="{1D8BD707-D9CF-40AE-B4C6-C98DA3205C09}" type="datetimeFigureOut">
               <a:rPr lang="en-US" smtClean="0"/>
               <a:pPr/>
-              <a:t>4/26/16</a:t>
+              <a:t>5/9/16</a:t>
             </a:fld>
             <a:endParaRPr lang="en-US"/>
           </a:p>
@@ -2497,7 +2498,7 @@
             <a:fld id="{1D8BD707-D9CF-40AE-B4C6-C98DA3205C09}" type="datetimeFigureOut">
               <a:rPr lang="en-US" smtClean="0"/>
               <a:pPr/>
-              <a:t>4/26/16</a:t>
+              <a:t>5/9/16</a:t>
             </a:fld>
             <a:endParaRPr lang="en-US"/>
           </a:p>
@@ -2707,7 +2708,7 @@
             <a:fld id="{1D8BD707-D9CF-40AE-B4C6-C98DA3205C09}" type="datetimeFigureOut">
               <a:rPr lang="en-US" smtClean="0"/>
               <a:pPr/>
-              <a:t>4/26/16</a:t>
+              <a:t>5/9/16</a:t>
             </a:fld>
             <a:endParaRPr lang="en-US"/>
           </a:p>
@@ -14495,25 +14496,172 @@
       </p:grpSpPr>
       <p:sp>
         <p:nvSpPr>
-          <p:cNvPr id="2" name="Rectangle 1"/>
+          <p:cNvPr id="95" name="Oval 94"/>
           <p:cNvSpPr/>
           <p:nvPr/>
         </p:nvSpPr>
         <p:spPr>
           <a:xfrm>
-            <a:off x="252870" y="1881312"/>
-            <a:ext cx="837127" cy="1174404"/>
+            <a:off x="1676400" y="2514600"/>
+            <a:ext cx="1899430" cy="838200"/>
           </a:xfrm>
-          <a:prstGeom prst="rect">
+          <a:prstGeom prst="ellipse">
             <a:avLst/>
           </a:prstGeom>
           <a:noFill/>
           <a:ln w="12700">
             <a:solidFill>
-              <a:schemeClr val="bg1">
-                <a:lumMod val="65000"/>
-              </a:schemeClr>
+              <a:srgbClr val="00882B"/>
             </a:solidFill>
+          </a:ln>
+          <a:effectLst/>
+        </p:spPr>
+        <p:style>
+          <a:lnRef idx="1">
+            <a:schemeClr val="accent1"/>
+          </a:lnRef>
+          <a:fillRef idx="2">
+            <a:schemeClr val="accent1"/>
+          </a:fillRef>
+          <a:effectRef idx="1">
+            <a:schemeClr val="accent1"/>
+          </a:effectRef>
+          <a:fontRef idx="minor">
+            <a:schemeClr val="dk1"/>
+          </a:fontRef>
+        </p:style>
+        <p:txBody>
+          <a:bodyPr rtlCol="0" anchor="ctr"/>
+          <a:lstStyle/>
+          <a:p>
+            <a:pPr algn="ctr"/>
+            <a:endParaRPr lang="en-GB" i="1" dirty="0">
+              <a:latin typeface="Palatino" charset="0"/>
+              <a:ea typeface="Palatino" charset="0"/>
+              <a:cs typeface="Palatino" charset="0"/>
+            </a:endParaRPr>
+          </a:p>
+        </p:txBody>
+      </p:sp>
+      <p:sp>
+        <p:nvSpPr>
+          <p:cNvPr id="96" name="Oval 95"/>
+          <p:cNvSpPr/>
+          <p:nvPr/>
+        </p:nvSpPr>
+        <p:spPr>
+          <a:xfrm>
+            <a:off x="1676400" y="3083170"/>
+            <a:ext cx="1899430" cy="838200"/>
+          </a:xfrm>
+          <a:prstGeom prst="ellipse">
+            <a:avLst/>
+          </a:prstGeom>
+          <a:noFill/>
+          <a:ln w="12700">
+            <a:solidFill>
+              <a:srgbClr val="0365C0"/>
+            </a:solidFill>
+          </a:ln>
+          <a:effectLst/>
+        </p:spPr>
+        <p:style>
+          <a:lnRef idx="1">
+            <a:schemeClr val="accent1"/>
+          </a:lnRef>
+          <a:fillRef idx="2">
+            <a:schemeClr val="accent1"/>
+          </a:fillRef>
+          <a:effectRef idx="1">
+            <a:schemeClr val="accent1"/>
+          </a:effectRef>
+          <a:fontRef idx="minor">
+            <a:schemeClr val="dk1"/>
+          </a:fontRef>
+        </p:style>
+        <p:txBody>
+          <a:bodyPr rtlCol="0" anchor="ctr"/>
+          <a:lstStyle/>
+          <a:p>
+            <a:pPr algn="ctr"/>
+            <a:endParaRPr lang="en-GB" i="1" dirty="0">
+              <a:latin typeface="Palatino" charset="0"/>
+              <a:ea typeface="Palatino" charset="0"/>
+              <a:cs typeface="Palatino" charset="0"/>
+            </a:endParaRPr>
+          </a:p>
+        </p:txBody>
+      </p:sp>
+      <p:sp>
+        <p:nvSpPr>
+          <p:cNvPr id="97" name="Oval 96"/>
+          <p:cNvSpPr/>
+          <p:nvPr/>
+        </p:nvSpPr>
+        <p:spPr>
+          <a:xfrm>
+            <a:off x="1676400" y="3657600"/>
+            <a:ext cx="1899430" cy="838200"/>
+          </a:xfrm>
+          <a:prstGeom prst="ellipse">
+            <a:avLst/>
+          </a:prstGeom>
+          <a:noFill/>
+          <a:ln w="12700">
+            <a:solidFill>
+              <a:srgbClr val="DE6A10"/>
+            </a:solidFill>
+          </a:ln>
+          <a:effectLst/>
+        </p:spPr>
+        <p:style>
+          <a:lnRef idx="1">
+            <a:schemeClr val="accent1"/>
+          </a:lnRef>
+          <a:fillRef idx="2">
+            <a:schemeClr val="accent1"/>
+          </a:fillRef>
+          <a:effectRef idx="1">
+            <a:schemeClr val="accent1"/>
+          </a:effectRef>
+          <a:fontRef idx="minor">
+            <a:schemeClr val="dk1"/>
+          </a:fontRef>
+        </p:style>
+        <p:txBody>
+          <a:bodyPr rtlCol="0" anchor="ctr"/>
+          <a:lstStyle/>
+          <a:p>
+            <a:pPr algn="ctr"/>
+            <a:endParaRPr lang="en-GB" i="1" dirty="0">
+              <a:latin typeface="Palatino" charset="0"/>
+              <a:ea typeface="Palatino" charset="0"/>
+              <a:cs typeface="Palatino" charset="0"/>
+            </a:endParaRPr>
+          </a:p>
+        </p:txBody>
+      </p:sp>
+      <p:sp>
+        <p:nvSpPr>
+          <p:cNvPr id="98" name="Oval 97"/>
+          <p:cNvSpPr/>
+          <p:nvPr/>
+        </p:nvSpPr>
+        <p:spPr>
+          <a:xfrm>
+            <a:off x="2726713" y="2933700"/>
+            <a:ext cx="108000" cy="108000"/>
+          </a:xfrm>
+          <a:prstGeom prst="ellipse">
+            <a:avLst/>
+          </a:prstGeom>
+          <a:solidFill>
+            <a:schemeClr val="bg1">
+              <a:lumMod val="50000"/>
+            </a:schemeClr>
+          </a:solidFill>
+          <a:ln>
+            <a:noFill/>
           </a:ln>
         </p:spPr>
         <p:style>
@@ -14537,20 +14685,4308 @@
           <a:lstStyle/>
           <a:p>
             <a:pPr algn="ctr"/>
-            <a:endParaRPr lang="en-GB" sz="2400"/>
+            <a:endParaRPr lang="en-GB" i="1" dirty="0">
+              <a:latin typeface="Palatino" charset="0"/>
+              <a:ea typeface="Palatino" charset="0"/>
+              <a:cs typeface="Palatino" charset="0"/>
+            </a:endParaRPr>
+          </a:p>
+        </p:txBody>
+      </p:sp>
+      <p:sp>
+        <p:nvSpPr>
+          <p:cNvPr id="99" name="Oval 98"/>
+          <p:cNvSpPr/>
+          <p:nvPr/>
+        </p:nvSpPr>
+        <p:spPr>
+          <a:xfrm>
+            <a:off x="2950772" y="3168600"/>
+            <a:ext cx="108000" cy="108000"/>
+          </a:xfrm>
+          <a:prstGeom prst="ellipse">
+            <a:avLst/>
+          </a:prstGeom>
+          <a:solidFill>
+            <a:srgbClr val="FF0000"/>
+          </a:solidFill>
+          <a:ln>
+            <a:noFill/>
+          </a:ln>
+        </p:spPr>
+        <p:style>
+          <a:lnRef idx="2">
+            <a:schemeClr val="accent1">
+              <a:shade val="50000"/>
+            </a:schemeClr>
+          </a:lnRef>
+          <a:fillRef idx="1">
+            <a:schemeClr val="accent1"/>
+          </a:fillRef>
+          <a:effectRef idx="0">
+            <a:schemeClr val="accent1"/>
+          </a:effectRef>
+          <a:fontRef idx="minor">
+            <a:schemeClr val="lt1"/>
+          </a:fontRef>
+        </p:style>
+        <p:txBody>
+          <a:bodyPr rtlCol="0" anchor="ctr"/>
+          <a:lstStyle/>
+          <a:p>
+            <a:pPr algn="ctr"/>
+            <a:endParaRPr lang="en-GB" i="1" dirty="0">
+              <a:latin typeface="Palatino" charset="0"/>
+              <a:ea typeface="Palatino" charset="0"/>
+              <a:cs typeface="Palatino" charset="0"/>
+            </a:endParaRPr>
+          </a:p>
+        </p:txBody>
+      </p:sp>
+      <p:sp>
+        <p:nvSpPr>
+          <p:cNvPr id="100" name="Oval 99"/>
+          <p:cNvSpPr/>
+          <p:nvPr/>
+        </p:nvSpPr>
+        <p:spPr>
+          <a:xfrm>
+            <a:off x="1960172" y="3048000"/>
+            <a:ext cx="108000" cy="108000"/>
+          </a:xfrm>
+          <a:prstGeom prst="ellipse">
+            <a:avLst/>
+          </a:prstGeom>
+          <a:solidFill>
+            <a:schemeClr val="bg1">
+              <a:lumMod val="50000"/>
+            </a:schemeClr>
+          </a:solidFill>
+          <a:ln>
+            <a:noFill/>
+          </a:ln>
+        </p:spPr>
+        <p:style>
+          <a:lnRef idx="2">
+            <a:schemeClr val="accent1">
+              <a:shade val="50000"/>
+            </a:schemeClr>
+          </a:lnRef>
+          <a:fillRef idx="1">
+            <a:schemeClr val="accent1"/>
+          </a:fillRef>
+          <a:effectRef idx="0">
+            <a:schemeClr val="accent1"/>
+          </a:effectRef>
+          <a:fontRef idx="minor">
+            <a:schemeClr val="lt1"/>
+          </a:fontRef>
+        </p:style>
+        <p:txBody>
+          <a:bodyPr rtlCol="0" anchor="ctr"/>
+          <a:lstStyle/>
+          <a:p>
+            <a:pPr algn="ctr"/>
+            <a:endParaRPr lang="en-GB" i="1" dirty="0">
+              <a:latin typeface="Palatino" charset="0"/>
+              <a:ea typeface="Palatino" charset="0"/>
+              <a:cs typeface="Palatino" charset="0"/>
+            </a:endParaRPr>
+          </a:p>
+        </p:txBody>
+      </p:sp>
+      <p:sp>
+        <p:nvSpPr>
+          <p:cNvPr id="101" name="Oval 100"/>
+          <p:cNvSpPr/>
+          <p:nvPr/>
+        </p:nvSpPr>
+        <p:spPr>
+          <a:xfrm>
+            <a:off x="3331772" y="2863362"/>
+            <a:ext cx="108000" cy="108000"/>
+          </a:xfrm>
+          <a:prstGeom prst="ellipse">
+            <a:avLst/>
+          </a:prstGeom>
+          <a:solidFill>
+            <a:schemeClr val="bg1">
+              <a:lumMod val="50000"/>
+            </a:schemeClr>
+          </a:solidFill>
+          <a:ln>
+            <a:noFill/>
+          </a:ln>
+        </p:spPr>
+        <p:style>
+          <a:lnRef idx="2">
+            <a:schemeClr val="accent1">
+              <a:shade val="50000"/>
+            </a:schemeClr>
+          </a:lnRef>
+          <a:fillRef idx="1">
+            <a:schemeClr val="accent1"/>
+          </a:fillRef>
+          <a:effectRef idx="0">
+            <a:schemeClr val="accent1"/>
+          </a:effectRef>
+          <a:fontRef idx="minor">
+            <a:schemeClr val="lt1"/>
+          </a:fontRef>
+        </p:style>
+        <p:txBody>
+          <a:bodyPr rtlCol="0" anchor="ctr"/>
+          <a:lstStyle/>
+          <a:p>
+            <a:pPr algn="ctr"/>
+            <a:endParaRPr lang="en-GB" i="1" dirty="0">
+              <a:latin typeface="Palatino" charset="0"/>
+              <a:ea typeface="Palatino" charset="0"/>
+              <a:cs typeface="Palatino" charset="0"/>
+            </a:endParaRPr>
+          </a:p>
+        </p:txBody>
+      </p:sp>
+      <p:sp>
+        <p:nvSpPr>
+          <p:cNvPr id="102" name="Oval 101"/>
+          <p:cNvSpPr/>
+          <p:nvPr/>
+        </p:nvSpPr>
+        <p:spPr>
+          <a:xfrm>
+            <a:off x="2417372" y="2895600"/>
+            <a:ext cx="108000" cy="108000"/>
+          </a:xfrm>
+          <a:prstGeom prst="ellipse">
+            <a:avLst/>
+          </a:prstGeom>
+          <a:solidFill>
+            <a:schemeClr val="bg1">
+              <a:lumMod val="50000"/>
+            </a:schemeClr>
+          </a:solidFill>
+          <a:ln>
+            <a:noFill/>
+          </a:ln>
+        </p:spPr>
+        <p:style>
+          <a:lnRef idx="2">
+            <a:schemeClr val="accent1">
+              <a:shade val="50000"/>
+            </a:schemeClr>
+          </a:lnRef>
+          <a:fillRef idx="1">
+            <a:schemeClr val="accent1"/>
+          </a:fillRef>
+          <a:effectRef idx="0">
+            <a:schemeClr val="accent1"/>
+          </a:effectRef>
+          <a:fontRef idx="minor">
+            <a:schemeClr val="lt1"/>
+          </a:fontRef>
+        </p:style>
+        <p:txBody>
+          <a:bodyPr rtlCol="0" anchor="ctr"/>
+          <a:lstStyle/>
+          <a:p>
+            <a:pPr algn="ctr"/>
+            <a:endParaRPr lang="en-GB" i="1" dirty="0">
+              <a:latin typeface="Palatino" charset="0"/>
+              <a:ea typeface="Palatino" charset="0"/>
+              <a:cs typeface="Palatino" charset="0"/>
+            </a:endParaRPr>
+          </a:p>
+        </p:txBody>
+      </p:sp>
+      <p:sp>
+        <p:nvSpPr>
+          <p:cNvPr id="104" name="Oval 103"/>
+          <p:cNvSpPr/>
+          <p:nvPr/>
+        </p:nvSpPr>
+        <p:spPr>
+          <a:xfrm>
+            <a:off x="1883972" y="3502270"/>
+            <a:ext cx="108000" cy="108000"/>
+          </a:xfrm>
+          <a:prstGeom prst="ellipse">
+            <a:avLst/>
+          </a:prstGeom>
+          <a:solidFill>
+            <a:schemeClr val="bg1">
+              <a:lumMod val="50000"/>
+            </a:schemeClr>
+          </a:solidFill>
+          <a:ln>
+            <a:noFill/>
+          </a:ln>
+        </p:spPr>
+        <p:style>
+          <a:lnRef idx="2">
+            <a:schemeClr val="accent1">
+              <a:shade val="50000"/>
+            </a:schemeClr>
+          </a:lnRef>
+          <a:fillRef idx="1">
+            <a:schemeClr val="accent1"/>
+          </a:fillRef>
+          <a:effectRef idx="0">
+            <a:schemeClr val="accent1"/>
+          </a:effectRef>
+          <a:fontRef idx="minor">
+            <a:schemeClr val="lt1"/>
+          </a:fontRef>
+        </p:style>
+        <p:txBody>
+          <a:bodyPr rtlCol="0" anchor="ctr"/>
+          <a:lstStyle/>
+          <a:p>
+            <a:pPr algn="ctr"/>
+            <a:endParaRPr lang="en-GB" i="1" dirty="0">
+              <a:latin typeface="Palatino" charset="0"/>
+              <a:ea typeface="Palatino" charset="0"/>
+              <a:cs typeface="Palatino" charset="0"/>
+            </a:endParaRPr>
+          </a:p>
+        </p:txBody>
+      </p:sp>
+      <p:sp>
+        <p:nvSpPr>
+          <p:cNvPr id="105" name="Oval 104"/>
+          <p:cNvSpPr/>
+          <p:nvPr/>
+        </p:nvSpPr>
+        <p:spPr>
+          <a:xfrm>
+            <a:off x="3325910" y="3440122"/>
+            <a:ext cx="108000" cy="108000"/>
+          </a:xfrm>
+          <a:prstGeom prst="ellipse">
+            <a:avLst/>
+          </a:prstGeom>
+          <a:solidFill>
+            <a:schemeClr val="bg1">
+              <a:lumMod val="50000"/>
+            </a:schemeClr>
+          </a:solidFill>
+          <a:ln>
+            <a:noFill/>
+          </a:ln>
+        </p:spPr>
+        <p:style>
+          <a:lnRef idx="2">
+            <a:schemeClr val="accent1">
+              <a:shade val="50000"/>
+            </a:schemeClr>
+          </a:lnRef>
+          <a:fillRef idx="1">
+            <a:schemeClr val="accent1"/>
+          </a:fillRef>
+          <a:effectRef idx="0">
+            <a:schemeClr val="accent1"/>
+          </a:effectRef>
+          <a:fontRef idx="minor">
+            <a:schemeClr val="lt1"/>
+          </a:fontRef>
+        </p:style>
+        <p:txBody>
+          <a:bodyPr rtlCol="0" anchor="ctr"/>
+          <a:lstStyle/>
+          <a:p>
+            <a:pPr algn="ctr"/>
+            <a:endParaRPr lang="en-GB" i="1" dirty="0">
+              <a:latin typeface="Palatino" charset="0"/>
+              <a:ea typeface="Palatino" charset="0"/>
+              <a:cs typeface="Palatino" charset="0"/>
+            </a:endParaRPr>
+          </a:p>
+        </p:txBody>
+      </p:sp>
+      <p:sp>
+        <p:nvSpPr>
+          <p:cNvPr id="106" name="Oval 105"/>
+          <p:cNvSpPr/>
+          <p:nvPr/>
+        </p:nvSpPr>
+        <p:spPr>
+          <a:xfrm>
+            <a:off x="1878110" y="4079030"/>
+            <a:ext cx="108000" cy="108000"/>
+          </a:xfrm>
+          <a:prstGeom prst="ellipse">
+            <a:avLst/>
+          </a:prstGeom>
+          <a:solidFill>
+            <a:schemeClr val="bg1">
+              <a:lumMod val="50000"/>
+            </a:schemeClr>
+          </a:solidFill>
+          <a:ln>
+            <a:noFill/>
+          </a:ln>
+        </p:spPr>
+        <p:style>
+          <a:lnRef idx="2">
+            <a:schemeClr val="accent1">
+              <a:shade val="50000"/>
+            </a:schemeClr>
+          </a:lnRef>
+          <a:fillRef idx="1">
+            <a:schemeClr val="accent1"/>
+          </a:fillRef>
+          <a:effectRef idx="0">
+            <a:schemeClr val="accent1"/>
+          </a:effectRef>
+          <a:fontRef idx="minor">
+            <a:schemeClr val="lt1"/>
+          </a:fontRef>
+        </p:style>
+        <p:txBody>
+          <a:bodyPr rtlCol="0" anchor="ctr"/>
+          <a:lstStyle/>
+          <a:p>
+            <a:pPr algn="ctr"/>
+            <a:endParaRPr lang="en-GB" i="1" dirty="0">
+              <a:latin typeface="Palatino" charset="0"/>
+              <a:ea typeface="Palatino" charset="0"/>
+              <a:cs typeface="Palatino" charset="0"/>
+            </a:endParaRPr>
+          </a:p>
+        </p:txBody>
+      </p:sp>
+      <p:sp>
+        <p:nvSpPr>
+          <p:cNvPr id="107" name="Oval 106"/>
+          <p:cNvSpPr/>
+          <p:nvPr/>
+        </p:nvSpPr>
+        <p:spPr>
+          <a:xfrm>
+            <a:off x="3179372" y="4034467"/>
+            <a:ext cx="108000" cy="108000"/>
+          </a:xfrm>
+          <a:prstGeom prst="ellipse">
+            <a:avLst/>
+          </a:prstGeom>
+          <a:solidFill>
+            <a:schemeClr val="bg1">
+              <a:lumMod val="50000"/>
+            </a:schemeClr>
+          </a:solidFill>
+          <a:ln>
+            <a:noFill/>
+          </a:ln>
+        </p:spPr>
+        <p:style>
+          <a:lnRef idx="2">
+            <a:schemeClr val="accent1">
+              <a:shade val="50000"/>
+            </a:schemeClr>
+          </a:lnRef>
+          <a:fillRef idx="1">
+            <a:schemeClr val="accent1"/>
+          </a:fillRef>
+          <a:effectRef idx="0">
+            <a:schemeClr val="accent1"/>
+          </a:effectRef>
+          <a:fontRef idx="minor">
+            <a:schemeClr val="lt1"/>
+          </a:fontRef>
+        </p:style>
+        <p:txBody>
+          <a:bodyPr rtlCol="0" anchor="ctr"/>
+          <a:lstStyle/>
+          <a:p>
+            <a:pPr algn="ctr"/>
+            <a:endParaRPr lang="en-GB" i="1" dirty="0">
+              <a:latin typeface="Palatino" charset="0"/>
+              <a:ea typeface="Palatino" charset="0"/>
+              <a:cs typeface="Palatino" charset="0"/>
+            </a:endParaRPr>
+          </a:p>
+        </p:txBody>
+      </p:sp>
+      <p:sp>
+        <p:nvSpPr>
+          <p:cNvPr id="108" name="Oval 107"/>
+          <p:cNvSpPr/>
+          <p:nvPr/>
+        </p:nvSpPr>
+        <p:spPr>
+          <a:xfrm>
+            <a:off x="2341172" y="3958267"/>
+            <a:ext cx="108000" cy="108000"/>
+          </a:xfrm>
+          <a:prstGeom prst="ellipse">
+            <a:avLst/>
+          </a:prstGeom>
+          <a:solidFill>
+            <a:schemeClr val="bg1">
+              <a:lumMod val="50000"/>
+            </a:schemeClr>
+          </a:solidFill>
+          <a:ln>
+            <a:noFill/>
+          </a:ln>
+        </p:spPr>
+        <p:style>
+          <a:lnRef idx="2">
+            <a:schemeClr val="accent1">
+              <a:shade val="50000"/>
+            </a:schemeClr>
+          </a:lnRef>
+          <a:fillRef idx="1">
+            <a:schemeClr val="accent1"/>
+          </a:fillRef>
+          <a:effectRef idx="0">
+            <a:schemeClr val="accent1"/>
+          </a:effectRef>
+          <a:fontRef idx="minor">
+            <a:schemeClr val="lt1"/>
+          </a:fontRef>
+        </p:style>
+        <p:txBody>
+          <a:bodyPr rtlCol="0" anchor="ctr"/>
+          <a:lstStyle/>
+          <a:p>
+            <a:pPr algn="ctr"/>
+            <a:endParaRPr lang="en-GB" i="1" dirty="0">
+              <a:latin typeface="Palatino" charset="0"/>
+              <a:ea typeface="Palatino" charset="0"/>
+              <a:cs typeface="Palatino" charset="0"/>
+            </a:endParaRPr>
+          </a:p>
+        </p:txBody>
+      </p:sp>
+      <p:sp>
+        <p:nvSpPr>
+          <p:cNvPr id="110" name="Oval 109"/>
+          <p:cNvSpPr/>
+          <p:nvPr/>
+        </p:nvSpPr>
+        <p:spPr>
+          <a:xfrm>
+            <a:off x="2150672" y="2667000"/>
+            <a:ext cx="108000" cy="108000"/>
+          </a:xfrm>
+          <a:prstGeom prst="ellipse">
+            <a:avLst/>
+          </a:prstGeom>
+          <a:solidFill>
+            <a:schemeClr val="bg1">
+              <a:lumMod val="50000"/>
+            </a:schemeClr>
+          </a:solidFill>
+          <a:ln>
+            <a:noFill/>
+          </a:ln>
+        </p:spPr>
+        <p:style>
+          <a:lnRef idx="2">
+            <a:schemeClr val="accent1">
+              <a:shade val="50000"/>
+            </a:schemeClr>
+          </a:lnRef>
+          <a:fillRef idx="1">
+            <a:schemeClr val="accent1"/>
+          </a:fillRef>
+          <a:effectRef idx="0">
+            <a:schemeClr val="accent1"/>
+          </a:effectRef>
+          <a:fontRef idx="minor">
+            <a:schemeClr val="lt1"/>
+          </a:fontRef>
+        </p:style>
+        <p:txBody>
+          <a:bodyPr rtlCol="0" anchor="ctr"/>
+          <a:lstStyle/>
+          <a:p>
+            <a:pPr algn="ctr"/>
+            <a:endParaRPr lang="en-GB" i="1" dirty="0">
+              <a:latin typeface="Palatino" charset="0"/>
+              <a:ea typeface="Palatino" charset="0"/>
+              <a:cs typeface="Palatino" charset="0"/>
+            </a:endParaRPr>
+          </a:p>
+        </p:txBody>
+      </p:sp>
+      <p:sp>
+        <p:nvSpPr>
+          <p:cNvPr id="111" name="Oval 110"/>
+          <p:cNvSpPr/>
+          <p:nvPr/>
+        </p:nvSpPr>
+        <p:spPr>
+          <a:xfrm>
+            <a:off x="2264972" y="3168600"/>
+            <a:ext cx="108000" cy="108000"/>
+          </a:xfrm>
+          <a:prstGeom prst="ellipse">
+            <a:avLst/>
+          </a:prstGeom>
+          <a:solidFill>
+            <a:srgbClr val="FF0000"/>
+          </a:solidFill>
+          <a:ln>
+            <a:noFill/>
+          </a:ln>
+        </p:spPr>
+        <p:style>
+          <a:lnRef idx="2">
+            <a:schemeClr val="accent1">
+              <a:shade val="50000"/>
+            </a:schemeClr>
+          </a:lnRef>
+          <a:fillRef idx="1">
+            <a:schemeClr val="accent1"/>
+          </a:fillRef>
+          <a:effectRef idx="0">
+            <a:schemeClr val="accent1"/>
+          </a:effectRef>
+          <a:fontRef idx="minor">
+            <a:schemeClr val="lt1"/>
+          </a:fontRef>
+        </p:style>
+        <p:txBody>
+          <a:bodyPr rtlCol="0" anchor="ctr"/>
+          <a:lstStyle/>
+          <a:p>
+            <a:pPr algn="ctr"/>
+            <a:endParaRPr lang="en-GB" i="1" dirty="0">
+              <a:latin typeface="Palatino" charset="0"/>
+              <a:ea typeface="Palatino" charset="0"/>
+              <a:cs typeface="Palatino" charset="0"/>
+            </a:endParaRPr>
+          </a:p>
+        </p:txBody>
+      </p:sp>
+      <p:sp>
+        <p:nvSpPr>
+          <p:cNvPr id="112" name="Oval 111"/>
+          <p:cNvSpPr/>
+          <p:nvPr/>
+        </p:nvSpPr>
+        <p:spPr>
+          <a:xfrm>
+            <a:off x="2532330" y="3115846"/>
+            <a:ext cx="108000" cy="108000"/>
+          </a:xfrm>
+          <a:prstGeom prst="ellipse">
+            <a:avLst/>
+          </a:prstGeom>
+          <a:solidFill>
+            <a:srgbClr val="FF0000"/>
+          </a:solidFill>
+          <a:ln>
+            <a:noFill/>
+          </a:ln>
+        </p:spPr>
+        <p:style>
+          <a:lnRef idx="2">
+            <a:schemeClr val="accent1">
+              <a:shade val="50000"/>
+            </a:schemeClr>
+          </a:lnRef>
+          <a:fillRef idx="1">
+            <a:schemeClr val="accent1"/>
+          </a:fillRef>
+          <a:effectRef idx="0">
+            <a:schemeClr val="accent1"/>
+          </a:effectRef>
+          <a:fontRef idx="minor">
+            <a:schemeClr val="lt1"/>
+          </a:fontRef>
+        </p:style>
+        <p:txBody>
+          <a:bodyPr rtlCol="0" anchor="ctr"/>
+          <a:lstStyle/>
+          <a:p>
+            <a:pPr algn="ctr"/>
+            <a:endParaRPr lang="en-GB" i="1" dirty="0">
+              <a:latin typeface="Palatino" charset="0"/>
+              <a:ea typeface="Palatino" charset="0"/>
+              <a:cs typeface="Palatino" charset="0"/>
+            </a:endParaRPr>
+          </a:p>
+        </p:txBody>
+      </p:sp>
+      <p:sp>
+        <p:nvSpPr>
+          <p:cNvPr id="113" name="Oval 112"/>
+          <p:cNvSpPr/>
+          <p:nvPr/>
+        </p:nvSpPr>
+        <p:spPr>
+          <a:xfrm>
+            <a:off x="2722172" y="3733800"/>
+            <a:ext cx="108000" cy="108000"/>
+          </a:xfrm>
+          <a:prstGeom prst="ellipse">
+            <a:avLst/>
+          </a:prstGeom>
+          <a:solidFill>
+            <a:srgbClr val="FF0000"/>
+          </a:solidFill>
+          <a:ln>
+            <a:noFill/>
+          </a:ln>
+        </p:spPr>
+        <p:style>
+          <a:lnRef idx="2">
+            <a:schemeClr val="accent1">
+              <a:shade val="50000"/>
+            </a:schemeClr>
+          </a:lnRef>
+          <a:fillRef idx="1">
+            <a:schemeClr val="accent1"/>
+          </a:fillRef>
+          <a:effectRef idx="0">
+            <a:schemeClr val="accent1"/>
+          </a:effectRef>
+          <a:fontRef idx="minor">
+            <a:schemeClr val="lt1"/>
+          </a:fontRef>
+        </p:style>
+        <p:txBody>
+          <a:bodyPr rtlCol="0" anchor="ctr"/>
+          <a:lstStyle/>
+          <a:p>
+            <a:pPr algn="ctr"/>
+            <a:endParaRPr lang="en-GB" i="1" dirty="0">
+              <a:latin typeface="Palatino" charset="0"/>
+              <a:ea typeface="Palatino" charset="0"/>
+              <a:cs typeface="Palatino" charset="0"/>
+            </a:endParaRPr>
+          </a:p>
+        </p:txBody>
+      </p:sp>
+      <p:sp>
+        <p:nvSpPr>
+          <p:cNvPr id="114" name="Oval 113"/>
+          <p:cNvSpPr/>
+          <p:nvPr/>
+        </p:nvSpPr>
+        <p:spPr>
+          <a:xfrm>
+            <a:off x="2188772" y="3733800"/>
+            <a:ext cx="108000" cy="108000"/>
+          </a:xfrm>
+          <a:prstGeom prst="ellipse">
+            <a:avLst/>
+          </a:prstGeom>
+          <a:solidFill>
+            <a:srgbClr val="FF0000"/>
+          </a:solidFill>
+          <a:ln>
+            <a:noFill/>
+          </a:ln>
+        </p:spPr>
+        <p:style>
+          <a:lnRef idx="2">
+            <a:schemeClr val="accent1">
+              <a:shade val="50000"/>
+            </a:schemeClr>
+          </a:lnRef>
+          <a:fillRef idx="1">
+            <a:schemeClr val="accent1"/>
+          </a:fillRef>
+          <a:effectRef idx="0">
+            <a:schemeClr val="accent1"/>
+          </a:effectRef>
+          <a:fontRef idx="minor">
+            <a:schemeClr val="lt1"/>
+          </a:fontRef>
+        </p:style>
+        <p:txBody>
+          <a:bodyPr rtlCol="0" anchor="ctr"/>
+          <a:lstStyle/>
+          <a:p>
+            <a:pPr algn="ctr"/>
+            <a:endParaRPr lang="en-GB" i="1" dirty="0">
+              <a:latin typeface="Palatino" charset="0"/>
+              <a:ea typeface="Palatino" charset="0"/>
+              <a:cs typeface="Palatino" charset="0"/>
+            </a:endParaRPr>
+          </a:p>
+        </p:txBody>
+      </p:sp>
+      <p:sp>
+        <p:nvSpPr>
+          <p:cNvPr id="115" name="TextBox 114"/>
+          <p:cNvSpPr txBox="1"/>
+          <p:nvPr/>
+        </p:nvSpPr>
+        <p:spPr>
+          <a:xfrm>
+            <a:off x="3707203" y="2749034"/>
+            <a:ext cx="391454" cy="369332"/>
+          </a:xfrm>
+          <a:prstGeom prst="rect">
+            <a:avLst/>
+          </a:prstGeom>
+          <a:noFill/>
+        </p:spPr>
+        <p:txBody>
+          <a:bodyPr wrap="none" rtlCol="0">
+            <a:spAutoFit/>
+          </a:bodyPr>
+          <a:lstStyle/>
+          <a:p>
+            <a:r>
+              <a:rPr lang="en-GB" i="1" dirty="0" smtClean="0">
+                <a:solidFill>
+                  <a:srgbClr val="00882B"/>
+                </a:solidFill>
+                <a:latin typeface="Palatino" charset="0"/>
+                <a:ea typeface="Palatino" charset="0"/>
+                <a:cs typeface="Palatino" charset="0"/>
+              </a:rPr>
+              <a:t>S</a:t>
+            </a:r>
+            <a:r>
+              <a:rPr lang="en-GB" i="1" baseline="-25000" dirty="0" smtClean="0">
+                <a:solidFill>
+                  <a:srgbClr val="00882B"/>
+                </a:solidFill>
+                <a:latin typeface="Palatino" charset="0"/>
+                <a:ea typeface="Palatino" charset="0"/>
+                <a:cs typeface="Palatino" charset="0"/>
+              </a:rPr>
+              <a:t>3</a:t>
+            </a:r>
+            <a:endParaRPr lang="en-GB" i="1" dirty="0">
+              <a:solidFill>
+                <a:srgbClr val="00882B"/>
+              </a:solidFill>
+              <a:latin typeface="Palatino" charset="0"/>
+              <a:ea typeface="Palatino" charset="0"/>
+              <a:cs typeface="Palatino" charset="0"/>
+            </a:endParaRPr>
+          </a:p>
+        </p:txBody>
+      </p:sp>
+      <p:cxnSp>
+        <p:nvCxnSpPr>
+          <p:cNvPr id="116" name="Straight Connector 115"/>
+          <p:cNvCxnSpPr/>
+          <p:nvPr/>
+        </p:nvCxnSpPr>
+        <p:spPr>
+          <a:xfrm>
+            <a:off x="3575827" y="2933700"/>
+            <a:ext cx="131373" cy="0"/>
+          </a:xfrm>
+          <a:prstGeom prst="line">
+            <a:avLst/>
+          </a:prstGeom>
+          <a:ln w="12700">
+            <a:solidFill>
+              <a:schemeClr val="bg1">
+                <a:lumMod val="65000"/>
+              </a:schemeClr>
+            </a:solidFill>
+          </a:ln>
+        </p:spPr>
+        <p:style>
+          <a:lnRef idx="1">
+            <a:schemeClr val="accent1"/>
+          </a:lnRef>
+          <a:fillRef idx="0">
+            <a:schemeClr val="accent1"/>
+          </a:fillRef>
+          <a:effectRef idx="0">
+            <a:schemeClr val="accent1"/>
+          </a:effectRef>
+          <a:fontRef idx="minor">
+            <a:schemeClr val="tx1"/>
+          </a:fontRef>
+        </p:style>
+      </p:cxnSp>
+      <p:sp>
+        <p:nvSpPr>
+          <p:cNvPr id="117" name="TextBox 116"/>
+          <p:cNvSpPr txBox="1"/>
+          <p:nvPr/>
+        </p:nvSpPr>
+        <p:spPr>
+          <a:xfrm>
+            <a:off x="3707203" y="3317604"/>
+            <a:ext cx="391454" cy="369332"/>
+          </a:xfrm>
+          <a:prstGeom prst="rect">
+            <a:avLst/>
+          </a:prstGeom>
+          <a:noFill/>
+        </p:spPr>
+        <p:txBody>
+          <a:bodyPr wrap="none" rtlCol="0">
+            <a:spAutoFit/>
+          </a:bodyPr>
+          <a:lstStyle/>
+          <a:p>
+            <a:r>
+              <a:rPr lang="en-GB" i="1" dirty="0" smtClean="0">
+                <a:solidFill>
+                  <a:srgbClr val="0365C0"/>
+                </a:solidFill>
+                <a:latin typeface="Palatino" charset="0"/>
+                <a:ea typeface="Palatino" charset="0"/>
+                <a:cs typeface="Palatino" charset="0"/>
+              </a:rPr>
+              <a:t>S</a:t>
+            </a:r>
+            <a:r>
+              <a:rPr lang="en-GB" i="1" baseline="-25000" dirty="0" smtClean="0">
+                <a:solidFill>
+                  <a:srgbClr val="0365C0"/>
+                </a:solidFill>
+                <a:latin typeface="Palatino" charset="0"/>
+                <a:ea typeface="Palatino" charset="0"/>
+                <a:cs typeface="Palatino" charset="0"/>
+              </a:rPr>
+              <a:t>2</a:t>
+            </a:r>
+            <a:endParaRPr lang="en-GB" i="1" dirty="0">
+              <a:solidFill>
+                <a:srgbClr val="0365C0"/>
+              </a:solidFill>
+              <a:latin typeface="Palatino" charset="0"/>
+              <a:ea typeface="Palatino" charset="0"/>
+              <a:cs typeface="Palatino" charset="0"/>
+            </a:endParaRPr>
+          </a:p>
+        </p:txBody>
+      </p:sp>
+      <p:cxnSp>
+        <p:nvCxnSpPr>
+          <p:cNvPr id="118" name="Straight Connector 117"/>
+          <p:cNvCxnSpPr>
+            <a:endCxn id="117" idx="1"/>
+          </p:cNvCxnSpPr>
+          <p:nvPr/>
+        </p:nvCxnSpPr>
+        <p:spPr>
+          <a:xfrm>
+            <a:off x="3575830" y="3502270"/>
+            <a:ext cx="131373" cy="0"/>
+          </a:xfrm>
+          <a:prstGeom prst="line">
+            <a:avLst/>
+          </a:prstGeom>
+          <a:ln w="12700">
+            <a:solidFill>
+              <a:schemeClr val="bg1">
+                <a:lumMod val="65000"/>
+              </a:schemeClr>
+            </a:solidFill>
+          </a:ln>
+        </p:spPr>
+        <p:style>
+          <a:lnRef idx="1">
+            <a:schemeClr val="accent1"/>
+          </a:lnRef>
+          <a:fillRef idx="0">
+            <a:schemeClr val="accent1"/>
+          </a:fillRef>
+          <a:effectRef idx="0">
+            <a:schemeClr val="accent1"/>
+          </a:effectRef>
+          <a:fontRef idx="minor">
+            <a:schemeClr val="tx1"/>
+          </a:fontRef>
+        </p:style>
+      </p:cxnSp>
+      <p:sp>
+        <p:nvSpPr>
+          <p:cNvPr id="119" name="TextBox 118"/>
+          <p:cNvSpPr txBox="1"/>
+          <p:nvPr/>
+        </p:nvSpPr>
+        <p:spPr>
+          <a:xfrm>
+            <a:off x="3707200" y="3894364"/>
+            <a:ext cx="391454" cy="369332"/>
+          </a:xfrm>
+          <a:prstGeom prst="rect">
+            <a:avLst/>
+          </a:prstGeom>
+          <a:noFill/>
+        </p:spPr>
+        <p:txBody>
+          <a:bodyPr wrap="none" rtlCol="0">
+            <a:spAutoFit/>
+          </a:bodyPr>
+          <a:lstStyle/>
+          <a:p>
+            <a:r>
+              <a:rPr lang="en-GB" i="1" dirty="0" smtClean="0">
+                <a:solidFill>
+                  <a:srgbClr val="DE6A10"/>
+                </a:solidFill>
+                <a:latin typeface="Palatino" charset="0"/>
+                <a:ea typeface="Palatino" charset="0"/>
+                <a:cs typeface="Palatino" charset="0"/>
+              </a:rPr>
+              <a:t>S</a:t>
+            </a:r>
+            <a:r>
+              <a:rPr lang="en-GB" i="1" baseline="-25000" dirty="0" smtClean="0">
+                <a:solidFill>
+                  <a:srgbClr val="DE6A10"/>
+                </a:solidFill>
+                <a:latin typeface="Palatino" charset="0"/>
+                <a:ea typeface="Palatino" charset="0"/>
+                <a:cs typeface="Palatino" charset="0"/>
+              </a:rPr>
+              <a:t>1</a:t>
+            </a:r>
+            <a:endParaRPr lang="en-GB" i="1" dirty="0">
+              <a:solidFill>
+                <a:srgbClr val="DE6A10"/>
+              </a:solidFill>
+              <a:latin typeface="Palatino" charset="0"/>
+              <a:ea typeface="Palatino" charset="0"/>
+              <a:cs typeface="Palatino" charset="0"/>
+            </a:endParaRPr>
+          </a:p>
+        </p:txBody>
+      </p:sp>
+      <p:cxnSp>
+        <p:nvCxnSpPr>
+          <p:cNvPr id="120" name="Straight Connector 119"/>
+          <p:cNvCxnSpPr>
+            <a:endCxn id="119" idx="1"/>
+          </p:cNvCxnSpPr>
+          <p:nvPr/>
+        </p:nvCxnSpPr>
+        <p:spPr>
+          <a:xfrm>
+            <a:off x="3575827" y="4079030"/>
+            <a:ext cx="131373" cy="0"/>
+          </a:xfrm>
+          <a:prstGeom prst="line">
+            <a:avLst/>
+          </a:prstGeom>
+          <a:ln w="12700">
+            <a:solidFill>
+              <a:schemeClr val="bg1">
+                <a:lumMod val="65000"/>
+              </a:schemeClr>
+            </a:solidFill>
+          </a:ln>
+        </p:spPr>
+        <p:style>
+          <a:lnRef idx="1">
+            <a:schemeClr val="accent1"/>
+          </a:lnRef>
+          <a:fillRef idx="0">
+            <a:schemeClr val="accent1"/>
+          </a:fillRef>
+          <a:effectRef idx="0">
+            <a:schemeClr val="accent1"/>
+          </a:effectRef>
+          <a:fontRef idx="minor">
+            <a:schemeClr val="tx1"/>
+          </a:fontRef>
+        </p:style>
+      </p:cxnSp>
+      <p:sp>
+        <p:nvSpPr>
+          <p:cNvPr id="121" name="TextBox 120"/>
+          <p:cNvSpPr txBox="1"/>
+          <p:nvPr/>
+        </p:nvSpPr>
+        <p:spPr>
+          <a:xfrm>
+            <a:off x="1197526" y="2690336"/>
+            <a:ext cx="402674" cy="369332"/>
+          </a:xfrm>
+          <a:prstGeom prst="rect">
+            <a:avLst/>
+          </a:prstGeom>
+          <a:noFill/>
+        </p:spPr>
+        <p:txBody>
+          <a:bodyPr wrap="none" rtlCol="0">
+            <a:spAutoFit/>
+          </a:bodyPr>
+          <a:lstStyle/>
+          <a:p>
+            <a:r>
+              <a:rPr lang="en-GB" i="1" dirty="0" smtClean="0">
+                <a:latin typeface="Palatino" charset="0"/>
+                <a:ea typeface="Palatino" charset="0"/>
+                <a:cs typeface="Palatino" charset="0"/>
+              </a:rPr>
+              <a:t>L</a:t>
+            </a:r>
+            <a:r>
+              <a:rPr lang="en-GB" i="1" baseline="-25000" dirty="0" smtClean="0">
+                <a:latin typeface="Palatino" charset="0"/>
+                <a:ea typeface="Palatino" charset="0"/>
+                <a:cs typeface="Palatino" charset="0"/>
+              </a:rPr>
+              <a:t>5</a:t>
+            </a:r>
+            <a:endParaRPr lang="en-GB" i="1" dirty="0">
+              <a:latin typeface="Palatino" charset="0"/>
+              <a:ea typeface="Palatino" charset="0"/>
+              <a:cs typeface="Palatino" charset="0"/>
+            </a:endParaRPr>
+          </a:p>
+        </p:txBody>
+      </p:sp>
+      <p:cxnSp>
+        <p:nvCxnSpPr>
+          <p:cNvPr id="122" name="Straight Connector 121"/>
+          <p:cNvCxnSpPr/>
+          <p:nvPr/>
+        </p:nvCxnSpPr>
+        <p:spPr>
+          <a:xfrm>
+            <a:off x="1534454" y="2933700"/>
+            <a:ext cx="288000" cy="0"/>
+          </a:xfrm>
+          <a:prstGeom prst="line">
+            <a:avLst/>
+          </a:prstGeom>
+          <a:ln w="12700">
+            <a:solidFill>
+              <a:schemeClr val="bg1">
+                <a:lumMod val="65000"/>
+              </a:schemeClr>
+            </a:solidFill>
+          </a:ln>
+        </p:spPr>
+        <p:style>
+          <a:lnRef idx="1">
+            <a:schemeClr val="accent1"/>
+          </a:lnRef>
+          <a:fillRef idx="0">
+            <a:schemeClr val="accent1"/>
+          </a:fillRef>
+          <a:effectRef idx="0">
+            <a:schemeClr val="accent1"/>
+          </a:effectRef>
+          <a:fontRef idx="minor">
+            <a:schemeClr val="tx1"/>
+          </a:fontRef>
+        </p:style>
+      </p:cxnSp>
+      <p:sp>
+        <p:nvSpPr>
+          <p:cNvPr id="123" name="TextBox 122"/>
+          <p:cNvSpPr txBox="1"/>
+          <p:nvPr/>
+        </p:nvSpPr>
+        <p:spPr>
+          <a:xfrm>
+            <a:off x="1197526" y="3538835"/>
+            <a:ext cx="402674" cy="369332"/>
+          </a:xfrm>
+          <a:prstGeom prst="rect">
+            <a:avLst/>
+          </a:prstGeom>
+          <a:noFill/>
+        </p:spPr>
+        <p:txBody>
+          <a:bodyPr wrap="none" rtlCol="0">
+            <a:spAutoFit/>
+          </a:bodyPr>
+          <a:lstStyle/>
+          <a:p>
+            <a:r>
+              <a:rPr lang="en-GB" i="1" dirty="0" smtClean="0">
+                <a:latin typeface="Palatino" charset="0"/>
+                <a:ea typeface="Palatino" charset="0"/>
+                <a:cs typeface="Palatino" charset="0"/>
+              </a:rPr>
+              <a:t>L</a:t>
+            </a:r>
+            <a:r>
+              <a:rPr lang="en-GB" i="1" baseline="-25000" dirty="0">
+                <a:latin typeface="Palatino" charset="0"/>
+                <a:ea typeface="Palatino" charset="0"/>
+                <a:cs typeface="Palatino" charset="0"/>
+              </a:rPr>
+              <a:t>2</a:t>
+            </a:r>
+            <a:endParaRPr lang="en-GB" i="1" dirty="0">
+              <a:latin typeface="Palatino" charset="0"/>
+              <a:ea typeface="Palatino" charset="0"/>
+              <a:cs typeface="Palatino" charset="0"/>
+            </a:endParaRPr>
+          </a:p>
+        </p:txBody>
+      </p:sp>
+      <p:cxnSp>
+        <p:nvCxnSpPr>
+          <p:cNvPr id="124" name="Straight Connector 123"/>
+          <p:cNvCxnSpPr/>
+          <p:nvPr/>
+        </p:nvCxnSpPr>
+        <p:spPr>
+          <a:xfrm>
+            <a:off x="1534454" y="3787800"/>
+            <a:ext cx="576000" cy="0"/>
+          </a:xfrm>
+          <a:prstGeom prst="line">
+            <a:avLst/>
+          </a:prstGeom>
+          <a:ln w="12700">
+            <a:solidFill>
+              <a:schemeClr val="bg1">
+                <a:lumMod val="65000"/>
+              </a:schemeClr>
+            </a:solidFill>
+          </a:ln>
+        </p:spPr>
+        <p:style>
+          <a:lnRef idx="1">
+            <a:schemeClr val="accent1"/>
+          </a:lnRef>
+          <a:fillRef idx="0">
+            <a:schemeClr val="accent1"/>
+          </a:fillRef>
+          <a:effectRef idx="0">
+            <a:schemeClr val="accent1"/>
+          </a:effectRef>
+          <a:fontRef idx="minor">
+            <a:schemeClr val="tx1"/>
+          </a:fontRef>
+        </p:style>
+      </p:cxnSp>
+      <p:sp>
+        <p:nvSpPr>
+          <p:cNvPr id="125" name="TextBox 124"/>
+          <p:cNvSpPr txBox="1"/>
+          <p:nvPr/>
+        </p:nvSpPr>
+        <p:spPr>
+          <a:xfrm>
+            <a:off x="1197526" y="3821668"/>
+            <a:ext cx="402674" cy="369332"/>
+          </a:xfrm>
+          <a:prstGeom prst="rect">
+            <a:avLst/>
+          </a:prstGeom>
+          <a:noFill/>
+        </p:spPr>
+        <p:txBody>
+          <a:bodyPr wrap="none" rtlCol="0">
+            <a:spAutoFit/>
+          </a:bodyPr>
+          <a:lstStyle/>
+          <a:p>
+            <a:r>
+              <a:rPr lang="en-GB" i="1" dirty="0" smtClean="0">
+                <a:latin typeface="Palatino" charset="0"/>
+                <a:ea typeface="Palatino" charset="0"/>
+                <a:cs typeface="Palatino" charset="0"/>
+              </a:rPr>
+              <a:t>L</a:t>
+            </a:r>
+            <a:r>
+              <a:rPr lang="en-GB" i="1" baseline="-25000" dirty="0" smtClean="0">
+                <a:latin typeface="Palatino" charset="0"/>
+                <a:ea typeface="Palatino" charset="0"/>
+                <a:cs typeface="Palatino" charset="0"/>
+              </a:rPr>
+              <a:t>1</a:t>
+            </a:r>
+            <a:endParaRPr lang="en-GB" i="1" dirty="0">
+              <a:latin typeface="Palatino" charset="0"/>
+              <a:ea typeface="Palatino" charset="0"/>
+              <a:cs typeface="Palatino" charset="0"/>
+            </a:endParaRPr>
+          </a:p>
+        </p:txBody>
+      </p:sp>
+      <p:cxnSp>
+        <p:nvCxnSpPr>
+          <p:cNvPr id="126" name="Straight Connector 125"/>
+          <p:cNvCxnSpPr/>
+          <p:nvPr/>
+        </p:nvCxnSpPr>
+        <p:spPr>
+          <a:xfrm>
+            <a:off x="1534454" y="4079030"/>
+            <a:ext cx="288000" cy="0"/>
+          </a:xfrm>
+          <a:prstGeom prst="line">
+            <a:avLst/>
+          </a:prstGeom>
+          <a:ln w="12700">
+            <a:solidFill>
+              <a:schemeClr val="bg1">
+                <a:lumMod val="65000"/>
+              </a:schemeClr>
+            </a:solidFill>
+          </a:ln>
+        </p:spPr>
+        <p:style>
+          <a:lnRef idx="1">
+            <a:schemeClr val="accent1"/>
+          </a:lnRef>
+          <a:fillRef idx="0">
+            <a:schemeClr val="accent1"/>
+          </a:fillRef>
+          <a:effectRef idx="0">
+            <a:schemeClr val="accent1"/>
+          </a:effectRef>
+          <a:fontRef idx="minor">
+            <a:schemeClr val="tx1"/>
+          </a:fontRef>
+        </p:style>
+      </p:cxnSp>
+      <p:sp>
+        <p:nvSpPr>
+          <p:cNvPr id="127" name="TextBox 126"/>
+          <p:cNvSpPr txBox="1"/>
+          <p:nvPr/>
+        </p:nvSpPr>
+        <p:spPr>
+          <a:xfrm>
+            <a:off x="1197526" y="3256002"/>
+            <a:ext cx="402674" cy="369332"/>
+          </a:xfrm>
+          <a:prstGeom prst="rect">
+            <a:avLst/>
+          </a:prstGeom>
+          <a:noFill/>
+        </p:spPr>
+        <p:txBody>
+          <a:bodyPr wrap="none" rtlCol="0">
+            <a:spAutoFit/>
+          </a:bodyPr>
+          <a:lstStyle/>
+          <a:p>
+            <a:r>
+              <a:rPr lang="en-GB" i="1" dirty="0" smtClean="0">
+                <a:latin typeface="Palatino" charset="0"/>
+                <a:ea typeface="Palatino" charset="0"/>
+                <a:cs typeface="Palatino" charset="0"/>
+              </a:rPr>
+              <a:t>L</a:t>
+            </a:r>
+            <a:r>
+              <a:rPr lang="en-GB" i="1" baseline="-25000" dirty="0">
+                <a:latin typeface="Palatino" charset="0"/>
+                <a:ea typeface="Palatino" charset="0"/>
+                <a:cs typeface="Palatino" charset="0"/>
+              </a:rPr>
+              <a:t>3</a:t>
+            </a:r>
+            <a:endParaRPr lang="en-GB" i="1" dirty="0">
+              <a:latin typeface="Palatino" charset="0"/>
+              <a:ea typeface="Palatino" charset="0"/>
+              <a:cs typeface="Palatino" charset="0"/>
+            </a:endParaRPr>
+          </a:p>
+        </p:txBody>
+      </p:sp>
+      <p:cxnSp>
+        <p:nvCxnSpPr>
+          <p:cNvPr id="128" name="Straight Connector 127"/>
+          <p:cNvCxnSpPr/>
+          <p:nvPr/>
+        </p:nvCxnSpPr>
+        <p:spPr>
+          <a:xfrm>
+            <a:off x="1534454" y="3505200"/>
+            <a:ext cx="288000" cy="0"/>
+          </a:xfrm>
+          <a:prstGeom prst="line">
+            <a:avLst/>
+          </a:prstGeom>
+          <a:ln w="12700">
+            <a:solidFill>
+              <a:schemeClr val="bg1">
+                <a:lumMod val="65000"/>
+              </a:schemeClr>
+            </a:solidFill>
+          </a:ln>
+        </p:spPr>
+        <p:style>
+          <a:lnRef idx="1">
+            <a:schemeClr val="accent1"/>
+          </a:lnRef>
+          <a:fillRef idx="0">
+            <a:schemeClr val="accent1"/>
+          </a:fillRef>
+          <a:effectRef idx="0">
+            <a:schemeClr val="accent1"/>
+          </a:effectRef>
+          <a:fontRef idx="minor">
+            <a:schemeClr val="tx1"/>
+          </a:fontRef>
+        </p:style>
+      </p:cxnSp>
+      <p:sp>
+        <p:nvSpPr>
+          <p:cNvPr id="129" name="TextBox 128"/>
+          <p:cNvSpPr txBox="1"/>
+          <p:nvPr/>
+        </p:nvSpPr>
+        <p:spPr>
+          <a:xfrm>
+            <a:off x="1197526" y="2973169"/>
+            <a:ext cx="402674" cy="369332"/>
+          </a:xfrm>
+          <a:prstGeom prst="rect">
+            <a:avLst/>
+          </a:prstGeom>
+          <a:noFill/>
+        </p:spPr>
+        <p:txBody>
+          <a:bodyPr wrap="none" rtlCol="0">
+            <a:spAutoFit/>
+          </a:bodyPr>
+          <a:lstStyle/>
+          <a:p>
+            <a:r>
+              <a:rPr lang="en-GB" i="1" dirty="0" smtClean="0">
+                <a:latin typeface="Palatino" charset="0"/>
+                <a:ea typeface="Palatino" charset="0"/>
+                <a:cs typeface="Palatino" charset="0"/>
+              </a:rPr>
+              <a:t>L</a:t>
+            </a:r>
+            <a:r>
+              <a:rPr lang="en-GB" i="1" baseline="-25000" dirty="0" smtClean="0">
+                <a:latin typeface="Palatino" charset="0"/>
+                <a:ea typeface="Palatino" charset="0"/>
+                <a:cs typeface="Palatino" charset="0"/>
+              </a:rPr>
+              <a:t>4</a:t>
+            </a:r>
+            <a:endParaRPr lang="en-GB" i="1" dirty="0">
+              <a:latin typeface="Palatino" charset="0"/>
+              <a:ea typeface="Palatino" charset="0"/>
+              <a:cs typeface="Palatino" charset="0"/>
+            </a:endParaRPr>
+          </a:p>
+        </p:txBody>
+      </p:sp>
+      <p:cxnSp>
+        <p:nvCxnSpPr>
+          <p:cNvPr id="130" name="Straight Connector 129"/>
+          <p:cNvCxnSpPr/>
+          <p:nvPr/>
+        </p:nvCxnSpPr>
+        <p:spPr>
+          <a:xfrm>
+            <a:off x="1534454" y="3221162"/>
+            <a:ext cx="576000" cy="0"/>
+          </a:xfrm>
+          <a:prstGeom prst="line">
+            <a:avLst/>
+          </a:prstGeom>
+          <a:ln w="12700">
+            <a:solidFill>
+              <a:schemeClr val="bg1">
+                <a:lumMod val="65000"/>
+              </a:schemeClr>
+            </a:solidFill>
+          </a:ln>
+        </p:spPr>
+        <p:style>
+          <a:lnRef idx="1">
+            <a:schemeClr val="accent1"/>
+          </a:lnRef>
+          <a:fillRef idx="0">
+            <a:schemeClr val="accent1"/>
+          </a:fillRef>
+          <a:effectRef idx="0">
+            <a:schemeClr val="accent1"/>
+          </a:effectRef>
+          <a:fontRef idx="minor">
+            <a:schemeClr val="tx1"/>
+          </a:fontRef>
+        </p:style>
+      </p:cxnSp>
+      <p:sp>
+        <p:nvSpPr>
+          <p:cNvPr id="74" name="Oval 73"/>
+          <p:cNvSpPr/>
+          <p:nvPr/>
+        </p:nvSpPr>
+        <p:spPr>
+          <a:xfrm>
+            <a:off x="2950772" y="2711400"/>
+            <a:ext cx="108000" cy="108000"/>
+          </a:xfrm>
+          <a:prstGeom prst="ellipse">
+            <a:avLst/>
+          </a:prstGeom>
+          <a:solidFill>
+            <a:schemeClr val="bg1">
+              <a:lumMod val="50000"/>
+            </a:schemeClr>
+          </a:solidFill>
+          <a:ln>
+            <a:noFill/>
+          </a:ln>
+        </p:spPr>
+        <p:style>
+          <a:lnRef idx="2">
+            <a:schemeClr val="accent1">
+              <a:shade val="50000"/>
+            </a:schemeClr>
+          </a:lnRef>
+          <a:fillRef idx="1">
+            <a:schemeClr val="accent1"/>
+          </a:fillRef>
+          <a:effectRef idx="0">
+            <a:schemeClr val="accent1"/>
+          </a:effectRef>
+          <a:fontRef idx="minor">
+            <a:schemeClr val="lt1"/>
+          </a:fontRef>
+        </p:style>
+        <p:txBody>
+          <a:bodyPr rtlCol="0" anchor="ctr"/>
+          <a:lstStyle/>
+          <a:p>
+            <a:pPr algn="ctr"/>
+            <a:endParaRPr lang="en-GB" i="1" dirty="0">
+              <a:latin typeface="Palatino" charset="0"/>
+              <a:ea typeface="Palatino" charset="0"/>
+              <a:cs typeface="Palatino" charset="0"/>
+            </a:endParaRPr>
+          </a:p>
+        </p:txBody>
+      </p:sp>
+      <p:sp>
+        <p:nvSpPr>
+          <p:cNvPr id="75" name="Oval 74"/>
+          <p:cNvSpPr/>
+          <p:nvPr/>
+        </p:nvSpPr>
+        <p:spPr>
+          <a:xfrm>
+            <a:off x="3103172" y="2863800"/>
+            <a:ext cx="108000" cy="108000"/>
+          </a:xfrm>
+          <a:prstGeom prst="ellipse">
+            <a:avLst/>
+          </a:prstGeom>
+          <a:solidFill>
+            <a:schemeClr val="bg1">
+              <a:lumMod val="50000"/>
+            </a:schemeClr>
+          </a:solidFill>
+          <a:ln>
+            <a:noFill/>
+          </a:ln>
+        </p:spPr>
+        <p:style>
+          <a:lnRef idx="2">
+            <a:schemeClr val="accent1">
+              <a:shade val="50000"/>
+            </a:schemeClr>
+          </a:lnRef>
+          <a:fillRef idx="1">
+            <a:schemeClr val="accent1"/>
+          </a:fillRef>
+          <a:effectRef idx="0">
+            <a:schemeClr val="accent1"/>
+          </a:effectRef>
+          <a:fontRef idx="minor">
+            <a:schemeClr val="lt1"/>
+          </a:fontRef>
+        </p:style>
+        <p:txBody>
+          <a:bodyPr rtlCol="0" anchor="ctr"/>
+          <a:lstStyle/>
+          <a:p>
+            <a:pPr algn="ctr"/>
+            <a:endParaRPr lang="en-GB" i="1" dirty="0">
+              <a:latin typeface="Palatino" charset="0"/>
+              <a:ea typeface="Palatino" charset="0"/>
+              <a:cs typeface="Palatino" charset="0"/>
+            </a:endParaRPr>
           </a:p>
         </p:txBody>
       </p:sp>
     </p:spTree>
     <p:extLst>
       <p:ext uri="{BB962C8B-B14F-4D97-AF65-F5344CB8AC3E}">
-        <p14:creationId xmlns:p14="http://schemas.microsoft.com/office/powerpoint/2010/main" val="891230055"/>
+        <p14:creationId xmlns:p14="http://schemas.microsoft.com/office/powerpoint/2010/main" val="607728559"/>
       </p:ext>
     </p:extLst>
   </p:cSld>
   <p:clrMapOvr>
     <a:masterClrMapping/>
   </p:clrMapOvr>
+  <p:timing>
+    <p:tnLst>
+      <p:par>
+        <p:cTn id="1" dur="indefinite" restart="never" nodeType="tmRoot"/>
+      </p:par>
+    </p:tnLst>
+  </p:timing>
+</p:sld>
+</file>
+
+<file path=ppt/slides/slide5.xml><?xml version="1.0" encoding="utf-8"?>
+<p:sld xmlns:a="http://schemas.openxmlformats.org/drawingml/2006/main" xmlns:r="http://schemas.openxmlformats.org/officeDocument/2006/relationships" xmlns:p="http://schemas.openxmlformats.org/presentationml/2006/main">
+  <p:cSld>
+    <p:spTree>
+      <p:nvGrpSpPr>
+        <p:cNvPr id="1" name=""/>
+        <p:cNvGrpSpPr/>
+        <p:nvPr/>
+      </p:nvGrpSpPr>
+      <p:grpSpPr>
+        <a:xfrm>
+          <a:off x="0" y="0"/>
+          <a:ext cx="0" cy="0"/>
+          <a:chOff x="0" y="0"/>
+          <a:chExt cx="0" cy="0"/>
+        </a:xfrm>
+      </p:grpSpPr>
+      <p:sp>
+        <p:nvSpPr>
+          <p:cNvPr id="99" name="Oval 98"/>
+          <p:cNvSpPr/>
+          <p:nvPr/>
+        </p:nvSpPr>
+        <p:spPr>
+          <a:xfrm>
+            <a:off x="3064023" y="3168600"/>
+            <a:ext cx="108000" cy="108000"/>
+          </a:xfrm>
+          <a:prstGeom prst="ellipse">
+            <a:avLst/>
+          </a:prstGeom>
+          <a:solidFill>
+            <a:schemeClr val="bg1">
+              <a:lumMod val="50000"/>
+            </a:schemeClr>
+          </a:solidFill>
+          <a:ln w="12700">
+            <a:noFill/>
+          </a:ln>
+          <a:effectLst/>
+        </p:spPr>
+        <p:style>
+          <a:lnRef idx="2">
+            <a:schemeClr val="accent1">
+              <a:shade val="50000"/>
+            </a:schemeClr>
+          </a:lnRef>
+          <a:fillRef idx="1">
+            <a:schemeClr val="accent1"/>
+          </a:fillRef>
+          <a:effectRef idx="0">
+            <a:schemeClr val="accent1"/>
+          </a:effectRef>
+          <a:fontRef idx="minor">
+            <a:schemeClr val="lt1"/>
+          </a:fontRef>
+        </p:style>
+        <p:txBody>
+          <a:bodyPr rtlCol="0" anchor="ctr"/>
+          <a:lstStyle/>
+          <a:p>
+            <a:pPr algn="ctr"/>
+            <a:endParaRPr lang="en-GB" dirty="0"/>
+          </a:p>
+        </p:txBody>
+      </p:sp>
+      <p:sp>
+        <p:nvSpPr>
+          <p:cNvPr id="100" name="Oval 99"/>
+          <p:cNvSpPr/>
+          <p:nvPr/>
+        </p:nvSpPr>
+        <p:spPr>
+          <a:xfrm>
+            <a:off x="2073423" y="3048000"/>
+            <a:ext cx="108000" cy="108000"/>
+          </a:xfrm>
+          <a:prstGeom prst="ellipse">
+            <a:avLst/>
+          </a:prstGeom>
+          <a:solidFill>
+            <a:schemeClr val="bg1">
+              <a:lumMod val="50000"/>
+            </a:schemeClr>
+          </a:solidFill>
+          <a:ln w="12700">
+            <a:noFill/>
+          </a:ln>
+          <a:effectLst/>
+        </p:spPr>
+        <p:style>
+          <a:lnRef idx="2">
+            <a:schemeClr val="accent1">
+              <a:shade val="50000"/>
+            </a:schemeClr>
+          </a:lnRef>
+          <a:fillRef idx="1">
+            <a:schemeClr val="accent1"/>
+          </a:fillRef>
+          <a:effectRef idx="0">
+            <a:schemeClr val="accent1"/>
+          </a:effectRef>
+          <a:fontRef idx="minor">
+            <a:schemeClr val="lt1"/>
+          </a:fontRef>
+        </p:style>
+        <p:txBody>
+          <a:bodyPr rtlCol="0" anchor="ctr"/>
+          <a:lstStyle/>
+          <a:p>
+            <a:pPr algn="ctr"/>
+            <a:endParaRPr lang="en-GB" dirty="0"/>
+          </a:p>
+        </p:txBody>
+      </p:sp>
+      <p:sp>
+        <p:nvSpPr>
+          <p:cNvPr id="101" name="Oval 100"/>
+          <p:cNvSpPr/>
+          <p:nvPr/>
+        </p:nvSpPr>
+        <p:spPr>
+          <a:xfrm>
+            <a:off x="3445023" y="2863362"/>
+            <a:ext cx="108000" cy="108000"/>
+          </a:xfrm>
+          <a:prstGeom prst="ellipse">
+            <a:avLst/>
+          </a:prstGeom>
+          <a:solidFill>
+            <a:schemeClr val="bg1">
+              <a:lumMod val="50000"/>
+            </a:schemeClr>
+          </a:solidFill>
+          <a:ln w="12700">
+            <a:noFill/>
+          </a:ln>
+          <a:effectLst/>
+        </p:spPr>
+        <p:style>
+          <a:lnRef idx="2">
+            <a:schemeClr val="accent1">
+              <a:shade val="50000"/>
+            </a:schemeClr>
+          </a:lnRef>
+          <a:fillRef idx="1">
+            <a:schemeClr val="accent1"/>
+          </a:fillRef>
+          <a:effectRef idx="0">
+            <a:schemeClr val="accent1"/>
+          </a:effectRef>
+          <a:fontRef idx="minor">
+            <a:schemeClr val="lt1"/>
+          </a:fontRef>
+        </p:style>
+        <p:txBody>
+          <a:bodyPr rtlCol="0" anchor="ctr"/>
+          <a:lstStyle/>
+          <a:p>
+            <a:pPr algn="ctr"/>
+            <a:endParaRPr lang="en-GB" dirty="0"/>
+          </a:p>
+        </p:txBody>
+      </p:sp>
+      <p:sp>
+        <p:nvSpPr>
+          <p:cNvPr id="102" name="Oval 101"/>
+          <p:cNvSpPr/>
+          <p:nvPr/>
+        </p:nvSpPr>
+        <p:spPr>
+          <a:xfrm>
+            <a:off x="2530623" y="2895600"/>
+            <a:ext cx="108000" cy="108000"/>
+          </a:xfrm>
+          <a:prstGeom prst="ellipse">
+            <a:avLst/>
+          </a:prstGeom>
+          <a:solidFill>
+            <a:schemeClr val="bg1">
+              <a:lumMod val="50000"/>
+            </a:schemeClr>
+          </a:solidFill>
+          <a:ln w="12700">
+            <a:noFill/>
+          </a:ln>
+          <a:effectLst/>
+        </p:spPr>
+        <p:style>
+          <a:lnRef idx="2">
+            <a:schemeClr val="accent1">
+              <a:shade val="50000"/>
+            </a:schemeClr>
+          </a:lnRef>
+          <a:fillRef idx="1">
+            <a:schemeClr val="accent1"/>
+          </a:fillRef>
+          <a:effectRef idx="0">
+            <a:schemeClr val="accent1"/>
+          </a:effectRef>
+          <a:fontRef idx="minor">
+            <a:schemeClr val="lt1"/>
+          </a:fontRef>
+        </p:style>
+        <p:txBody>
+          <a:bodyPr rtlCol="0" anchor="ctr"/>
+          <a:lstStyle/>
+          <a:p>
+            <a:pPr algn="ctr"/>
+            <a:endParaRPr lang="en-GB" dirty="0"/>
+          </a:p>
+        </p:txBody>
+      </p:sp>
+      <p:sp>
+        <p:nvSpPr>
+          <p:cNvPr id="104" name="Oval 103"/>
+          <p:cNvSpPr/>
+          <p:nvPr/>
+        </p:nvSpPr>
+        <p:spPr>
+          <a:xfrm>
+            <a:off x="1997223" y="3502270"/>
+            <a:ext cx="108000" cy="108000"/>
+          </a:xfrm>
+          <a:prstGeom prst="ellipse">
+            <a:avLst/>
+          </a:prstGeom>
+          <a:solidFill>
+            <a:schemeClr val="bg1">
+              <a:lumMod val="50000"/>
+            </a:schemeClr>
+          </a:solidFill>
+          <a:ln w="12700">
+            <a:noFill/>
+          </a:ln>
+          <a:effectLst/>
+        </p:spPr>
+        <p:style>
+          <a:lnRef idx="2">
+            <a:schemeClr val="accent1">
+              <a:shade val="50000"/>
+            </a:schemeClr>
+          </a:lnRef>
+          <a:fillRef idx="1">
+            <a:schemeClr val="accent1"/>
+          </a:fillRef>
+          <a:effectRef idx="0">
+            <a:schemeClr val="accent1"/>
+          </a:effectRef>
+          <a:fontRef idx="minor">
+            <a:schemeClr val="lt1"/>
+          </a:fontRef>
+        </p:style>
+        <p:txBody>
+          <a:bodyPr rtlCol="0" anchor="ctr"/>
+          <a:lstStyle/>
+          <a:p>
+            <a:pPr algn="ctr"/>
+            <a:endParaRPr lang="en-GB" dirty="0"/>
+          </a:p>
+        </p:txBody>
+      </p:sp>
+      <p:sp>
+        <p:nvSpPr>
+          <p:cNvPr id="105" name="Oval 104"/>
+          <p:cNvSpPr/>
+          <p:nvPr/>
+        </p:nvSpPr>
+        <p:spPr>
+          <a:xfrm>
+            <a:off x="3439161" y="3440122"/>
+            <a:ext cx="108000" cy="108000"/>
+          </a:xfrm>
+          <a:prstGeom prst="ellipse">
+            <a:avLst/>
+          </a:prstGeom>
+          <a:solidFill>
+            <a:schemeClr val="bg1">
+              <a:lumMod val="50000"/>
+            </a:schemeClr>
+          </a:solidFill>
+          <a:ln w="12700">
+            <a:noFill/>
+          </a:ln>
+          <a:effectLst/>
+        </p:spPr>
+        <p:style>
+          <a:lnRef idx="2">
+            <a:schemeClr val="accent1">
+              <a:shade val="50000"/>
+            </a:schemeClr>
+          </a:lnRef>
+          <a:fillRef idx="1">
+            <a:schemeClr val="accent1"/>
+          </a:fillRef>
+          <a:effectRef idx="0">
+            <a:schemeClr val="accent1"/>
+          </a:effectRef>
+          <a:fontRef idx="minor">
+            <a:schemeClr val="lt1"/>
+          </a:fontRef>
+        </p:style>
+        <p:txBody>
+          <a:bodyPr rtlCol="0" anchor="ctr"/>
+          <a:lstStyle/>
+          <a:p>
+            <a:pPr algn="ctr"/>
+            <a:endParaRPr lang="en-GB" dirty="0"/>
+          </a:p>
+        </p:txBody>
+      </p:sp>
+      <p:sp>
+        <p:nvSpPr>
+          <p:cNvPr id="106" name="Oval 105"/>
+          <p:cNvSpPr/>
+          <p:nvPr/>
+        </p:nvSpPr>
+        <p:spPr>
+          <a:xfrm>
+            <a:off x="1991361" y="4079030"/>
+            <a:ext cx="108000" cy="108000"/>
+          </a:xfrm>
+          <a:prstGeom prst="ellipse">
+            <a:avLst/>
+          </a:prstGeom>
+          <a:solidFill>
+            <a:schemeClr val="bg1">
+              <a:lumMod val="50000"/>
+            </a:schemeClr>
+          </a:solidFill>
+          <a:ln w="12700">
+            <a:noFill/>
+          </a:ln>
+          <a:effectLst/>
+        </p:spPr>
+        <p:style>
+          <a:lnRef idx="2">
+            <a:schemeClr val="accent1">
+              <a:shade val="50000"/>
+            </a:schemeClr>
+          </a:lnRef>
+          <a:fillRef idx="1">
+            <a:schemeClr val="accent1"/>
+          </a:fillRef>
+          <a:effectRef idx="0">
+            <a:schemeClr val="accent1"/>
+          </a:effectRef>
+          <a:fontRef idx="minor">
+            <a:schemeClr val="lt1"/>
+          </a:fontRef>
+        </p:style>
+        <p:txBody>
+          <a:bodyPr rtlCol="0" anchor="ctr"/>
+          <a:lstStyle/>
+          <a:p>
+            <a:pPr algn="ctr"/>
+            <a:endParaRPr lang="en-GB" dirty="0"/>
+          </a:p>
+        </p:txBody>
+      </p:sp>
+      <p:sp>
+        <p:nvSpPr>
+          <p:cNvPr id="107" name="Oval 106"/>
+          <p:cNvSpPr/>
+          <p:nvPr/>
+        </p:nvSpPr>
+        <p:spPr>
+          <a:xfrm>
+            <a:off x="3292623" y="4034467"/>
+            <a:ext cx="108000" cy="108000"/>
+          </a:xfrm>
+          <a:prstGeom prst="ellipse">
+            <a:avLst/>
+          </a:prstGeom>
+          <a:solidFill>
+            <a:schemeClr val="bg1">
+              <a:lumMod val="50000"/>
+            </a:schemeClr>
+          </a:solidFill>
+          <a:ln w="12700">
+            <a:noFill/>
+          </a:ln>
+          <a:effectLst/>
+        </p:spPr>
+        <p:style>
+          <a:lnRef idx="2">
+            <a:schemeClr val="accent1">
+              <a:shade val="50000"/>
+            </a:schemeClr>
+          </a:lnRef>
+          <a:fillRef idx="1">
+            <a:schemeClr val="accent1"/>
+          </a:fillRef>
+          <a:effectRef idx="0">
+            <a:schemeClr val="accent1"/>
+          </a:effectRef>
+          <a:fontRef idx="minor">
+            <a:schemeClr val="lt1"/>
+          </a:fontRef>
+        </p:style>
+        <p:txBody>
+          <a:bodyPr rtlCol="0" anchor="ctr"/>
+          <a:lstStyle/>
+          <a:p>
+            <a:pPr algn="ctr"/>
+            <a:endParaRPr lang="en-GB" dirty="0"/>
+          </a:p>
+        </p:txBody>
+      </p:sp>
+      <p:sp>
+        <p:nvSpPr>
+          <p:cNvPr id="108" name="Oval 107"/>
+          <p:cNvSpPr/>
+          <p:nvPr/>
+        </p:nvSpPr>
+        <p:spPr>
+          <a:xfrm>
+            <a:off x="2454423" y="3958267"/>
+            <a:ext cx="108000" cy="108000"/>
+          </a:xfrm>
+          <a:prstGeom prst="ellipse">
+            <a:avLst/>
+          </a:prstGeom>
+          <a:solidFill>
+            <a:schemeClr val="bg1">
+              <a:lumMod val="50000"/>
+            </a:schemeClr>
+          </a:solidFill>
+          <a:ln w="12700">
+            <a:noFill/>
+          </a:ln>
+          <a:effectLst/>
+        </p:spPr>
+        <p:style>
+          <a:lnRef idx="2">
+            <a:schemeClr val="accent1">
+              <a:shade val="50000"/>
+            </a:schemeClr>
+          </a:lnRef>
+          <a:fillRef idx="1">
+            <a:schemeClr val="accent1"/>
+          </a:fillRef>
+          <a:effectRef idx="0">
+            <a:schemeClr val="accent1"/>
+          </a:effectRef>
+          <a:fontRef idx="minor">
+            <a:schemeClr val="lt1"/>
+          </a:fontRef>
+        </p:style>
+        <p:txBody>
+          <a:bodyPr rtlCol="0" anchor="ctr"/>
+          <a:lstStyle/>
+          <a:p>
+            <a:pPr algn="ctr"/>
+            <a:endParaRPr lang="en-GB" dirty="0"/>
+          </a:p>
+        </p:txBody>
+      </p:sp>
+      <p:sp>
+        <p:nvSpPr>
+          <p:cNvPr id="110" name="Oval 109"/>
+          <p:cNvSpPr/>
+          <p:nvPr/>
+        </p:nvSpPr>
+        <p:spPr>
+          <a:xfrm>
+            <a:off x="2263923" y="2667000"/>
+            <a:ext cx="108000" cy="108000"/>
+          </a:xfrm>
+          <a:prstGeom prst="ellipse">
+            <a:avLst/>
+          </a:prstGeom>
+          <a:solidFill>
+            <a:schemeClr val="bg1">
+              <a:lumMod val="50000"/>
+            </a:schemeClr>
+          </a:solidFill>
+          <a:ln w="12700">
+            <a:noFill/>
+          </a:ln>
+          <a:effectLst/>
+        </p:spPr>
+        <p:style>
+          <a:lnRef idx="2">
+            <a:schemeClr val="accent1">
+              <a:shade val="50000"/>
+            </a:schemeClr>
+          </a:lnRef>
+          <a:fillRef idx="1">
+            <a:schemeClr val="accent1"/>
+          </a:fillRef>
+          <a:effectRef idx="0">
+            <a:schemeClr val="accent1"/>
+          </a:effectRef>
+          <a:fontRef idx="minor">
+            <a:schemeClr val="lt1"/>
+          </a:fontRef>
+        </p:style>
+        <p:txBody>
+          <a:bodyPr rtlCol="0" anchor="ctr"/>
+          <a:lstStyle/>
+          <a:p>
+            <a:pPr algn="ctr"/>
+            <a:endParaRPr lang="en-GB" dirty="0"/>
+          </a:p>
+        </p:txBody>
+      </p:sp>
+      <p:sp>
+        <p:nvSpPr>
+          <p:cNvPr id="111" name="Oval 110"/>
+          <p:cNvSpPr/>
+          <p:nvPr/>
+        </p:nvSpPr>
+        <p:spPr>
+          <a:xfrm>
+            <a:off x="2378223" y="3168600"/>
+            <a:ext cx="108000" cy="108000"/>
+          </a:xfrm>
+          <a:prstGeom prst="ellipse">
+            <a:avLst/>
+          </a:prstGeom>
+          <a:solidFill>
+            <a:schemeClr val="bg1">
+              <a:lumMod val="50000"/>
+            </a:schemeClr>
+          </a:solidFill>
+          <a:ln w="12700">
+            <a:noFill/>
+          </a:ln>
+          <a:effectLst/>
+        </p:spPr>
+        <p:style>
+          <a:lnRef idx="2">
+            <a:schemeClr val="accent1">
+              <a:shade val="50000"/>
+            </a:schemeClr>
+          </a:lnRef>
+          <a:fillRef idx="1">
+            <a:schemeClr val="accent1"/>
+          </a:fillRef>
+          <a:effectRef idx="0">
+            <a:schemeClr val="accent1"/>
+          </a:effectRef>
+          <a:fontRef idx="minor">
+            <a:schemeClr val="lt1"/>
+          </a:fontRef>
+        </p:style>
+        <p:txBody>
+          <a:bodyPr rtlCol="0" anchor="ctr"/>
+          <a:lstStyle/>
+          <a:p>
+            <a:pPr algn="ctr"/>
+            <a:endParaRPr lang="en-GB" dirty="0"/>
+          </a:p>
+        </p:txBody>
+      </p:sp>
+      <p:sp>
+        <p:nvSpPr>
+          <p:cNvPr id="112" name="Oval 111"/>
+          <p:cNvSpPr/>
+          <p:nvPr/>
+        </p:nvSpPr>
+        <p:spPr>
+          <a:xfrm>
+            <a:off x="2645581" y="3115846"/>
+            <a:ext cx="108000" cy="108000"/>
+          </a:xfrm>
+          <a:prstGeom prst="ellipse">
+            <a:avLst/>
+          </a:prstGeom>
+          <a:solidFill>
+            <a:schemeClr val="bg1">
+              <a:lumMod val="50000"/>
+            </a:schemeClr>
+          </a:solidFill>
+          <a:ln w="12700">
+            <a:noFill/>
+          </a:ln>
+          <a:effectLst/>
+        </p:spPr>
+        <p:style>
+          <a:lnRef idx="2">
+            <a:schemeClr val="accent1">
+              <a:shade val="50000"/>
+            </a:schemeClr>
+          </a:lnRef>
+          <a:fillRef idx="1">
+            <a:schemeClr val="accent1"/>
+          </a:fillRef>
+          <a:effectRef idx="0">
+            <a:schemeClr val="accent1"/>
+          </a:effectRef>
+          <a:fontRef idx="minor">
+            <a:schemeClr val="lt1"/>
+          </a:fontRef>
+        </p:style>
+        <p:txBody>
+          <a:bodyPr rtlCol="0" anchor="ctr"/>
+          <a:lstStyle/>
+          <a:p>
+            <a:pPr algn="ctr"/>
+            <a:endParaRPr lang="en-GB" dirty="0"/>
+          </a:p>
+        </p:txBody>
+      </p:sp>
+      <p:sp>
+        <p:nvSpPr>
+          <p:cNvPr id="113" name="Oval 112"/>
+          <p:cNvSpPr/>
+          <p:nvPr/>
+        </p:nvSpPr>
+        <p:spPr>
+          <a:xfrm>
+            <a:off x="2835423" y="3733800"/>
+            <a:ext cx="108000" cy="108000"/>
+          </a:xfrm>
+          <a:prstGeom prst="ellipse">
+            <a:avLst/>
+          </a:prstGeom>
+          <a:solidFill>
+            <a:schemeClr val="bg1">
+              <a:lumMod val="50000"/>
+            </a:schemeClr>
+          </a:solidFill>
+          <a:ln w="12700">
+            <a:noFill/>
+          </a:ln>
+          <a:effectLst/>
+        </p:spPr>
+        <p:style>
+          <a:lnRef idx="2">
+            <a:schemeClr val="accent1">
+              <a:shade val="50000"/>
+            </a:schemeClr>
+          </a:lnRef>
+          <a:fillRef idx="1">
+            <a:schemeClr val="accent1"/>
+          </a:fillRef>
+          <a:effectRef idx="0">
+            <a:schemeClr val="accent1"/>
+          </a:effectRef>
+          <a:fontRef idx="minor">
+            <a:schemeClr val="lt1"/>
+          </a:fontRef>
+        </p:style>
+        <p:txBody>
+          <a:bodyPr rtlCol="0" anchor="ctr"/>
+          <a:lstStyle/>
+          <a:p>
+            <a:pPr algn="ctr"/>
+            <a:endParaRPr lang="en-GB" dirty="0"/>
+          </a:p>
+        </p:txBody>
+      </p:sp>
+      <p:sp>
+        <p:nvSpPr>
+          <p:cNvPr id="114" name="Oval 113"/>
+          <p:cNvSpPr/>
+          <p:nvPr/>
+        </p:nvSpPr>
+        <p:spPr>
+          <a:xfrm>
+            <a:off x="2302023" y="3733800"/>
+            <a:ext cx="108000" cy="108000"/>
+          </a:xfrm>
+          <a:prstGeom prst="ellipse">
+            <a:avLst/>
+          </a:prstGeom>
+          <a:solidFill>
+            <a:schemeClr val="bg1">
+              <a:lumMod val="50000"/>
+            </a:schemeClr>
+          </a:solidFill>
+          <a:ln w="12700">
+            <a:noFill/>
+          </a:ln>
+          <a:effectLst/>
+        </p:spPr>
+        <p:style>
+          <a:lnRef idx="2">
+            <a:schemeClr val="accent1">
+              <a:shade val="50000"/>
+            </a:schemeClr>
+          </a:lnRef>
+          <a:fillRef idx="1">
+            <a:schemeClr val="accent1"/>
+          </a:fillRef>
+          <a:effectRef idx="0">
+            <a:schemeClr val="accent1"/>
+          </a:effectRef>
+          <a:fontRef idx="minor">
+            <a:schemeClr val="lt1"/>
+          </a:fontRef>
+        </p:style>
+        <p:txBody>
+          <a:bodyPr rtlCol="0" anchor="ctr"/>
+          <a:lstStyle/>
+          <a:p>
+            <a:pPr algn="ctr"/>
+            <a:endParaRPr lang="en-GB" dirty="0"/>
+          </a:p>
+        </p:txBody>
+      </p:sp>
+      <p:sp>
+        <p:nvSpPr>
+          <p:cNvPr id="22" name="Freeform 21"/>
+          <p:cNvSpPr/>
+          <p:nvPr/>
+        </p:nvSpPr>
+        <p:spPr>
+          <a:xfrm>
+            <a:off x="2046281" y="3173219"/>
+            <a:ext cx="1443633" cy="609448"/>
+          </a:xfrm>
+          <a:custGeom>
+            <a:avLst/>
+            <a:gdLst>
+              <a:gd name="connsiteX0" fmla="*/ 0 w 1443633"/>
+              <a:gd name="connsiteY0" fmla="*/ 377926 h 609448"/>
+              <a:gd name="connsiteX1" fmla="*/ 303027 w 1443633"/>
+              <a:gd name="connsiteY1" fmla="*/ 606044 h 609448"/>
+              <a:gd name="connsiteX2" fmla="*/ 840984 w 1443633"/>
+              <a:gd name="connsiteY2" fmla="*/ 609448 h 609448"/>
+              <a:gd name="connsiteX3" fmla="*/ 1443633 w 1443633"/>
+              <a:gd name="connsiteY3" fmla="*/ 320045 h 609448"/>
+              <a:gd name="connsiteX4" fmla="*/ 1069106 w 1443633"/>
+              <a:gd name="connsiteY4" fmla="*/ 37452 h 609448"/>
+              <a:gd name="connsiteX5" fmla="*/ 650316 w 1443633"/>
+              <a:gd name="connsiteY5" fmla="*/ 0 h 609448"/>
+              <a:gd name="connsiteX6" fmla="*/ 381337 w 1443633"/>
+              <a:gd name="connsiteY6" fmla="*/ 40857 h 609448"/>
+            </a:gdLst>
+            <a:ahLst/>
+            <a:cxnLst>
+              <a:cxn ang="0">
+                <a:pos x="connsiteX0" y="connsiteY0"/>
+              </a:cxn>
+              <a:cxn ang="0">
+                <a:pos x="connsiteX1" y="connsiteY1"/>
+              </a:cxn>
+              <a:cxn ang="0">
+                <a:pos x="connsiteX2" y="connsiteY2"/>
+              </a:cxn>
+              <a:cxn ang="0">
+                <a:pos x="connsiteX3" y="connsiteY3"/>
+              </a:cxn>
+              <a:cxn ang="0">
+                <a:pos x="connsiteX4" y="connsiteY4"/>
+              </a:cxn>
+              <a:cxn ang="0">
+                <a:pos x="connsiteX5" y="connsiteY5"/>
+              </a:cxn>
+              <a:cxn ang="0">
+                <a:pos x="connsiteX6" y="connsiteY6"/>
+              </a:cxn>
+            </a:cxnLst>
+            <a:rect l="l" t="t" r="r" b="b"/>
+            <a:pathLst>
+              <a:path w="1443633" h="609448">
+                <a:moveTo>
+                  <a:pt x="0" y="377926"/>
+                </a:moveTo>
+                <a:lnTo>
+                  <a:pt x="303027" y="606044"/>
+                </a:lnTo>
+                <a:lnTo>
+                  <a:pt x="840984" y="609448"/>
+                </a:lnTo>
+                <a:lnTo>
+                  <a:pt x="1443633" y="320045"/>
+                </a:lnTo>
+                <a:lnTo>
+                  <a:pt x="1069106" y="37452"/>
+                </a:lnTo>
+                <a:lnTo>
+                  <a:pt x="650316" y="0"/>
+                </a:lnTo>
+                <a:lnTo>
+                  <a:pt x="381337" y="40857"/>
+                </a:lnTo>
+              </a:path>
+            </a:pathLst>
+          </a:custGeom>
+          <a:ln w="38100" cap="rnd">
+            <a:solidFill>
+              <a:srgbClr val="0365C0">
+                <a:alpha val="50000"/>
+              </a:srgbClr>
+            </a:solidFill>
+          </a:ln>
+          <a:effectLst/>
+        </p:spPr>
+        <p:style>
+          <a:lnRef idx="2">
+            <a:schemeClr val="accent1"/>
+          </a:lnRef>
+          <a:fillRef idx="0">
+            <a:schemeClr val="accent1"/>
+          </a:fillRef>
+          <a:effectRef idx="1">
+            <a:schemeClr val="accent1"/>
+          </a:effectRef>
+          <a:fontRef idx="minor">
+            <a:schemeClr val="tx1"/>
+          </a:fontRef>
+        </p:style>
+        <p:txBody>
+          <a:bodyPr rtlCol="0" anchor="ctr"/>
+          <a:lstStyle/>
+          <a:p>
+            <a:pPr algn="ctr"/>
+            <a:endParaRPr lang="en-US"/>
+          </a:p>
+        </p:txBody>
+      </p:sp>
+      <p:sp>
+        <p:nvSpPr>
+          <p:cNvPr id="2" name="Diamond 1"/>
+          <p:cNvSpPr/>
+          <p:nvPr/>
+        </p:nvSpPr>
+        <p:spPr>
+          <a:xfrm>
+            <a:off x="2819400" y="2895600"/>
+            <a:ext cx="152400" cy="152400"/>
+          </a:xfrm>
+          <a:prstGeom prst="diamond">
+            <a:avLst/>
+          </a:prstGeom>
+          <a:solidFill>
+            <a:srgbClr val="DC143C"/>
+          </a:solidFill>
+          <a:ln>
+            <a:noFill/>
+          </a:ln>
+          <a:effectLst/>
+        </p:spPr>
+        <p:style>
+          <a:lnRef idx="2">
+            <a:schemeClr val="accent1">
+              <a:shade val="50000"/>
+            </a:schemeClr>
+          </a:lnRef>
+          <a:fillRef idx="1">
+            <a:schemeClr val="accent1"/>
+          </a:fillRef>
+          <a:effectRef idx="0">
+            <a:schemeClr val="accent1"/>
+          </a:effectRef>
+          <a:fontRef idx="minor">
+            <a:schemeClr val="lt1"/>
+          </a:fontRef>
+        </p:style>
+        <p:txBody>
+          <a:bodyPr rtlCol="0" anchor="ctr"/>
+          <a:lstStyle/>
+          <a:p>
+            <a:pPr algn="ctr"/>
+            <a:endParaRPr lang="en-US" dirty="0"/>
+          </a:p>
+        </p:txBody>
+      </p:sp>
+      <p:sp>
+        <p:nvSpPr>
+          <p:cNvPr id="27" name="Diamond 26"/>
+          <p:cNvSpPr/>
+          <p:nvPr/>
+        </p:nvSpPr>
+        <p:spPr>
+          <a:xfrm>
+            <a:off x="3048000" y="2667000"/>
+            <a:ext cx="152400" cy="152400"/>
+          </a:xfrm>
+          <a:prstGeom prst="diamond">
+            <a:avLst/>
+          </a:prstGeom>
+          <a:solidFill>
+            <a:srgbClr val="DC143C"/>
+          </a:solidFill>
+          <a:ln>
+            <a:noFill/>
+          </a:ln>
+          <a:effectLst/>
+        </p:spPr>
+        <p:style>
+          <a:lnRef idx="2">
+            <a:schemeClr val="accent1">
+              <a:shade val="50000"/>
+            </a:schemeClr>
+          </a:lnRef>
+          <a:fillRef idx="1">
+            <a:schemeClr val="accent1"/>
+          </a:fillRef>
+          <a:effectRef idx="0">
+            <a:schemeClr val="accent1"/>
+          </a:effectRef>
+          <a:fontRef idx="minor">
+            <a:schemeClr val="lt1"/>
+          </a:fontRef>
+        </p:style>
+        <p:txBody>
+          <a:bodyPr rtlCol="0" anchor="ctr"/>
+          <a:lstStyle/>
+          <a:p>
+            <a:pPr algn="ctr"/>
+            <a:endParaRPr lang="en-US" dirty="0"/>
+          </a:p>
+        </p:txBody>
+      </p:sp>
+      <p:sp>
+        <p:nvSpPr>
+          <p:cNvPr id="28" name="Diamond 27"/>
+          <p:cNvSpPr/>
+          <p:nvPr/>
+        </p:nvSpPr>
+        <p:spPr>
+          <a:xfrm>
+            <a:off x="3200400" y="2819400"/>
+            <a:ext cx="152400" cy="152400"/>
+          </a:xfrm>
+          <a:prstGeom prst="diamond">
+            <a:avLst/>
+          </a:prstGeom>
+          <a:solidFill>
+            <a:srgbClr val="DC143C"/>
+          </a:solidFill>
+          <a:ln>
+            <a:noFill/>
+          </a:ln>
+          <a:effectLst/>
+        </p:spPr>
+        <p:style>
+          <a:lnRef idx="2">
+            <a:schemeClr val="accent1">
+              <a:shade val="50000"/>
+            </a:schemeClr>
+          </a:lnRef>
+          <a:fillRef idx="1">
+            <a:schemeClr val="accent1"/>
+          </a:fillRef>
+          <a:effectRef idx="0">
+            <a:schemeClr val="accent1"/>
+          </a:effectRef>
+          <a:fontRef idx="minor">
+            <a:schemeClr val="lt1"/>
+          </a:fontRef>
+        </p:style>
+        <p:txBody>
+          <a:bodyPr rtlCol="0" anchor="ctr"/>
+          <a:lstStyle/>
+          <a:p>
+            <a:pPr algn="ctr"/>
+            <a:endParaRPr lang="en-US" dirty="0"/>
+          </a:p>
+        </p:txBody>
+      </p:sp>
+      <p:sp>
+        <p:nvSpPr>
+          <p:cNvPr id="23" name="Freeform 22"/>
+          <p:cNvSpPr/>
+          <p:nvPr/>
+        </p:nvSpPr>
+        <p:spPr>
+          <a:xfrm>
+            <a:off x="2036410" y="2764550"/>
+            <a:ext cx="1313813" cy="1363115"/>
+          </a:xfrm>
+          <a:custGeom>
+            <a:avLst/>
+            <a:gdLst>
+              <a:gd name="connsiteX0" fmla="*/ 0 w 1313813"/>
+              <a:gd name="connsiteY0" fmla="*/ 1363115 h 1363115"/>
+              <a:gd name="connsiteX1" fmla="*/ 322979 w 1313813"/>
+              <a:gd name="connsiteY1" fmla="*/ 1012756 h 1363115"/>
+              <a:gd name="connsiteX2" fmla="*/ 470783 w 1313813"/>
+              <a:gd name="connsiteY2" fmla="*/ 1242679 h 1363115"/>
+              <a:gd name="connsiteX3" fmla="*/ 848504 w 1313813"/>
+              <a:gd name="connsiteY3" fmla="*/ 1029179 h 1363115"/>
+              <a:gd name="connsiteX4" fmla="*/ 1313813 w 1313813"/>
+              <a:gd name="connsiteY4" fmla="*/ 1313846 h 1363115"/>
+              <a:gd name="connsiteX5" fmla="*/ 1242648 w 1313813"/>
+              <a:gd name="connsiteY5" fmla="*/ 147808 h 1363115"/>
+              <a:gd name="connsiteX6" fmla="*/ 864927 w 1313813"/>
+              <a:gd name="connsiteY6" fmla="*/ 208026 h 1363115"/>
+              <a:gd name="connsiteX7" fmla="*/ 1072947 w 1313813"/>
+              <a:gd name="connsiteY7" fmla="*/ 0 h 1363115"/>
+            </a:gdLst>
+            <a:ahLst/>
+            <a:cxnLst>
+              <a:cxn ang="0">
+                <a:pos x="connsiteX0" y="connsiteY0"/>
+              </a:cxn>
+              <a:cxn ang="0">
+                <a:pos x="connsiteX1" y="connsiteY1"/>
+              </a:cxn>
+              <a:cxn ang="0">
+                <a:pos x="connsiteX2" y="connsiteY2"/>
+              </a:cxn>
+              <a:cxn ang="0">
+                <a:pos x="connsiteX3" y="connsiteY3"/>
+              </a:cxn>
+              <a:cxn ang="0">
+                <a:pos x="connsiteX4" y="connsiteY4"/>
+              </a:cxn>
+              <a:cxn ang="0">
+                <a:pos x="connsiteX5" y="connsiteY5"/>
+              </a:cxn>
+              <a:cxn ang="0">
+                <a:pos x="connsiteX6" y="connsiteY6"/>
+              </a:cxn>
+              <a:cxn ang="0">
+                <a:pos x="connsiteX7" y="connsiteY7"/>
+              </a:cxn>
+            </a:cxnLst>
+            <a:rect l="l" t="t" r="r" b="b"/>
+            <a:pathLst>
+              <a:path w="1313813" h="1363115">
+                <a:moveTo>
+                  <a:pt x="0" y="1363115"/>
+                </a:moveTo>
+                <a:lnTo>
+                  <a:pt x="322979" y="1012756"/>
+                </a:lnTo>
+                <a:lnTo>
+                  <a:pt x="470783" y="1242679"/>
+                </a:lnTo>
+                <a:lnTo>
+                  <a:pt x="848504" y="1029179"/>
+                </a:lnTo>
+                <a:lnTo>
+                  <a:pt x="1313813" y="1313846"/>
+                </a:lnTo>
+                <a:lnTo>
+                  <a:pt x="1242648" y="147808"/>
+                </a:lnTo>
+                <a:lnTo>
+                  <a:pt x="864927" y="208026"/>
+                </a:lnTo>
+                <a:lnTo>
+                  <a:pt x="1072947" y="0"/>
+                </a:lnTo>
+              </a:path>
+            </a:pathLst>
+          </a:custGeom>
+          <a:ln w="38100" cap="rnd">
+            <a:solidFill>
+              <a:srgbClr val="DE6A10">
+                <a:alpha val="50000"/>
+              </a:srgbClr>
+            </a:solidFill>
+          </a:ln>
+          <a:effectLst/>
+        </p:spPr>
+        <p:style>
+          <a:lnRef idx="2">
+            <a:schemeClr val="accent1"/>
+          </a:lnRef>
+          <a:fillRef idx="0">
+            <a:schemeClr val="accent1"/>
+          </a:fillRef>
+          <a:effectRef idx="1">
+            <a:schemeClr val="accent1"/>
+          </a:effectRef>
+          <a:fontRef idx="minor">
+            <a:schemeClr val="tx1"/>
+          </a:fontRef>
+        </p:style>
+        <p:txBody>
+          <a:bodyPr rtlCol="0" anchor="ctr"/>
+          <a:lstStyle/>
+          <a:p>
+            <a:pPr algn="ctr"/>
+            <a:endParaRPr lang="en-US"/>
+          </a:p>
+        </p:txBody>
+      </p:sp>
+      <p:sp>
+        <p:nvSpPr>
+          <p:cNvPr id="20" name="Freeform 19"/>
+          <p:cNvSpPr/>
+          <p:nvPr/>
+        </p:nvSpPr>
+        <p:spPr>
+          <a:xfrm>
+            <a:off x="2121187" y="2716983"/>
+            <a:ext cx="1375536" cy="507307"/>
+          </a:xfrm>
+          <a:custGeom>
+            <a:avLst/>
+            <a:gdLst>
+              <a:gd name="connsiteX0" fmla="*/ 0 w 1375536"/>
+              <a:gd name="connsiteY0" fmla="*/ 381332 h 507307"/>
+              <a:gd name="connsiteX1" fmla="*/ 197478 w 1375536"/>
+              <a:gd name="connsiteY1" fmla="*/ 0 h 507307"/>
+              <a:gd name="connsiteX2" fmla="*/ 309836 w 1375536"/>
+              <a:gd name="connsiteY2" fmla="*/ 503902 h 507307"/>
+              <a:gd name="connsiteX3" fmla="*/ 459647 w 1375536"/>
+              <a:gd name="connsiteY3" fmla="*/ 231523 h 507307"/>
+              <a:gd name="connsiteX4" fmla="*/ 578815 w 1375536"/>
+              <a:gd name="connsiteY4" fmla="*/ 456236 h 507307"/>
+              <a:gd name="connsiteX5" fmla="*/ 772888 w 1375536"/>
+              <a:gd name="connsiteY5" fmla="*/ 272380 h 507307"/>
+              <a:gd name="connsiteX6" fmla="*/ 1001009 w 1375536"/>
+              <a:gd name="connsiteY6" fmla="*/ 507307 h 507307"/>
+              <a:gd name="connsiteX7" fmla="*/ 997604 w 1375536"/>
+              <a:gd name="connsiteY7" fmla="*/ 47667 h 507307"/>
+              <a:gd name="connsiteX8" fmla="*/ 1140606 w 1375536"/>
+              <a:gd name="connsiteY8" fmla="*/ 197475 h 507307"/>
+              <a:gd name="connsiteX9" fmla="*/ 1375536 w 1375536"/>
+              <a:gd name="connsiteY9" fmla="*/ 194071 h 507307"/>
+            </a:gdLst>
+            <a:ahLst/>
+            <a:cxnLst>
+              <a:cxn ang="0">
+                <a:pos x="connsiteX0" y="connsiteY0"/>
+              </a:cxn>
+              <a:cxn ang="0">
+                <a:pos x="connsiteX1" y="connsiteY1"/>
+              </a:cxn>
+              <a:cxn ang="0">
+                <a:pos x="connsiteX2" y="connsiteY2"/>
+              </a:cxn>
+              <a:cxn ang="0">
+                <a:pos x="connsiteX3" y="connsiteY3"/>
+              </a:cxn>
+              <a:cxn ang="0">
+                <a:pos x="connsiteX4" y="connsiteY4"/>
+              </a:cxn>
+              <a:cxn ang="0">
+                <a:pos x="connsiteX5" y="connsiteY5"/>
+              </a:cxn>
+              <a:cxn ang="0">
+                <a:pos x="connsiteX6" y="connsiteY6"/>
+              </a:cxn>
+              <a:cxn ang="0">
+                <a:pos x="connsiteX7" y="connsiteY7"/>
+              </a:cxn>
+              <a:cxn ang="0">
+                <a:pos x="connsiteX8" y="connsiteY8"/>
+              </a:cxn>
+              <a:cxn ang="0">
+                <a:pos x="connsiteX9" y="connsiteY9"/>
+              </a:cxn>
+            </a:cxnLst>
+            <a:rect l="l" t="t" r="r" b="b"/>
+            <a:pathLst>
+              <a:path w="1375536" h="507307">
+                <a:moveTo>
+                  <a:pt x="0" y="381332"/>
+                </a:moveTo>
+                <a:lnTo>
+                  <a:pt x="197478" y="0"/>
+                </a:lnTo>
+                <a:lnTo>
+                  <a:pt x="309836" y="503902"/>
+                </a:lnTo>
+                <a:lnTo>
+                  <a:pt x="459647" y="231523"/>
+                </a:lnTo>
+                <a:lnTo>
+                  <a:pt x="578815" y="456236"/>
+                </a:lnTo>
+                <a:lnTo>
+                  <a:pt x="772888" y="272380"/>
+                </a:lnTo>
+                <a:lnTo>
+                  <a:pt x="1001009" y="507307"/>
+                </a:lnTo>
+                <a:lnTo>
+                  <a:pt x="997604" y="47667"/>
+                </a:lnTo>
+                <a:lnTo>
+                  <a:pt x="1140606" y="197475"/>
+                </a:lnTo>
+                <a:lnTo>
+                  <a:pt x="1375536" y="194071"/>
+                </a:lnTo>
+              </a:path>
+            </a:pathLst>
+          </a:custGeom>
+          <a:ln w="38100" cap="rnd">
+            <a:solidFill>
+              <a:srgbClr val="00882B">
+                <a:alpha val="50000"/>
+              </a:srgbClr>
+            </a:solidFill>
+          </a:ln>
+          <a:effectLst/>
+        </p:spPr>
+        <p:style>
+          <a:lnRef idx="2">
+            <a:schemeClr val="accent1"/>
+          </a:lnRef>
+          <a:fillRef idx="0">
+            <a:schemeClr val="accent1"/>
+          </a:fillRef>
+          <a:effectRef idx="1">
+            <a:schemeClr val="accent1"/>
+          </a:effectRef>
+          <a:fontRef idx="minor">
+            <a:schemeClr val="tx1"/>
+          </a:fontRef>
+        </p:style>
+        <p:txBody>
+          <a:bodyPr rtlCol="0" anchor="ctr"/>
+          <a:lstStyle/>
+          <a:p>
+            <a:pPr algn="ctr"/>
+            <a:endParaRPr lang="en-US"/>
+          </a:p>
+        </p:txBody>
+      </p:sp>
+      <p:sp>
+        <p:nvSpPr>
+          <p:cNvPr id="29" name="Oval 28"/>
+          <p:cNvSpPr/>
+          <p:nvPr/>
+        </p:nvSpPr>
+        <p:spPr>
+          <a:xfrm>
+            <a:off x="6369000" y="3168600"/>
+            <a:ext cx="108000" cy="108000"/>
+          </a:xfrm>
+          <a:prstGeom prst="ellipse">
+            <a:avLst/>
+          </a:prstGeom>
+          <a:solidFill>
+            <a:schemeClr val="bg1">
+              <a:lumMod val="50000"/>
+            </a:schemeClr>
+          </a:solidFill>
+          <a:ln w="12700">
+            <a:noFill/>
+          </a:ln>
+          <a:effectLst/>
+        </p:spPr>
+        <p:style>
+          <a:lnRef idx="2">
+            <a:schemeClr val="accent1">
+              <a:shade val="50000"/>
+            </a:schemeClr>
+          </a:lnRef>
+          <a:fillRef idx="1">
+            <a:schemeClr val="accent1"/>
+          </a:fillRef>
+          <a:effectRef idx="0">
+            <a:schemeClr val="accent1"/>
+          </a:effectRef>
+          <a:fontRef idx="minor">
+            <a:schemeClr val="lt1"/>
+          </a:fontRef>
+        </p:style>
+        <p:txBody>
+          <a:bodyPr rtlCol="0" anchor="ctr"/>
+          <a:lstStyle/>
+          <a:p>
+            <a:pPr algn="ctr"/>
+            <a:endParaRPr lang="en-GB" dirty="0"/>
+          </a:p>
+        </p:txBody>
+      </p:sp>
+      <p:sp>
+        <p:nvSpPr>
+          <p:cNvPr id="30" name="Oval 29"/>
+          <p:cNvSpPr/>
+          <p:nvPr/>
+        </p:nvSpPr>
+        <p:spPr>
+          <a:xfrm>
+            <a:off x="5378400" y="3048000"/>
+            <a:ext cx="108000" cy="108000"/>
+          </a:xfrm>
+          <a:prstGeom prst="ellipse">
+            <a:avLst/>
+          </a:prstGeom>
+          <a:solidFill>
+            <a:schemeClr val="bg1">
+              <a:lumMod val="50000"/>
+            </a:schemeClr>
+          </a:solidFill>
+          <a:ln w="12700">
+            <a:noFill/>
+          </a:ln>
+          <a:effectLst/>
+        </p:spPr>
+        <p:style>
+          <a:lnRef idx="2">
+            <a:schemeClr val="accent1">
+              <a:shade val="50000"/>
+            </a:schemeClr>
+          </a:lnRef>
+          <a:fillRef idx="1">
+            <a:schemeClr val="accent1"/>
+          </a:fillRef>
+          <a:effectRef idx="0">
+            <a:schemeClr val="accent1"/>
+          </a:effectRef>
+          <a:fontRef idx="minor">
+            <a:schemeClr val="lt1"/>
+          </a:fontRef>
+        </p:style>
+        <p:txBody>
+          <a:bodyPr rtlCol="0" anchor="ctr"/>
+          <a:lstStyle/>
+          <a:p>
+            <a:pPr algn="ctr"/>
+            <a:endParaRPr lang="en-GB" dirty="0"/>
+          </a:p>
+        </p:txBody>
+      </p:sp>
+      <p:sp>
+        <p:nvSpPr>
+          <p:cNvPr id="31" name="Oval 30"/>
+          <p:cNvSpPr/>
+          <p:nvPr/>
+        </p:nvSpPr>
+        <p:spPr>
+          <a:xfrm>
+            <a:off x="6750000" y="2863362"/>
+            <a:ext cx="108000" cy="108000"/>
+          </a:xfrm>
+          <a:prstGeom prst="ellipse">
+            <a:avLst/>
+          </a:prstGeom>
+          <a:solidFill>
+            <a:schemeClr val="bg1">
+              <a:lumMod val="50000"/>
+            </a:schemeClr>
+          </a:solidFill>
+          <a:ln w="12700">
+            <a:noFill/>
+          </a:ln>
+          <a:effectLst/>
+        </p:spPr>
+        <p:style>
+          <a:lnRef idx="2">
+            <a:schemeClr val="accent1">
+              <a:shade val="50000"/>
+            </a:schemeClr>
+          </a:lnRef>
+          <a:fillRef idx="1">
+            <a:schemeClr val="accent1"/>
+          </a:fillRef>
+          <a:effectRef idx="0">
+            <a:schemeClr val="accent1"/>
+          </a:effectRef>
+          <a:fontRef idx="minor">
+            <a:schemeClr val="lt1"/>
+          </a:fontRef>
+        </p:style>
+        <p:txBody>
+          <a:bodyPr rtlCol="0" anchor="ctr"/>
+          <a:lstStyle/>
+          <a:p>
+            <a:pPr algn="ctr"/>
+            <a:endParaRPr lang="en-GB" dirty="0"/>
+          </a:p>
+        </p:txBody>
+      </p:sp>
+      <p:sp>
+        <p:nvSpPr>
+          <p:cNvPr id="32" name="Oval 31"/>
+          <p:cNvSpPr/>
+          <p:nvPr/>
+        </p:nvSpPr>
+        <p:spPr>
+          <a:xfrm>
+            <a:off x="5835600" y="2895600"/>
+            <a:ext cx="108000" cy="108000"/>
+          </a:xfrm>
+          <a:prstGeom prst="ellipse">
+            <a:avLst/>
+          </a:prstGeom>
+          <a:solidFill>
+            <a:schemeClr val="bg1">
+              <a:lumMod val="50000"/>
+            </a:schemeClr>
+          </a:solidFill>
+          <a:ln w="12700">
+            <a:noFill/>
+          </a:ln>
+          <a:effectLst/>
+        </p:spPr>
+        <p:style>
+          <a:lnRef idx="2">
+            <a:schemeClr val="accent1">
+              <a:shade val="50000"/>
+            </a:schemeClr>
+          </a:lnRef>
+          <a:fillRef idx="1">
+            <a:schemeClr val="accent1"/>
+          </a:fillRef>
+          <a:effectRef idx="0">
+            <a:schemeClr val="accent1"/>
+          </a:effectRef>
+          <a:fontRef idx="minor">
+            <a:schemeClr val="lt1"/>
+          </a:fontRef>
+        </p:style>
+        <p:txBody>
+          <a:bodyPr rtlCol="0" anchor="ctr"/>
+          <a:lstStyle/>
+          <a:p>
+            <a:pPr algn="ctr"/>
+            <a:endParaRPr lang="en-GB" dirty="0"/>
+          </a:p>
+        </p:txBody>
+      </p:sp>
+      <p:sp>
+        <p:nvSpPr>
+          <p:cNvPr id="33" name="Oval 32"/>
+          <p:cNvSpPr/>
+          <p:nvPr/>
+        </p:nvSpPr>
+        <p:spPr>
+          <a:xfrm>
+            <a:off x="5302200" y="3502270"/>
+            <a:ext cx="108000" cy="108000"/>
+          </a:xfrm>
+          <a:prstGeom prst="ellipse">
+            <a:avLst/>
+          </a:prstGeom>
+          <a:solidFill>
+            <a:schemeClr val="bg1">
+              <a:lumMod val="50000"/>
+            </a:schemeClr>
+          </a:solidFill>
+          <a:ln w="12700">
+            <a:noFill/>
+          </a:ln>
+          <a:effectLst/>
+        </p:spPr>
+        <p:style>
+          <a:lnRef idx="2">
+            <a:schemeClr val="accent1">
+              <a:shade val="50000"/>
+            </a:schemeClr>
+          </a:lnRef>
+          <a:fillRef idx="1">
+            <a:schemeClr val="accent1"/>
+          </a:fillRef>
+          <a:effectRef idx="0">
+            <a:schemeClr val="accent1"/>
+          </a:effectRef>
+          <a:fontRef idx="minor">
+            <a:schemeClr val="lt1"/>
+          </a:fontRef>
+        </p:style>
+        <p:txBody>
+          <a:bodyPr rtlCol="0" anchor="ctr"/>
+          <a:lstStyle/>
+          <a:p>
+            <a:pPr algn="ctr"/>
+            <a:endParaRPr lang="en-GB" dirty="0"/>
+          </a:p>
+        </p:txBody>
+      </p:sp>
+      <p:sp>
+        <p:nvSpPr>
+          <p:cNvPr id="34" name="Oval 33"/>
+          <p:cNvSpPr/>
+          <p:nvPr/>
+        </p:nvSpPr>
+        <p:spPr>
+          <a:xfrm>
+            <a:off x="6744138" y="3440122"/>
+            <a:ext cx="108000" cy="108000"/>
+          </a:xfrm>
+          <a:prstGeom prst="ellipse">
+            <a:avLst/>
+          </a:prstGeom>
+          <a:solidFill>
+            <a:schemeClr val="bg1">
+              <a:lumMod val="50000"/>
+            </a:schemeClr>
+          </a:solidFill>
+          <a:ln w="12700">
+            <a:noFill/>
+          </a:ln>
+          <a:effectLst/>
+        </p:spPr>
+        <p:style>
+          <a:lnRef idx="2">
+            <a:schemeClr val="accent1">
+              <a:shade val="50000"/>
+            </a:schemeClr>
+          </a:lnRef>
+          <a:fillRef idx="1">
+            <a:schemeClr val="accent1"/>
+          </a:fillRef>
+          <a:effectRef idx="0">
+            <a:schemeClr val="accent1"/>
+          </a:effectRef>
+          <a:fontRef idx="minor">
+            <a:schemeClr val="lt1"/>
+          </a:fontRef>
+        </p:style>
+        <p:txBody>
+          <a:bodyPr rtlCol="0" anchor="ctr"/>
+          <a:lstStyle/>
+          <a:p>
+            <a:pPr algn="ctr"/>
+            <a:endParaRPr lang="en-GB" dirty="0"/>
+          </a:p>
+        </p:txBody>
+      </p:sp>
+      <p:sp>
+        <p:nvSpPr>
+          <p:cNvPr id="35" name="Oval 34"/>
+          <p:cNvSpPr/>
+          <p:nvPr/>
+        </p:nvSpPr>
+        <p:spPr>
+          <a:xfrm>
+            <a:off x="5296338" y="4079030"/>
+            <a:ext cx="108000" cy="108000"/>
+          </a:xfrm>
+          <a:prstGeom prst="ellipse">
+            <a:avLst/>
+          </a:prstGeom>
+          <a:solidFill>
+            <a:schemeClr val="bg1">
+              <a:lumMod val="50000"/>
+            </a:schemeClr>
+          </a:solidFill>
+          <a:ln w="12700">
+            <a:noFill/>
+          </a:ln>
+          <a:effectLst/>
+        </p:spPr>
+        <p:style>
+          <a:lnRef idx="2">
+            <a:schemeClr val="accent1">
+              <a:shade val="50000"/>
+            </a:schemeClr>
+          </a:lnRef>
+          <a:fillRef idx="1">
+            <a:schemeClr val="accent1"/>
+          </a:fillRef>
+          <a:effectRef idx="0">
+            <a:schemeClr val="accent1"/>
+          </a:effectRef>
+          <a:fontRef idx="minor">
+            <a:schemeClr val="lt1"/>
+          </a:fontRef>
+        </p:style>
+        <p:txBody>
+          <a:bodyPr rtlCol="0" anchor="ctr"/>
+          <a:lstStyle/>
+          <a:p>
+            <a:pPr algn="ctr"/>
+            <a:endParaRPr lang="en-GB" dirty="0"/>
+          </a:p>
+        </p:txBody>
+      </p:sp>
+      <p:sp>
+        <p:nvSpPr>
+          <p:cNvPr id="36" name="Oval 35"/>
+          <p:cNvSpPr/>
+          <p:nvPr/>
+        </p:nvSpPr>
+        <p:spPr>
+          <a:xfrm>
+            <a:off x="6597600" y="4034467"/>
+            <a:ext cx="108000" cy="108000"/>
+          </a:xfrm>
+          <a:prstGeom prst="ellipse">
+            <a:avLst/>
+          </a:prstGeom>
+          <a:solidFill>
+            <a:schemeClr val="bg1">
+              <a:lumMod val="50000"/>
+            </a:schemeClr>
+          </a:solidFill>
+          <a:ln w="12700">
+            <a:noFill/>
+          </a:ln>
+          <a:effectLst/>
+        </p:spPr>
+        <p:style>
+          <a:lnRef idx="2">
+            <a:schemeClr val="accent1">
+              <a:shade val="50000"/>
+            </a:schemeClr>
+          </a:lnRef>
+          <a:fillRef idx="1">
+            <a:schemeClr val="accent1"/>
+          </a:fillRef>
+          <a:effectRef idx="0">
+            <a:schemeClr val="accent1"/>
+          </a:effectRef>
+          <a:fontRef idx="minor">
+            <a:schemeClr val="lt1"/>
+          </a:fontRef>
+        </p:style>
+        <p:txBody>
+          <a:bodyPr rtlCol="0" anchor="ctr"/>
+          <a:lstStyle/>
+          <a:p>
+            <a:pPr algn="ctr"/>
+            <a:endParaRPr lang="en-GB" dirty="0"/>
+          </a:p>
+        </p:txBody>
+      </p:sp>
+      <p:sp>
+        <p:nvSpPr>
+          <p:cNvPr id="37" name="Oval 36"/>
+          <p:cNvSpPr/>
+          <p:nvPr/>
+        </p:nvSpPr>
+        <p:spPr>
+          <a:xfrm>
+            <a:off x="5759400" y="3958267"/>
+            <a:ext cx="108000" cy="108000"/>
+          </a:xfrm>
+          <a:prstGeom prst="ellipse">
+            <a:avLst/>
+          </a:prstGeom>
+          <a:solidFill>
+            <a:schemeClr val="bg1">
+              <a:lumMod val="50000"/>
+            </a:schemeClr>
+          </a:solidFill>
+          <a:ln w="12700">
+            <a:noFill/>
+          </a:ln>
+          <a:effectLst/>
+        </p:spPr>
+        <p:style>
+          <a:lnRef idx="2">
+            <a:schemeClr val="accent1">
+              <a:shade val="50000"/>
+            </a:schemeClr>
+          </a:lnRef>
+          <a:fillRef idx="1">
+            <a:schemeClr val="accent1"/>
+          </a:fillRef>
+          <a:effectRef idx="0">
+            <a:schemeClr val="accent1"/>
+          </a:effectRef>
+          <a:fontRef idx="minor">
+            <a:schemeClr val="lt1"/>
+          </a:fontRef>
+        </p:style>
+        <p:txBody>
+          <a:bodyPr rtlCol="0" anchor="ctr"/>
+          <a:lstStyle/>
+          <a:p>
+            <a:pPr algn="ctr"/>
+            <a:endParaRPr lang="en-GB" dirty="0"/>
+          </a:p>
+        </p:txBody>
+      </p:sp>
+      <p:sp>
+        <p:nvSpPr>
+          <p:cNvPr id="38" name="Oval 37"/>
+          <p:cNvSpPr/>
+          <p:nvPr/>
+        </p:nvSpPr>
+        <p:spPr>
+          <a:xfrm>
+            <a:off x="5568900" y="2667000"/>
+            <a:ext cx="108000" cy="108000"/>
+          </a:xfrm>
+          <a:prstGeom prst="ellipse">
+            <a:avLst/>
+          </a:prstGeom>
+          <a:solidFill>
+            <a:schemeClr val="bg1">
+              <a:lumMod val="50000"/>
+            </a:schemeClr>
+          </a:solidFill>
+          <a:ln w="12700">
+            <a:noFill/>
+          </a:ln>
+          <a:effectLst/>
+        </p:spPr>
+        <p:style>
+          <a:lnRef idx="2">
+            <a:schemeClr val="accent1">
+              <a:shade val="50000"/>
+            </a:schemeClr>
+          </a:lnRef>
+          <a:fillRef idx="1">
+            <a:schemeClr val="accent1"/>
+          </a:fillRef>
+          <a:effectRef idx="0">
+            <a:schemeClr val="accent1"/>
+          </a:effectRef>
+          <a:fontRef idx="minor">
+            <a:schemeClr val="lt1"/>
+          </a:fontRef>
+        </p:style>
+        <p:txBody>
+          <a:bodyPr rtlCol="0" anchor="ctr"/>
+          <a:lstStyle/>
+          <a:p>
+            <a:pPr algn="ctr"/>
+            <a:endParaRPr lang="en-GB" dirty="0"/>
+          </a:p>
+        </p:txBody>
+      </p:sp>
+      <p:sp>
+        <p:nvSpPr>
+          <p:cNvPr id="39" name="Oval 38"/>
+          <p:cNvSpPr/>
+          <p:nvPr/>
+        </p:nvSpPr>
+        <p:spPr>
+          <a:xfrm>
+            <a:off x="5683200" y="3168600"/>
+            <a:ext cx="108000" cy="108000"/>
+          </a:xfrm>
+          <a:prstGeom prst="ellipse">
+            <a:avLst/>
+          </a:prstGeom>
+          <a:solidFill>
+            <a:schemeClr val="bg1">
+              <a:lumMod val="50000"/>
+            </a:schemeClr>
+          </a:solidFill>
+          <a:ln w="12700">
+            <a:noFill/>
+          </a:ln>
+          <a:effectLst/>
+        </p:spPr>
+        <p:style>
+          <a:lnRef idx="2">
+            <a:schemeClr val="accent1">
+              <a:shade val="50000"/>
+            </a:schemeClr>
+          </a:lnRef>
+          <a:fillRef idx="1">
+            <a:schemeClr val="accent1"/>
+          </a:fillRef>
+          <a:effectRef idx="0">
+            <a:schemeClr val="accent1"/>
+          </a:effectRef>
+          <a:fontRef idx="minor">
+            <a:schemeClr val="lt1"/>
+          </a:fontRef>
+        </p:style>
+        <p:txBody>
+          <a:bodyPr rtlCol="0" anchor="ctr"/>
+          <a:lstStyle/>
+          <a:p>
+            <a:pPr algn="ctr"/>
+            <a:endParaRPr lang="en-GB" dirty="0"/>
+          </a:p>
+        </p:txBody>
+      </p:sp>
+      <p:sp>
+        <p:nvSpPr>
+          <p:cNvPr id="40" name="Oval 39"/>
+          <p:cNvSpPr/>
+          <p:nvPr/>
+        </p:nvSpPr>
+        <p:spPr>
+          <a:xfrm>
+            <a:off x="5950558" y="3115846"/>
+            <a:ext cx="108000" cy="108000"/>
+          </a:xfrm>
+          <a:prstGeom prst="ellipse">
+            <a:avLst/>
+          </a:prstGeom>
+          <a:solidFill>
+            <a:schemeClr val="bg1">
+              <a:lumMod val="50000"/>
+            </a:schemeClr>
+          </a:solidFill>
+          <a:ln w="12700">
+            <a:noFill/>
+          </a:ln>
+          <a:effectLst/>
+        </p:spPr>
+        <p:style>
+          <a:lnRef idx="2">
+            <a:schemeClr val="accent1">
+              <a:shade val="50000"/>
+            </a:schemeClr>
+          </a:lnRef>
+          <a:fillRef idx="1">
+            <a:schemeClr val="accent1"/>
+          </a:fillRef>
+          <a:effectRef idx="0">
+            <a:schemeClr val="accent1"/>
+          </a:effectRef>
+          <a:fontRef idx="minor">
+            <a:schemeClr val="lt1"/>
+          </a:fontRef>
+        </p:style>
+        <p:txBody>
+          <a:bodyPr rtlCol="0" anchor="ctr"/>
+          <a:lstStyle/>
+          <a:p>
+            <a:pPr algn="ctr"/>
+            <a:endParaRPr lang="en-GB" dirty="0"/>
+          </a:p>
+        </p:txBody>
+      </p:sp>
+      <p:sp>
+        <p:nvSpPr>
+          <p:cNvPr id="41" name="Oval 40"/>
+          <p:cNvSpPr/>
+          <p:nvPr/>
+        </p:nvSpPr>
+        <p:spPr>
+          <a:xfrm>
+            <a:off x="6140400" y="3733800"/>
+            <a:ext cx="108000" cy="108000"/>
+          </a:xfrm>
+          <a:prstGeom prst="ellipse">
+            <a:avLst/>
+          </a:prstGeom>
+          <a:solidFill>
+            <a:schemeClr val="bg1">
+              <a:lumMod val="50000"/>
+            </a:schemeClr>
+          </a:solidFill>
+          <a:ln w="12700">
+            <a:noFill/>
+          </a:ln>
+          <a:effectLst/>
+        </p:spPr>
+        <p:style>
+          <a:lnRef idx="2">
+            <a:schemeClr val="accent1">
+              <a:shade val="50000"/>
+            </a:schemeClr>
+          </a:lnRef>
+          <a:fillRef idx="1">
+            <a:schemeClr val="accent1"/>
+          </a:fillRef>
+          <a:effectRef idx="0">
+            <a:schemeClr val="accent1"/>
+          </a:effectRef>
+          <a:fontRef idx="minor">
+            <a:schemeClr val="lt1"/>
+          </a:fontRef>
+        </p:style>
+        <p:txBody>
+          <a:bodyPr rtlCol="0" anchor="ctr"/>
+          <a:lstStyle/>
+          <a:p>
+            <a:pPr algn="ctr"/>
+            <a:endParaRPr lang="en-GB" dirty="0"/>
+          </a:p>
+        </p:txBody>
+      </p:sp>
+      <p:sp>
+        <p:nvSpPr>
+          <p:cNvPr id="42" name="Oval 41"/>
+          <p:cNvSpPr/>
+          <p:nvPr/>
+        </p:nvSpPr>
+        <p:spPr>
+          <a:xfrm>
+            <a:off x="5607000" y="3733800"/>
+            <a:ext cx="108000" cy="108000"/>
+          </a:xfrm>
+          <a:prstGeom prst="ellipse">
+            <a:avLst/>
+          </a:prstGeom>
+          <a:solidFill>
+            <a:schemeClr val="bg1">
+              <a:lumMod val="50000"/>
+            </a:schemeClr>
+          </a:solidFill>
+          <a:ln w="12700">
+            <a:noFill/>
+          </a:ln>
+          <a:effectLst/>
+        </p:spPr>
+        <p:style>
+          <a:lnRef idx="2">
+            <a:schemeClr val="accent1">
+              <a:shade val="50000"/>
+            </a:schemeClr>
+          </a:lnRef>
+          <a:fillRef idx="1">
+            <a:schemeClr val="accent1"/>
+          </a:fillRef>
+          <a:effectRef idx="0">
+            <a:schemeClr val="accent1"/>
+          </a:effectRef>
+          <a:fontRef idx="minor">
+            <a:schemeClr val="lt1"/>
+          </a:fontRef>
+        </p:style>
+        <p:txBody>
+          <a:bodyPr rtlCol="0" anchor="ctr"/>
+          <a:lstStyle/>
+          <a:p>
+            <a:pPr algn="ctr"/>
+            <a:endParaRPr lang="en-GB" dirty="0"/>
+          </a:p>
+        </p:txBody>
+      </p:sp>
+      <p:sp>
+        <p:nvSpPr>
+          <p:cNvPr id="43" name="Freeform 42"/>
+          <p:cNvSpPr/>
+          <p:nvPr/>
+        </p:nvSpPr>
+        <p:spPr>
+          <a:xfrm>
+            <a:off x="5351258" y="3173219"/>
+            <a:ext cx="1443633" cy="609448"/>
+          </a:xfrm>
+          <a:custGeom>
+            <a:avLst/>
+            <a:gdLst>
+              <a:gd name="connsiteX0" fmla="*/ 0 w 1443633"/>
+              <a:gd name="connsiteY0" fmla="*/ 377926 h 609448"/>
+              <a:gd name="connsiteX1" fmla="*/ 303027 w 1443633"/>
+              <a:gd name="connsiteY1" fmla="*/ 606044 h 609448"/>
+              <a:gd name="connsiteX2" fmla="*/ 840984 w 1443633"/>
+              <a:gd name="connsiteY2" fmla="*/ 609448 h 609448"/>
+              <a:gd name="connsiteX3" fmla="*/ 1443633 w 1443633"/>
+              <a:gd name="connsiteY3" fmla="*/ 320045 h 609448"/>
+              <a:gd name="connsiteX4" fmla="*/ 1069106 w 1443633"/>
+              <a:gd name="connsiteY4" fmla="*/ 37452 h 609448"/>
+              <a:gd name="connsiteX5" fmla="*/ 650316 w 1443633"/>
+              <a:gd name="connsiteY5" fmla="*/ 0 h 609448"/>
+              <a:gd name="connsiteX6" fmla="*/ 381337 w 1443633"/>
+              <a:gd name="connsiteY6" fmla="*/ 40857 h 609448"/>
+            </a:gdLst>
+            <a:ahLst/>
+            <a:cxnLst>
+              <a:cxn ang="0">
+                <a:pos x="connsiteX0" y="connsiteY0"/>
+              </a:cxn>
+              <a:cxn ang="0">
+                <a:pos x="connsiteX1" y="connsiteY1"/>
+              </a:cxn>
+              <a:cxn ang="0">
+                <a:pos x="connsiteX2" y="connsiteY2"/>
+              </a:cxn>
+              <a:cxn ang="0">
+                <a:pos x="connsiteX3" y="connsiteY3"/>
+              </a:cxn>
+              <a:cxn ang="0">
+                <a:pos x="connsiteX4" y="connsiteY4"/>
+              </a:cxn>
+              <a:cxn ang="0">
+                <a:pos x="connsiteX5" y="connsiteY5"/>
+              </a:cxn>
+              <a:cxn ang="0">
+                <a:pos x="connsiteX6" y="connsiteY6"/>
+              </a:cxn>
+            </a:cxnLst>
+            <a:rect l="l" t="t" r="r" b="b"/>
+            <a:pathLst>
+              <a:path w="1443633" h="609448">
+                <a:moveTo>
+                  <a:pt x="0" y="377926"/>
+                </a:moveTo>
+                <a:lnTo>
+                  <a:pt x="303027" y="606044"/>
+                </a:lnTo>
+                <a:lnTo>
+                  <a:pt x="840984" y="609448"/>
+                </a:lnTo>
+                <a:lnTo>
+                  <a:pt x="1443633" y="320045"/>
+                </a:lnTo>
+                <a:lnTo>
+                  <a:pt x="1069106" y="37452"/>
+                </a:lnTo>
+                <a:lnTo>
+                  <a:pt x="650316" y="0"/>
+                </a:lnTo>
+                <a:lnTo>
+                  <a:pt x="381337" y="40857"/>
+                </a:lnTo>
+              </a:path>
+            </a:pathLst>
+          </a:custGeom>
+          <a:ln w="38100" cap="rnd">
+            <a:solidFill>
+              <a:srgbClr val="0365C0">
+                <a:alpha val="50000"/>
+              </a:srgbClr>
+            </a:solidFill>
+          </a:ln>
+          <a:effectLst/>
+        </p:spPr>
+        <p:style>
+          <a:lnRef idx="2">
+            <a:schemeClr val="accent1"/>
+          </a:lnRef>
+          <a:fillRef idx="0">
+            <a:schemeClr val="accent1"/>
+          </a:fillRef>
+          <a:effectRef idx="1">
+            <a:schemeClr val="accent1"/>
+          </a:effectRef>
+          <a:fontRef idx="minor">
+            <a:schemeClr val="tx1"/>
+          </a:fontRef>
+        </p:style>
+        <p:txBody>
+          <a:bodyPr rtlCol="0" anchor="ctr"/>
+          <a:lstStyle/>
+          <a:p>
+            <a:pPr algn="ctr"/>
+            <a:endParaRPr lang="en-US"/>
+          </a:p>
+        </p:txBody>
+      </p:sp>
+      <p:sp>
+        <p:nvSpPr>
+          <p:cNvPr id="44" name="Diamond 43"/>
+          <p:cNvSpPr/>
+          <p:nvPr/>
+        </p:nvSpPr>
+        <p:spPr>
+          <a:xfrm>
+            <a:off x="6124377" y="2895600"/>
+            <a:ext cx="152400" cy="152400"/>
+          </a:xfrm>
+          <a:prstGeom prst="diamond">
+            <a:avLst/>
+          </a:prstGeom>
+          <a:solidFill>
+            <a:srgbClr val="DC143C"/>
+          </a:solidFill>
+          <a:ln>
+            <a:noFill/>
+          </a:ln>
+          <a:effectLst/>
+        </p:spPr>
+        <p:style>
+          <a:lnRef idx="2">
+            <a:schemeClr val="accent1">
+              <a:shade val="50000"/>
+            </a:schemeClr>
+          </a:lnRef>
+          <a:fillRef idx="1">
+            <a:schemeClr val="accent1"/>
+          </a:fillRef>
+          <a:effectRef idx="0">
+            <a:schemeClr val="accent1"/>
+          </a:effectRef>
+          <a:fontRef idx="minor">
+            <a:schemeClr val="lt1"/>
+          </a:fontRef>
+        </p:style>
+        <p:txBody>
+          <a:bodyPr rtlCol="0" anchor="ctr"/>
+          <a:lstStyle/>
+          <a:p>
+            <a:pPr algn="ctr"/>
+            <a:endParaRPr lang="en-US" dirty="0"/>
+          </a:p>
+        </p:txBody>
+      </p:sp>
+      <p:sp>
+        <p:nvSpPr>
+          <p:cNvPr id="45" name="Diamond 44"/>
+          <p:cNvSpPr/>
+          <p:nvPr/>
+        </p:nvSpPr>
+        <p:spPr>
+          <a:xfrm>
+            <a:off x="6352977" y="2667000"/>
+            <a:ext cx="152400" cy="152400"/>
+          </a:xfrm>
+          <a:prstGeom prst="diamond">
+            <a:avLst/>
+          </a:prstGeom>
+          <a:solidFill>
+            <a:srgbClr val="DC143C"/>
+          </a:solidFill>
+          <a:ln>
+            <a:noFill/>
+          </a:ln>
+          <a:effectLst/>
+        </p:spPr>
+        <p:style>
+          <a:lnRef idx="2">
+            <a:schemeClr val="accent1">
+              <a:shade val="50000"/>
+            </a:schemeClr>
+          </a:lnRef>
+          <a:fillRef idx="1">
+            <a:schemeClr val="accent1"/>
+          </a:fillRef>
+          <a:effectRef idx="0">
+            <a:schemeClr val="accent1"/>
+          </a:effectRef>
+          <a:fontRef idx="minor">
+            <a:schemeClr val="lt1"/>
+          </a:fontRef>
+        </p:style>
+        <p:txBody>
+          <a:bodyPr rtlCol="0" anchor="ctr"/>
+          <a:lstStyle/>
+          <a:p>
+            <a:pPr algn="ctr"/>
+            <a:endParaRPr lang="en-US" dirty="0"/>
+          </a:p>
+        </p:txBody>
+      </p:sp>
+      <p:sp>
+        <p:nvSpPr>
+          <p:cNvPr id="46" name="Diamond 45"/>
+          <p:cNvSpPr/>
+          <p:nvPr/>
+        </p:nvSpPr>
+        <p:spPr>
+          <a:xfrm>
+            <a:off x="6505377" y="2819400"/>
+            <a:ext cx="152400" cy="152400"/>
+          </a:xfrm>
+          <a:prstGeom prst="diamond">
+            <a:avLst/>
+          </a:prstGeom>
+          <a:solidFill>
+            <a:srgbClr val="DC143C"/>
+          </a:solidFill>
+          <a:ln>
+            <a:noFill/>
+          </a:ln>
+          <a:effectLst/>
+        </p:spPr>
+        <p:style>
+          <a:lnRef idx="2">
+            <a:schemeClr val="accent1">
+              <a:shade val="50000"/>
+            </a:schemeClr>
+          </a:lnRef>
+          <a:fillRef idx="1">
+            <a:schemeClr val="accent1"/>
+          </a:fillRef>
+          <a:effectRef idx="0">
+            <a:schemeClr val="accent1"/>
+          </a:effectRef>
+          <a:fontRef idx="minor">
+            <a:schemeClr val="lt1"/>
+          </a:fontRef>
+        </p:style>
+        <p:txBody>
+          <a:bodyPr rtlCol="0" anchor="ctr"/>
+          <a:lstStyle/>
+          <a:p>
+            <a:pPr algn="ctr"/>
+            <a:endParaRPr lang="en-US" dirty="0"/>
+          </a:p>
+        </p:txBody>
+      </p:sp>
+      <p:sp>
+        <p:nvSpPr>
+          <p:cNvPr id="48" name="Freeform 47"/>
+          <p:cNvSpPr/>
+          <p:nvPr/>
+        </p:nvSpPr>
+        <p:spPr>
+          <a:xfrm>
+            <a:off x="5426164" y="2716983"/>
+            <a:ext cx="1375536" cy="507307"/>
+          </a:xfrm>
+          <a:custGeom>
+            <a:avLst/>
+            <a:gdLst>
+              <a:gd name="connsiteX0" fmla="*/ 0 w 1375536"/>
+              <a:gd name="connsiteY0" fmla="*/ 381332 h 507307"/>
+              <a:gd name="connsiteX1" fmla="*/ 197478 w 1375536"/>
+              <a:gd name="connsiteY1" fmla="*/ 0 h 507307"/>
+              <a:gd name="connsiteX2" fmla="*/ 309836 w 1375536"/>
+              <a:gd name="connsiteY2" fmla="*/ 503902 h 507307"/>
+              <a:gd name="connsiteX3" fmla="*/ 459647 w 1375536"/>
+              <a:gd name="connsiteY3" fmla="*/ 231523 h 507307"/>
+              <a:gd name="connsiteX4" fmla="*/ 578815 w 1375536"/>
+              <a:gd name="connsiteY4" fmla="*/ 456236 h 507307"/>
+              <a:gd name="connsiteX5" fmla="*/ 772888 w 1375536"/>
+              <a:gd name="connsiteY5" fmla="*/ 272380 h 507307"/>
+              <a:gd name="connsiteX6" fmla="*/ 1001009 w 1375536"/>
+              <a:gd name="connsiteY6" fmla="*/ 507307 h 507307"/>
+              <a:gd name="connsiteX7" fmla="*/ 997604 w 1375536"/>
+              <a:gd name="connsiteY7" fmla="*/ 47667 h 507307"/>
+              <a:gd name="connsiteX8" fmla="*/ 1140606 w 1375536"/>
+              <a:gd name="connsiteY8" fmla="*/ 197475 h 507307"/>
+              <a:gd name="connsiteX9" fmla="*/ 1375536 w 1375536"/>
+              <a:gd name="connsiteY9" fmla="*/ 194071 h 507307"/>
+            </a:gdLst>
+            <a:ahLst/>
+            <a:cxnLst>
+              <a:cxn ang="0">
+                <a:pos x="connsiteX0" y="connsiteY0"/>
+              </a:cxn>
+              <a:cxn ang="0">
+                <a:pos x="connsiteX1" y="connsiteY1"/>
+              </a:cxn>
+              <a:cxn ang="0">
+                <a:pos x="connsiteX2" y="connsiteY2"/>
+              </a:cxn>
+              <a:cxn ang="0">
+                <a:pos x="connsiteX3" y="connsiteY3"/>
+              </a:cxn>
+              <a:cxn ang="0">
+                <a:pos x="connsiteX4" y="connsiteY4"/>
+              </a:cxn>
+              <a:cxn ang="0">
+                <a:pos x="connsiteX5" y="connsiteY5"/>
+              </a:cxn>
+              <a:cxn ang="0">
+                <a:pos x="connsiteX6" y="connsiteY6"/>
+              </a:cxn>
+              <a:cxn ang="0">
+                <a:pos x="connsiteX7" y="connsiteY7"/>
+              </a:cxn>
+              <a:cxn ang="0">
+                <a:pos x="connsiteX8" y="connsiteY8"/>
+              </a:cxn>
+              <a:cxn ang="0">
+                <a:pos x="connsiteX9" y="connsiteY9"/>
+              </a:cxn>
+            </a:cxnLst>
+            <a:rect l="l" t="t" r="r" b="b"/>
+            <a:pathLst>
+              <a:path w="1375536" h="507307">
+                <a:moveTo>
+                  <a:pt x="0" y="381332"/>
+                </a:moveTo>
+                <a:lnTo>
+                  <a:pt x="197478" y="0"/>
+                </a:lnTo>
+                <a:lnTo>
+                  <a:pt x="309836" y="503902"/>
+                </a:lnTo>
+                <a:lnTo>
+                  <a:pt x="459647" y="231523"/>
+                </a:lnTo>
+                <a:lnTo>
+                  <a:pt x="578815" y="456236"/>
+                </a:lnTo>
+                <a:lnTo>
+                  <a:pt x="772888" y="272380"/>
+                </a:lnTo>
+                <a:lnTo>
+                  <a:pt x="1001009" y="507307"/>
+                </a:lnTo>
+                <a:lnTo>
+                  <a:pt x="997604" y="47667"/>
+                </a:lnTo>
+                <a:lnTo>
+                  <a:pt x="1140606" y="197475"/>
+                </a:lnTo>
+                <a:lnTo>
+                  <a:pt x="1375536" y="194071"/>
+                </a:lnTo>
+              </a:path>
+            </a:pathLst>
+          </a:custGeom>
+          <a:ln w="38100" cap="rnd">
+            <a:solidFill>
+              <a:srgbClr val="00882B">
+                <a:alpha val="50000"/>
+              </a:srgbClr>
+            </a:solidFill>
+          </a:ln>
+          <a:effectLst/>
+        </p:spPr>
+        <p:style>
+          <a:lnRef idx="2">
+            <a:schemeClr val="accent1"/>
+          </a:lnRef>
+          <a:fillRef idx="0">
+            <a:schemeClr val="accent1"/>
+          </a:fillRef>
+          <a:effectRef idx="1">
+            <a:schemeClr val="accent1"/>
+          </a:effectRef>
+          <a:fontRef idx="minor">
+            <a:schemeClr val="tx1"/>
+          </a:fontRef>
+        </p:style>
+        <p:txBody>
+          <a:bodyPr rtlCol="0" anchor="ctr"/>
+          <a:lstStyle/>
+          <a:p>
+            <a:pPr algn="ctr"/>
+            <a:endParaRPr lang="en-US"/>
+          </a:p>
+        </p:txBody>
+      </p:sp>
+      <p:sp>
+        <p:nvSpPr>
+          <p:cNvPr id="49" name="Diamond 48"/>
+          <p:cNvSpPr/>
+          <p:nvPr/>
+        </p:nvSpPr>
+        <p:spPr>
+          <a:xfrm>
+            <a:off x="6124539" y="3969535"/>
+            <a:ext cx="152400" cy="152400"/>
+          </a:xfrm>
+          <a:prstGeom prst="diamond">
+            <a:avLst/>
+          </a:prstGeom>
+          <a:solidFill>
+            <a:srgbClr val="DC143C"/>
+          </a:solidFill>
+          <a:ln>
+            <a:noFill/>
+          </a:ln>
+          <a:effectLst/>
+        </p:spPr>
+        <p:style>
+          <a:lnRef idx="2">
+            <a:schemeClr val="accent1">
+              <a:shade val="50000"/>
+            </a:schemeClr>
+          </a:lnRef>
+          <a:fillRef idx="1">
+            <a:schemeClr val="accent1"/>
+          </a:fillRef>
+          <a:effectRef idx="0">
+            <a:schemeClr val="accent1"/>
+          </a:effectRef>
+          <a:fontRef idx="minor">
+            <a:schemeClr val="lt1"/>
+          </a:fontRef>
+        </p:style>
+        <p:txBody>
+          <a:bodyPr rtlCol="0" anchor="ctr"/>
+          <a:lstStyle/>
+          <a:p>
+            <a:pPr algn="ctr"/>
+            <a:endParaRPr lang="en-US" dirty="0"/>
+          </a:p>
+        </p:txBody>
+      </p:sp>
+      <p:sp>
+        <p:nvSpPr>
+          <p:cNvPr id="50" name="Diamond 49"/>
+          <p:cNvSpPr/>
+          <p:nvPr/>
+        </p:nvSpPr>
+        <p:spPr>
+          <a:xfrm>
+            <a:off x="6353139" y="3740935"/>
+            <a:ext cx="152400" cy="152400"/>
+          </a:xfrm>
+          <a:prstGeom prst="diamond">
+            <a:avLst/>
+          </a:prstGeom>
+          <a:solidFill>
+            <a:srgbClr val="DC143C"/>
+          </a:solidFill>
+          <a:ln>
+            <a:noFill/>
+          </a:ln>
+          <a:effectLst/>
+        </p:spPr>
+        <p:style>
+          <a:lnRef idx="2">
+            <a:schemeClr val="accent1">
+              <a:shade val="50000"/>
+            </a:schemeClr>
+          </a:lnRef>
+          <a:fillRef idx="1">
+            <a:schemeClr val="accent1"/>
+          </a:fillRef>
+          <a:effectRef idx="0">
+            <a:schemeClr val="accent1"/>
+          </a:effectRef>
+          <a:fontRef idx="minor">
+            <a:schemeClr val="lt1"/>
+          </a:fontRef>
+        </p:style>
+        <p:txBody>
+          <a:bodyPr rtlCol="0" anchor="ctr"/>
+          <a:lstStyle/>
+          <a:p>
+            <a:pPr algn="ctr"/>
+            <a:endParaRPr lang="en-US" dirty="0"/>
+          </a:p>
+        </p:txBody>
+      </p:sp>
+      <p:sp>
+        <p:nvSpPr>
+          <p:cNvPr id="51" name="Diamond 50"/>
+          <p:cNvSpPr/>
+          <p:nvPr/>
+        </p:nvSpPr>
+        <p:spPr>
+          <a:xfrm>
+            <a:off x="6505539" y="3893335"/>
+            <a:ext cx="152400" cy="152400"/>
+          </a:xfrm>
+          <a:prstGeom prst="diamond">
+            <a:avLst/>
+          </a:prstGeom>
+          <a:solidFill>
+            <a:srgbClr val="DC143C"/>
+          </a:solidFill>
+          <a:ln>
+            <a:noFill/>
+          </a:ln>
+          <a:effectLst/>
+        </p:spPr>
+        <p:style>
+          <a:lnRef idx="2">
+            <a:schemeClr val="accent1">
+              <a:shade val="50000"/>
+            </a:schemeClr>
+          </a:lnRef>
+          <a:fillRef idx="1">
+            <a:schemeClr val="accent1"/>
+          </a:fillRef>
+          <a:effectRef idx="0">
+            <a:schemeClr val="accent1"/>
+          </a:effectRef>
+          <a:fontRef idx="minor">
+            <a:schemeClr val="lt1"/>
+          </a:fontRef>
+        </p:style>
+        <p:txBody>
+          <a:bodyPr rtlCol="0" anchor="ctr"/>
+          <a:lstStyle/>
+          <a:p>
+            <a:pPr algn="ctr"/>
+            <a:endParaRPr lang="en-US" dirty="0"/>
+          </a:p>
+        </p:txBody>
+      </p:sp>
+      <p:sp>
+        <p:nvSpPr>
+          <p:cNvPr id="47" name="Freeform 46"/>
+          <p:cNvSpPr/>
+          <p:nvPr/>
+        </p:nvSpPr>
+        <p:spPr>
+          <a:xfrm>
+            <a:off x="5341388" y="3777307"/>
+            <a:ext cx="1316347" cy="350359"/>
+          </a:xfrm>
+          <a:custGeom>
+            <a:avLst/>
+            <a:gdLst>
+              <a:gd name="connsiteX0" fmla="*/ 0 w 1313813"/>
+              <a:gd name="connsiteY0" fmla="*/ 1363115 h 1363115"/>
+              <a:gd name="connsiteX1" fmla="*/ 322979 w 1313813"/>
+              <a:gd name="connsiteY1" fmla="*/ 1012756 h 1363115"/>
+              <a:gd name="connsiteX2" fmla="*/ 470783 w 1313813"/>
+              <a:gd name="connsiteY2" fmla="*/ 1242679 h 1363115"/>
+              <a:gd name="connsiteX3" fmla="*/ 848504 w 1313813"/>
+              <a:gd name="connsiteY3" fmla="*/ 1029179 h 1363115"/>
+              <a:gd name="connsiteX4" fmla="*/ 1313813 w 1313813"/>
+              <a:gd name="connsiteY4" fmla="*/ 1313846 h 1363115"/>
+              <a:gd name="connsiteX5" fmla="*/ 1242648 w 1313813"/>
+              <a:gd name="connsiteY5" fmla="*/ 147808 h 1363115"/>
+              <a:gd name="connsiteX6" fmla="*/ 864927 w 1313813"/>
+              <a:gd name="connsiteY6" fmla="*/ 208026 h 1363115"/>
+              <a:gd name="connsiteX7" fmla="*/ 1072947 w 1313813"/>
+              <a:gd name="connsiteY7" fmla="*/ 0 h 1363115"/>
+              <a:gd name="connsiteX0" fmla="*/ 0 w 1313813"/>
+              <a:gd name="connsiteY0" fmla="*/ 1363115 h 1363115"/>
+              <a:gd name="connsiteX1" fmla="*/ 322979 w 1313813"/>
+              <a:gd name="connsiteY1" fmla="*/ 1012756 h 1363115"/>
+              <a:gd name="connsiteX2" fmla="*/ 470783 w 1313813"/>
+              <a:gd name="connsiteY2" fmla="*/ 1242679 h 1363115"/>
+              <a:gd name="connsiteX3" fmla="*/ 848504 w 1313813"/>
+              <a:gd name="connsiteY3" fmla="*/ 1029179 h 1363115"/>
+              <a:gd name="connsiteX4" fmla="*/ 1313813 w 1313813"/>
+              <a:gd name="connsiteY4" fmla="*/ 1313846 h 1363115"/>
+              <a:gd name="connsiteX5" fmla="*/ 1242648 w 1313813"/>
+              <a:gd name="connsiteY5" fmla="*/ 147808 h 1363115"/>
+              <a:gd name="connsiteX6" fmla="*/ 907735 w 1313813"/>
+              <a:gd name="connsiteY6" fmla="*/ 1228254 h 1363115"/>
+              <a:gd name="connsiteX7" fmla="*/ 1072947 w 1313813"/>
+              <a:gd name="connsiteY7" fmla="*/ 0 h 1363115"/>
+              <a:gd name="connsiteX0" fmla="*/ 0 w 1313813"/>
+              <a:gd name="connsiteY0" fmla="*/ 1215307 h 1215307"/>
+              <a:gd name="connsiteX1" fmla="*/ 322979 w 1313813"/>
+              <a:gd name="connsiteY1" fmla="*/ 864948 h 1215307"/>
+              <a:gd name="connsiteX2" fmla="*/ 470783 w 1313813"/>
+              <a:gd name="connsiteY2" fmla="*/ 1094871 h 1215307"/>
+              <a:gd name="connsiteX3" fmla="*/ 848504 w 1313813"/>
+              <a:gd name="connsiteY3" fmla="*/ 881371 h 1215307"/>
+              <a:gd name="connsiteX4" fmla="*/ 1313813 w 1313813"/>
+              <a:gd name="connsiteY4" fmla="*/ 1166038 h 1215307"/>
+              <a:gd name="connsiteX5" fmla="*/ 1242648 w 1313813"/>
+              <a:gd name="connsiteY5" fmla="*/ 0 h 1215307"/>
+              <a:gd name="connsiteX6" fmla="*/ 907735 w 1313813"/>
+              <a:gd name="connsiteY6" fmla="*/ 1080446 h 1215307"/>
+              <a:gd name="connsiteX7" fmla="*/ 1094351 w 1313813"/>
+              <a:gd name="connsiteY7" fmla="*/ 822478 h 1215307"/>
+              <a:gd name="connsiteX0" fmla="*/ 0 w 1313813"/>
+              <a:gd name="connsiteY0" fmla="*/ 392829 h 392829"/>
+              <a:gd name="connsiteX1" fmla="*/ 322979 w 1313813"/>
+              <a:gd name="connsiteY1" fmla="*/ 42470 h 392829"/>
+              <a:gd name="connsiteX2" fmla="*/ 470783 w 1313813"/>
+              <a:gd name="connsiteY2" fmla="*/ 272393 h 392829"/>
+              <a:gd name="connsiteX3" fmla="*/ 848504 w 1313813"/>
+              <a:gd name="connsiteY3" fmla="*/ 58893 h 392829"/>
+              <a:gd name="connsiteX4" fmla="*/ 1313813 w 1313813"/>
+              <a:gd name="connsiteY4" fmla="*/ 343560 h 392829"/>
+              <a:gd name="connsiteX5" fmla="*/ 1235514 w 1313813"/>
+              <a:gd name="connsiteY5" fmla="*/ 47927 h 392829"/>
+              <a:gd name="connsiteX6" fmla="*/ 907735 w 1313813"/>
+              <a:gd name="connsiteY6" fmla="*/ 257968 h 392829"/>
+              <a:gd name="connsiteX7" fmla="*/ 1094351 w 1313813"/>
+              <a:gd name="connsiteY7" fmla="*/ 0 h 392829"/>
+              <a:gd name="connsiteX0" fmla="*/ 0 w 1507050"/>
+              <a:gd name="connsiteY0" fmla="*/ 392829 h 392829"/>
+              <a:gd name="connsiteX1" fmla="*/ 322979 w 1507050"/>
+              <a:gd name="connsiteY1" fmla="*/ 42470 h 392829"/>
+              <a:gd name="connsiteX2" fmla="*/ 470783 w 1507050"/>
+              <a:gd name="connsiteY2" fmla="*/ 272393 h 392829"/>
+              <a:gd name="connsiteX3" fmla="*/ 848504 w 1507050"/>
+              <a:gd name="connsiteY3" fmla="*/ 58893 h 392829"/>
+              <a:gd name="connsiteX4" fmla="*/ 1313813 w 1507050"/>
+              <a:gd name="connsiteY4" fmla="*/ 343560 h 392829"/>
+              <a:gd name="connsiteX5" fmla="*/ 1235514 w 1507050"/>
+              <a:gd name="connsiteY5" fmla="*/ 47927 h 392829"/>
+              <a:gd name="connsiteX6" fmla="*/ 1507050 w 1507050"/>
+              <a:gd name="connsiteY6" fmla="*/ 15397 h 392829"/>
+              <a:gd name="connsiteX7" fmla="*/ 1094351 w 1507050"/>
+              <a:gd name="connsiteY7" fmla="*/ 0 h 392829"/>
+              <a:gd name="connsiteX0" fmla="*/ 0 w 1507050"/>
+              <a:gd name="connsiteY0" fmla="*/ 392829 h 392829"/>
+              <a:gd name="connsiteX1" fmla="*/ 322979 w 1507050"/>
+              <a:gd name="connsiteY1" fmla="*/ 42470 h 392829"/>
+              <a:gd name="connsiteX2" fmla="*/ 470783 w 1507050"/>
+              <a:gd name="connsiteY2" fmla="*/ 272393 h 392829"/>
+              <a:gd name="connsiteX3" fmla="*/ 848504 w 1507050"/>
+              <a:gd name="connsiteY3" fmla="*/ 58893 h 392829"/>
+              <a:gd name="connsiteX4" fmla="*/ 978483 w 1507050"/>
+              <a:gd name="connsiteY4" fmla="*/ 215140 h 392829"/>
+              <a:gd name="connsiteX5" fmla="*/ 1235514 w 1507050"/>
+              <a:gd name="connsiteY5" fmla="*/ 47927 h 392829"/>
+              <a:gd name="connsiteX6" fmla="*/ 1507050 w 1507050"/>
+              <a:gd name="connsiteY6" fmla="*/ 15397 h 392829"/>
+              <a:gd name="connsiteX7" fmla="*/ 1094351 w 1507050"/>
+              <a:gd name="connsiteY7" fmla="*/ 0 h 392829"/>
+              <a:gd name="connsiteX0" fmla="*/ 0 w 1507050"/>
+              <a:gd name="connsiteY0" fmla="*/ 392829 h 392829"/>
+              <a:gd name="connsiteX1" fmla="*/ 322979 w 1507050"/>
+              <a:gd name="connsiteY1" fmla="*/ 42470 h 392829"/>
+              <a:gd name="connsiteX2" fmla="*/ 470783 w 1507050"/>
+              <a:gd name="connsiteY2" fmla="*/ 272393 h 392829"/>
+              <a:gd name="connsiteX3" fmla="*/ 848504 w 1507050"/>
+              <a:gd name="connsiteY3" fmla="*/ 58893 h 392829"/>
+              <a:gd name="connsiteX4" fmla="*/ 978483 w 1507050"/>
+              <a:gd name="connsiteY4" fmla="*/ 215140 h 392829"/>
+              <a:gd name="connsiteX5" fmla="*/ 1107089 w 1507050"/>
+              <a:gd name="connsiteY5" fmla="*/ 83599 h 392829"/>
+              <a:gd name="connsiteX6" fmla="*/ 1507050 w 1507050"/>
+              <a:gd name="connsiteY6" fmla="*/ 15397 h 392829"/>
+              <a:gd name="connsiteX7" fmla="*/ 1094351 w 1507050"/>
+              <a:gd name="connsiteY7" fmla="*/ 0 h 392829"/>
+              <a:gd name="connsiteX0" fmla="*/ 0 w 1507050"/>
+              <a:gd name="connsiteY0" fmla="*/ 377432 h 377432"/>
+              <a:gd name="connsiteX1" fmla="*/ 322979 w 1507050"/>
+              <a:gd name="connsiteY1" fmla="*/ 27073 h 377432"/>
+              <a:gd name="connsiteX2" fmla="*/ 470783 w 1507050"/>
+              <a:gd name="connsiteY2" fmla="*/ 256996 h 377432"/>
+              <a:gd name="connsiteX3" fmla="*/ 848504 w 1507050"/>
+              <a:gd name="connsiteY3" fmla="*/ 43496 h 377432"/>
+              <a:gd name="connsiteX4" fmla="*/ 978483 w 1507050"/>
+              <a:gd name="connsiteY4" fmla="*/ 199743 h 377432"/>
+              <a:gd name="connsiteX5" fmla="*/ 1107089 w 1507050"/>
+              <a:gd name="connsiteY5" fmla="*/ 68202 h 377432"/>
+              <a:gd name="connsiteX6" fmla="*/ 1507050 w 1507050"/>
+              <a:gd name="connsiteY6" fmla="*/ 0 h 377432"/>
+              <a:gd name="connsiteX7" fmla="*/ 1294122 w 1507050"/>
+              <a:gd name="connsiteY7" fmla="*/ 341326 h 377432"/>
+              <a:gd name="connsiteX0" fmla="*/ 0 w 1294122"/>
+              <a:gd name="connsiteY0" fmla="*/ 350359 h 350359"/>
+              <a:gd name="connsiteX1" fmla="*/ 322979 w 1294122"/>
+              <a:gd name="connsiteY1" fmla="*/ 0 h 350359"/>
+              <a:gd name="connsiteX2" fmla="*/ 470783 w 1294122"/>
+              <a:gd name="connsiteY2" fmla="*/ 229923 h 350359"/>
+              <a:gd name="connsiteX3" fmla="*/ 848504 w 1294122"/>
+              <a:gd name="connsiteY3" fmla="*/ 16423 h 350359"/>
+              <a:gd name="connsiteX4" fmla="*/ 978483 w 1294122"/>
+              <a:gd name="connsiteY4" fmla="*/ 172670 h 350359"/>
+              <a:gd name="connsiteX5" fmla="*/ 1107089 w 1294122"/>
+              <a:gd name="connsiteY5" fmla="*/ 41129 h 350359"/>
+              <a:gd name="connsiteX6" fmla="*/ 1243066 w 1294122"/>
+              <a:gd name="connsiteY6" fmla="*/ 101347 h 350359"/>
+              <a:gd name="connsiteX7" fmla="*/ 1294122 w 1294122"/>
+              <a:gd name="connsiteY7" fmla="*/ 314253 h 350359"/>
+              <a:gd name="connsiteX0" fmla="*/ 0 w 1294122"/>
+              <a:gd name="connsiteY0" fmla="*/ 350359 h 350359"/>
+              <a:gd name="connsiteX1" fmla="*/ 322979 w 1294122"/>
+              <a:gd name="connsiteY1" fmla="*/ 0 h 350359"/>
+              <a:gd name="connsiteX2" fmla="*/ 470783 w 1294122"/>
+              <a:gd name="connsiteY2" fmla="*/ 229923 h 350359"/>
+              <a:gd name="connsiteX3" fmla="*/ 848504 w 1294122"/>
+              <a:gd name="connsiteY3" fmla="*/ 16423 h 350359"/>
+              <a:gd name="connsiteX4" fmla="*/ 854658 w 1294122"/>
+              <a:gd name="connsiteY4" fmla="*/ 274270 h 350359"/>
+              <a:gd name="connsiteX5" fmla="*/ 1107089 w 1294122"/>
+              <a:gd name="connsiteY5" fmla="*/ 41129 h 350359"/>
+              <a:gd name="connsiteX6" fmla="*/ 1243066 w 1294122"/>
+              <a:gd name="connsiteY6" fmla="*/ 101347 h 350359"/>
+              <a:gd name="connsiteX7" fmla="*/ 1294122 w 1294122"/>
+              <a:gd name="connsiteY7" fmla="*/ 314253 h 350359"/>
+              <a:gd name="connsiteX0" fmla="*/ 0 w 1294122"/>
+              <a:gd name="connsiteY0" fmla="*/ 350359 h 350359"/>
+              <a:gd name="connsiteX1" fmla="*/ 322979 w 1294122"/>
+              <a:gd name="connsiteY1" fmla="*/ 0 h 350359"/>
+              <a:gd name="connsiteX2" fmla="*/ 470783 w 1294122"/>
+              <a:gd name="connsiteY2" fmla="*/ 229923 h 350359"/>
+              <a:gd name="connsiteX3" fmla="*/ 848504 w 1294122"/>
+              <a:gd name="connsiteY3" fmla="*/ 16423 h 350359"/>
+              <a:gd name="connsiteX4" fmla="*/ 854658 w 1294122"/>
+              <a:gd name="connsiteY4" fmla="*/ 274270 h 350359"/>
+              <a:gd name="connsiteX5" fmla="*/ 1088039 w 1294122"/>
+              <a:gd name="connsiteY5" fmla="*/ 25254 h 350359"/>
+              <a:gd name="connsiteX6" fmla="*/ 1243066 w 1294122"/>
+              <a:gd name="connsiteY6" fmla="*/ 101347 h 350359"/>
+              <a:gd name="connsiteX7" fmla="*/ 1294122 w 1294122"/>
+              <a:gd name="connsiteY7" fmla="*/ 314253 h 350359"/>
+              <a:gd name="connsiteX0" fmla="*/ 0 w 1294122"/>
+              <a:gd name="connsiteY0" fmla="*/ 350359 h 350359"/>
+              <a:gd name="connsiteX1" fmla="*/ 322979 w 1294122"/>
+              <a:gd name="connsiteY1" fmla="*/ 0 h 350359"/>
+              <a:gd name="connsiteX2" fmla="*/ 470783 w 1294122"/>
+              <a:gd name="connsiteY2" fmla="*/ 229923 h 350359"/>
+              <a:gd name="connsiteX3" fmla="*/ 848504 w 1294122"/>
+              <a:gd name="connsiteY3" fmla="*/ 16423 h 350359"/>
+              <a:gd name="connsiteX4" fmla="*/ 854658 w 1294122"/>
+              <a:gd name="connsiteY4" fmla="*/ 274270 h 350359"/>
+              <a:gd name="connsiteX5" fmla="*/ 1088039 w 1294122"/>
+              <a:gd name="connsiteY5" fmla="*/ 25254 h 350359"/>
+              <a:gd name="connsiteX6" fmla="*/ 1236716 w 1294122"/>
+              <a:gd name="connsiteY6" fmla="*/ 190247 h 350359"/>
+              <a:gd name="connsiteX7" fmla="*/ 1294122 w 1294122"/>
+              <a:gd name="connsiteY7" fmla="*/ 314253 h 350359"/>
+              <a:gd name="connsiteX0" fmla="*/ 0 w 1316347"/>
+              <a:gd name="connsiteY0" fmla="*/ 350359 h 350359"/>
+              <a:gd name="connsiteX1" fmla="*/ 322979 w 1316347"/>
+              <a:gd name="connsiteY1" fmla="*/ 0 h 350359"/>
+              <a:gd name="connsiteX2" fmla="*/ 470783 w 1316347"/>
+              <a:gd name="connsiteY2" fmla="*/ 229923 h 350359"/>
+              <a:gd name="connsiteX3" fmla="*/ 848504 w 1316347"/>
+              <a:gd name="connsiteY3" fmla="*/ 16423 h 350359"/>
+              <a:gd name="connsiteX4" fmla="*/ 854658 w 1316347"/>
+              <a:gd name="connsiteY4" fmla="*/ 274270 h 350359"/>
+              <a:gd name="connsiteX5" fmla="*/ 1088039 w 1316347"/>
+              <a:gd name="connsiteY5" fmla="*/ 25254 h 350359"/>
+              <a:gd name="connsiteX6" fmla="*/ 1236716 w 1316347"/>
+              <a:gd name="connsiteY6" fmla="*/ 190247 h 350359"/>
+              <a:gd name="connsiteX7" fmla="*/ 1316347 w 1316347"/>
+              <a:gd name="connsiteY7" fmla="*/ 314253 h 350359"/>
+            </a:gdLst>
+            <a:ahLst/>
+            <a:cxnLst>
+              <a:cxn ang="0">
+                <a:pos x="connsiteX0" y="connsiteY0"/>
+              </a:cxn>
+              <a:cxn ang="0">
+                <a:pos x="connsiteX1" y="connsiteY1"/>
+              </a:cxn>
+              <a:cxn ang="0">
+                <a:pos x="connsiteX2" y="connsiteY2"/>
+              </a:cxn>
+              <a:cxn ang="0">
+                <a:pos x="connsiteX3" y="connsiteY3"/>
+              </a:cxn>
+              <a:cxn ang="0">
+                <a:pos x="connsiteX4" y="connsiteY4"/>
+              </a:cxn>
+              <a:cxn ang="0">
+                <a:pos x="connsiteX5" y="connsiteY5"/>
+              </a:cxn>
+              <a:cxn ang="0">
+                <a:pos x="connsiteX6" y="connsiteY6"/>
+              </a:cxn>
+              <a:cxn ang="0">
+                <a:pos x="connsiteX7" y="connsiteY7"/>
+              </a:cxn>
+            </a:cxnLst>
+            <a:rect l="l" t="t" r="r" b="b"/>
+            <a:pathLst>
+              <a:path w="1316347" h="350359">
+                <a:moveTo>
+                  <a:pt x="0" y="350359"/>
+                </a:moveTo>
+                <a:lnTo>
+                  <a:pt x="322979" y="0"/>
+                </a:lnTo>
+                <a:lnTo>
+                  <a:pt x="470783" y="229923"/>
+                </a:lnTo>
+                <a:lnTo>
+                  <a:pt x="848504" y="16423"/>
+                </a:lnTo>
+                <a:lnTo>
+                  <a:pt x="854658" y="274270"/>
+                </a:lnTo>
+                <a:lnTo>
+                  <a:pt x="1088039" y="25254"/>
+                </a:lnTo>
+                <a:lnTo>
+                  <a:pt x="1236716" y="190247"/>
+                </a:lnTo>
+                <a:lnTo>
+                  <a:pt x="1316347" y="314253"/>
+                </a:lnTo>
+              </a:path>
+            </a:pathLst>
+          </a:custGeom>
+          <a:ln w="38100" cap="rnd">
+            <a:solidFill>
+              <a:srgbClr val="DE6A10">
+                <a:alpha val="50000"/>
+              </a:srgbClr>
+            </a:solidFill>
+          </a:ln>
+          <a:effectLst/>
+        </p:spPr>
+        <p:style>
+          <a:lnRef idx="2">
+            <a:schemeClr val="accent1"/>
+          </a:lnRef>
+          <a:fillRef idx="0">
+            <a:schemeClr val="accent1"/>
+          </a:fillRef>
+          <a:effectRef idx="1">
+            <a:schemeClr val="accent1"/>
+          </a:effectRef>
+          <a:fontRef idx="minor">
+            <a:schemeClr val="tx1"/>
+          </a:fontRef>
+        </p:style>
+        <p:txBody>
+          <a:bodyPr rtlCol="0" anchor="ctr"/>
+          <a:lstStyle/>
+          <a:p>
+            <a:pPr algn="ctr"/>
+            <a:endParaRPr lang="en-US"/>
+          </a:p>
+        </p:txBody>
+      </p:sp>
+    </p:spTree>
+    <p:extLst>
+      <p:ext uri="{BB962C8B-B14F-4D97-AF65-F5344CB8AC3E}">
+        <p14:creationId xmlns:p14="http://schemas.microsoft.com/office/powerpoint/2010/main" val="1661253805"/>
+      </p:ext>
+    </p:extLst>
+  </p:cSld>
+  <p:clrMapOvr>
+    <a:masterClrMapping/>
+  </p:clrMapOvr>
+  <p:timing>
+    <p:tnLst>
+      <p:par>
+        <p:cTn id="1" dur="indefinite" restart="never" nodeType="tmRoot"/>
+      </p:par>
+    </p:tnLst>
+  </p:timing>
 </p:sld>
 </file>
 

--- a/Figs/figures.pptx
+++ b/Figs/figures.pptx
@@ -10,6 +10,7 @@
     <p:sldId id="260" r:id="rId4"/>
     <p:sldId id="271" r:id="rId5"/>
     <p:sldId id="272" r:id="rId6"/>
+    <p:sldId id="273" r:id="rId7"/>
   </p:sldIdLst>
   <p:sldSz cx="9144000" cy="6858000" type="screen4x3"/>
   <p:notesSz cx="6858000" cy="9144000"/>
@@ -309,7 +310,7 @@
             <a:fld id="{1D8BD707-D9CF-40AE-B4C6-C98DA3205C09}" type="datetimeFigureOut">
               <a:rPr lang="en-US" smtClean="0"/>
               <a:pPr/>
-              <a:t>5/9/16</a:t>
+              <a:t>5/25/16</a:t>
             </a:fld>
             <a:endParaRPr lang="en-US"/>
           </a:p>
@@ -476,7 +477,7 @@
             <a:fld id="{1D8BD707-D9CF-40AE-B4C6-C98DA3205C09}" type="datetimeFigureOut">
               <a:rPr lang="en-US" smtClean="0"/>
               <a:pPr/>
-              <a:t>5/9/16</a:t>
+              <a:t>5/25/16</a:t>
             </a:fld>
             <a:endParaRPr lang="en-US"/>
           </a:p>
@@ -653,7 +654,7 @@
             <a:fld id="{1D8BD707-D9CF-40AE-B4C6-C98DA3205C09}" type="datetimeFigureOut">
               <a:rPr lang="en-US" smtClean="0"/>
               <a:pPr/>
-              <a:t>5/9/16</a:t>
+              <a:t>5/25/16</a:t>
             </a:fld>
             <a:endParaRPr lang="en-US"/>
           </a:p>
@@ -820,7 +821,7 @@
             <a:fld id="{1D8BD707-D9CF-40AE-B4C6-C98DA3205C09}" type="datetimeFigureOut">
               <a:rPr lang="en-US" smtClean="0"/>
               <a:pPr/>
-              <a:t>5/9/16</a:t>
+              <a:t>5/25/16</a:t>
             </a:fld>
             <a:endParaRPr lang="en-US"/>
           </a:p>
@@ -1063,7 +1064,7 @@
             <a:fld id="{1D8BD707-D9CF-40AE-B4C6-C98DA3205C09}" type="datetimeFigureOut">
               <a:rPr lang="en-US" smtClean="0"/>
               <a:pPr/>
-              <a:t>5/9/16</a:t>
+              <a:t>5/25/16</a:t>
             </a:fld>
             <a:endParaRPr lang="en-US"/>
           </a:p>
@@ -1348,7 +1349,7 @@
             <a:fld id="{1D8BD707-D9CF-40AE-B4C6-C98DA3205C09}" type="datetimeFigureOut">
               <a:rPr lang="en-US" smtClean="0"/>
               <a:pPr/>
-              <a:t>5/9/16</a:t>
+              <a:t>5/25/16</a:t>
             </a:fld>
             <a:endParaRPr lang="en-US"/>
           </a:p>
@@ -1767,7 +1768,7 @@
             <a:fld id="{1D8BD707-D9CF-40AE-B4C6-C98DA3205C09}" type="datetimeFigureOut">
               <a:rPr lang="en-US" smtClean="0"/>
               <a:pPr/>
-              <a:t>5/9/16</a:t>
+              <a:t>5/25/16</a:t>
             </a:fld>
             <a:endParaRPr lang="en-US"/>
           </a:p>
@@ -1882,7 +1883,7 @@
             <a:fld id="{1D8BD707-D9CF-40AE-B4C6-C98DA3205C09}" type="datetimeFigureOut">
               <a:rPr lang="en-US" smtClean="0"/>
               <a:pPr/>
-              <a:t>5/9/16</a:t>
+              <a:t>5/25/16</a:t>
             </a:fld>
             <a:endParaRPr lang="en-US"/>
           </a:p>
@@ -1974,7 +1975,7 @@
             <a:fld id="{1D8BD707-D9CF-40AE-B4C6-C98DA3205C09}" type="datetimeFigureOut">
               <a:rPr lang="en-US" smtClean="0"/>
               <a:pPr/>
-              <a:t>5/9/16</a:t>
+              <a:t>5/25/16</a:t>
             </a:fld>
             <a:endParaRPr lang="en-US"/>
           </a:p>
@@ -2248,7 +2249,7 @@
             <a:fld id="{1D8BD707-D9CF-40AE-B4C6-C98DA3205C09}" type="datetimeFigureOut">
               <a:rPr lang="en-US" smtClean="0"/>
               <a:pPr/>
-              <a:t>5/9/16</a:t>
+              <a:t>5/25/16</a:t>
             </a:fld>
             <a:endParaRPr lang="en-US"/>
           </a:p>
@@ -2498,7 +2499,7 @@
             <a:fld id="{1D8BD707-D9CF-40AE-B4C6-C98DA3205C09}" type="datetimeFigureOut">
               <a:rPr lang="en-US" smtClean="0"/>
               <a:pPr/>
-              <a:t>5/9/16</a:t>
+              <a:t>5/25/16</a:t>
             </a:fld>
             <a:endParaRPr lang="en-US"/>
           </a:p>
@@ -2708,7 +2709,7 @@
             <a:fld id="{1D8BD707-D9CF-40AE-B4C6-C98DA3205C09}" type="datetimeFigureOut">
               <a:rPr lang="en-US" smtClean="0"/>
               <a:pPr/>
-              <a:t>5/9/16</a:t>
+              <a:t>5/25/16</a:t>
             </a:fld>
             <a:endParaRPr lang="en-US"/>
           </a:p>
@@ -18990,6 +18991,566 @@
 </p:sld>
 </file>
 
+<file path=ppt/slides/slide6.xml><?xml version="1.0" encoding="utf-8"?>
+<p:sld xmlns:a="http://schemas.openxmlformats.org/drawingml/2006/main" xmlns:r="http://schemas.openxmlformats.org/officeDocument/2006/relationships" xmlns:p="http://schemas.openxmlformats.org/presentationml/2006/main">
+  <p:cSld>
+    <p:spTree>
+      <p:nvGrpSpPr>
+        <p:cNvPr id="1" name=""/>
+        <p:cNvGrpSpPr/>
+        <p:nvPr/>
+      </p:nvGrpSpPr>
+      <p:grpSpPr>
+        <a:xfrm>
+          <a:off x="0" y="0"/>
+          <a:ext cx="0" cy="0"/>
+          <a:chOff x="0" y="0"/>
+          <a:chExt cx="0" cy="0"/>
+        </a:xfrm>
+      </p:grpSpPr>
+      <p:pic>
+        <p:nvPicPr>
+          <p:cNvPr id="3" name="Picture 2"/>
+          <p:cNvPicPr>
+            <a:picLocks noChangeAspect="1"/>
+          </p:cNvPicPr>
+          <p:nvPr/>
+        </p:nvPicPr>
+        <p:blipFill>
+          <a:blip r:embed="rId2"/>
+          <a:stretch>
+            <a:fillRect/>
+          </a:stretch>
+        </p:blipFill>
+        <p:spPr>
+          <a:xfrm>
+            <a:off x="3302481" y="3009556"/>
+            <a:ext cx="4206240" cy="680720"/>
+          </a:xfrm>
+          <a:prstGeom prst="rect">
+            <a:avLst/>
+          </a:prstGeom>
+          <a:solidFill>
+            <a:schemeClr val="bg1"/>
+          </a:solidFill>
+        </p:spPr>
+      </p:pic>
+      <p:sp>
+        <p:nvSpPr>
+          <p:cNvPr id="5" name="TextBox 4"/>
+          <p:cNvSpPr txBox="1"/>
+          <p:nvPr/>
+        </p:nvSpPr>
+        <p:spPr>
+          <a:xfrm>
+            <a:off x="3989148" y="2399291"/>
+            <a:ext cx="1165704" cy="276999"/>
+          </a:xfrm>
+          <a:prstGeom prst="rect">
+            <a:avLst/>
+          </a:prstGeom>
+          <a:solidFill>
+            <a:schemeClr val="bg1"/>
+          </a:solidFill>
+        </p:spPr>
+        <p:txBody>
+          <a:bodyPr wrap="none" rtlCol="0">
+            <a:spAutoFit/>
+          </a:bodyPr>
+          <a:lstStyle/>
+          <a:p>
+            <a:r>
+              <a:rPr lang="en-GB" sz="1200" dirty="0">
+                <a:solidFill>
+                  <a:schemeClr val="bg1">
+                    <a:lumMod val="50000"/>
+                  </a:schemeClr>
+                </a:solidFill>
+                <a:latin typeface="Helvetica" charset="0"/>
+                <a:ea typeface="Helvetica" charset="0"/>
+                <a:cs typeface="Helvetica" charset="0"/>
+              </a:rPr>
+              <a:t>Context (URL)</a:t>
+            </a:r>
+          </a:p>
+        </p:txBody>
+      </p:sp>
+      <p:sp>
+        <p:nvSpPr>
+          <p:cNvPr id="9" name="TextBox 8"/>
+          <p:cNvSpPr txBox="1"/>
+          <p:nvPr/>
+        </p:nvSpPr>
+        <p:spPr>
+          <a:xfrm>
+            <a:off x="2054675" y="3261886"/>
+            <a:ext cx="1069525" cy="461665"/>
+          </a:xfrm>
+          <a:prstGeom prst="rect">
+            <a:avLst/>
+          </a:prstGeom>
+          <a:solidFill>
+            <a:schemeClr val="bg1"/>
+          </a:solidFill>
+        </p:spPr>
+        <p:txBody>
+          <a:bodyPr wrap="none" rtlCol="0">
+            <a:spAutoFit/>
+          </a:bodyPr>
+          <a:lstStyle/>
+          <a:p>
+            <a:pPr algn="ctr"/>
+            <a:r>
+              <a:rPr lang="en-GB" sz="1200" dirty="0">
+                <a:solidFill>
+                  <a:schemeClr val="bg1">
+                    <a:lumMod val="50000"/>
+                  </a:schemeClr>
+                </a:solidFill>
+                <a:latin typeface="Helvetica" charset="0"/>
+                <a:ea typeface="Helvetica" charset="0"/>
+                <a:cs typeface="Helvetica" charset="0"/>
+              </a:rPr>
+              <a:t>Relationship </a:t>
+            </a:r>
+            <a:br>
+              <a:rPr lang="en-GB" sz="1200" dirty="0">
+                <a:solidFill>
+                  <a:schemeClr val="bg1">
+                    <a:lumMod val="50000"/>
+                  </a:schemeClr>
+                </a:solidFill>
+                <a:latin typeface="Helvetica" charset="0"/>
+                <a:ea typeface="Helvetica" charset="0"/>
+                <a:cs typeface="Helvetica" charset="0"/>
+              </a:rPr>
+            </a:br>
+            <a:r>
+              <a:rPr lang="en-GB" sz="1200" dirty="0">
+                <a:solidFill>
+                  <a:schemeClr val="bg1">
+                    <a:lumMod val="50000"/>
+                  </a:schemeClr>
+                </a:solidFill>
+                <a:latin typeface="Helvetica" charset="0"/>
+                <a:ea typeface="Helvetica" charset="0"/>
+                <a:cs typeface="Helvetica" charset="0"/>
+              </a:rPr>
+              <a:t>(revisit)</a:t>
+            </a:r>
+          </a:p>
+        </p:txBody>
+      </p:sp>
+      <p:sp>
+        <p:nvSpPr>
+          <p:cNvPr id="11" name="TextBox 10"/>
+          <p:cNvSpPr txBox="1"/>
+          <p:nvPr/>
+        </p:nvSpPr>
+        <p:spPr>
+          <a:xfrm>
+            <a:off x="2896776" y="3991596"/>
+            <a:ext cx="909223" cy="461665"/>
+          </a:xfrm>
+          <a:prstGeom prst="rect">
+            <a:avLst/>
+          </a:prstGeom>
+          <a:solidFill>
+            <a:schemeClr val="bg1"/>
+          </a:solidFill>
+        </p:spPr>
+        <p:txBody>
+          <a:bodyPr wrap="none" rtlCol="0">
+            <a:spAutoFit/>
+          </a:bodyPr>
+          <a:lstStyle/>
+          <a:p>
+            <a:pPr algn="ctr"/>
+            <a:r>
+              <a:rPr lang="en-GB" sz="1200" dirty="0">
+                <a:solidFill>
+                  <a:schemeClr val="bg1">
+                    <a:lumMod val="50000"/>
+                  </a:schemeClr>
+                </a:solidFill>
+                <a:latin typeface="Helvetica" charset="0"/>
+                <a:ea typeface="Helvetica" charset="0"/>
+                <a:cs typeface="Helvetica" charset="0"/>
+              </a:rPr>
+              <a:t>Context </a:t>
+            </a:r>
+            <a:br>
+              <a:rPr lang="en-GB" sz="1200" dirty="0">
+                <a:solidFill>
+                  <a:schemeClr val="bg1">
+                    <a:lumMod val="50000"/>
+                  </a:schemeClr>
+                </a:solidFill>
+                <a:latin typeface="Helvetica" charset="0"/>
+                <a:ea typeface="Helvetica" charset="0"/>
+                <a:cs typeface="Helvetica" charset="0"/>
+              </a:rPr>
+            </a:br>
+            <a:r>
+              <a:rPr lang="en-GB" sz="1200" dirty="0">
+                <a:solidFill>
+                  <a:schemeClr val="bg1">
+                    <a:lumMod val="50000"/>
+                  </a:schemeClr>
+                </a:solidFill>
+                <a:latin typeface="Helvetica" charset="0"/>
+                <a:ea typeface="Helvetica" charset="0"/>
+                <a:cs typeface="Helvetica" charset="0"/>
+              </a:rPr>
+              <a:t>(page title)</a:t>
+            </a:r>
+          </a:p>
+        </p:txBody>
+      </p:sp>
+      <p:sp>
+        <p:nvSpPr>
+          <p:cNvPr id="14" name="TextBox 13"/>
+          <p:cNvSpPr txBox="1"/>
+          <p:nvPr/>
+        </p:nvSpPr>
+        <p:spPr>
+          <a:xfrm>
+            <a:off x="3950769" y="3991597"/>
+            <a:ext cx="987771" cy="461665"/>
+          </a:xfrm>
+          <a:prstGeom prst="rect">
+            <a:avLst/>
+          </a:prstGeom>
+          <a:solidFill>
+            <a:schemeClr val="bg1"/>
+          </a:solidFill>
+        </p:spPr>
+        <p:txBody>
+          <a:bodyPr wrap="none" rtlCol="0">
+            <a:spAutoFit/>
+          </a:bodyPr>
+          <a:lstStyle/>
+          <a:p>
+            <a:pPr algn="ctr"/>
+            <a:r>
+              <a:rPr lang="en-GB" sz="1200" dirty="0">
+                <a:solidFill>
+                  <a:schemeClr val="bg1">
+                    <a:lumMod val="50000"/>
+                  </a:schemeClr>
+                </a:solidFill>
+                <a:latin typeface="Helvetica" charset="0"/>
+                <a:ea typeface="Helvetica" charset="0"/>
+                <a:cs typeface="Helvetica" charset="0"/>
+              </a:rPr>
+              <a:t>Action type </a:t>
+            </a:r>
+            <a:br>
+              <a:rPr lang="en-GB" sz="1200" dirty="0">
+                <a:solidFill>
+                  <a:schemeClr val="bg1">
+                    <a:lumMod val="50000"/>
+                  </a:schemeClr>
+                </a:solidFill>
+                <a:latin typeface="Helvetica" charset="0"/>
+                <a:ea typeface="Helvetica" charset="0"/>
+                <a:cs typeface="Helvetica" charset="0"/>
+              </a:rPr>
+            </a:br>
+            <a:r>
+              <a:rPr lang="en-GB" sz="1200" dirty="0">
+                <a:solidFill>
+                  <a:schemeClr val="bg1">
+                    <a:lumMod val="50000"/>
+                  </a:schemeClr>
+                </a:solidFill>
+                <a:latin typeface="Helvetica" charset="0"/>
+                <a:ea typeface="Helvetica" charset="0"/>
+                <a:cs typeface="Helvetica" charset="0"/>
+              </a:rPr>
+              <a:t>(filter)</a:t>
+            </a:r>
+          </a:p>
+        </p:txBody>
+      </p:sp>
+      <p:sp>
+        <p:nvSpPr>
+          <p:cNvPr id="16" name="TextBox 15"/>
+          <p:cNvSpPr txBox="1"/>
+          <p:nvPr/>
+        </p:nvSpPr>
+        <p:spPr>
+          <a:xfrm>
+            <a:off x="5413439" y="3991596"/>
+            <a:ext cx="1072731" cy="461665"/>
+          </a:xfrm>
+          <a:prstGeom prst="rect">
+            <a:avLst/>
+          </a:prstGeom>
+          <a:solidFill>
+            <a:schemeClr val="bg1"/>
+          </a:solidFill>
+        </p:spPr>
+        <p:txBody>
+          <a:bodyPr wrap="none" rtlCol="0">
+            <a:spAutoFit/>
+          </a:bodyPr>
+          <a:lstStyle/>
+          <a:p>
+            <a:pPr algn="ctr"/>
+            <a:r>
+              <a:rPr lang="en-GB" sz="1200" dirty="0">
+                <a:solidFill>
+                  <a:schemeClr val="bg1">
+                    <a:lumMod val="50000"/>
+                  </a:schemeClr>
+                </a:solidFill>
+                <a:latin typeface="Helvetica" charset="0"/>
+                <a:ea typeface="Helvetica" charset="0"/>
+                <a:cs typeface="Helvetica" charset="0"/>
+              </a:rPr>
+              <a:t>Context </a:t>
+            </a:r>
+            <a:br>
+              <a:rPr lang="en-GB" sz="1200" dirty="0">
+                <a:solidFill>
+                  <a:schemeClr val="bg1">
+                    <a:lumMod val="50000"/>
+                  </a:schemeClr>
+                </a:solidFill>
+                <a:latin typeface="Helvetica" charset="0"/>
+                <a:ea typeface="Helvetica" charset="0"/>
+                <a:cs typeface="Helvetica" charset="0"/>
+              </a:rPr>
+            </a:br>
+            <a:r>
+              <a:rPr lang="en-GB" sz="1200" dirty="0">
+                <a:solidFill>
+                  <a:schemeClr val="bg1">
+                    <a:lumMod val="50000"/>
+                  </a:schemeClr>
+                </a:solidFill>
+                <a:latin typeface="Helvetica" charset="0"/>
+                <a:ea typeface="Helvetica" charset="0"/>
+                <a:cs typeface="Helvetica" charset="0"/>
+              </a:rPr>
+              <a:t>(filter setting)</a:t>
+            </a:r>
+          </a:p>
+        </p:txBody>
+      </p:sp>
+      <p:cxnSp>
+        <p:nvCxnSpPr>
+          <p:cNvPr id="7" name="Straight Arrow Connector 6"/>
+          <p:cNvCxnSpPr/>
+          <p:nvPr/>
+        </p:nvCxnSpPr>
+        <p:spPr>
+          <a:xfrm>
+            <a:off x="3009700" y="3480019"/>
+            <a:ext cx="432000" cy="0"/>
+          </a:xfrm>
+          <a:prstGeom prst="straightConnector1">
+            <a:avLst/>
+          </a:prstGeom>
+          <a:ln w="25400">
+            <a:solidFill>
+              <a:schemeClr val="bg1">
+                <a:lumMod val="65000"/>
+              </a:schemeClr>
+            </a:solidFill>
+            <a:tailEnd type="triangle"/>
+          </a:ln>
+        </p:spPr>
+        <p:style>
+          <a:lnRef idx="1">
+            <a:schemeClr val="accent1"/>
+          </a:lnRef>
+          <a:fillRef idx="0">
+            <a:schemeClr val="accent1"/>
+          </a:fillRef>
+          <a:effectRef idx="0">
+            <a:schemeClr val="accent1"/>
+          </a:effectRef>
+          <a:fontRef idx="minor">
+            <a:schemeClr val="tx1"/>
+          </a:fontRef>
+        </p:style>
+      </p:cxnSp>
+      <p:cxnSp>
+        <p:nvCxnSpPr>
+          <p:cNvPr id="22" name="Straight Arrow Connector 21"/>
+          <p:cNvCxnSpPr>
+            <a:stCxn id="11" idx="0"/>
+          </p:cNvCxnSpPr>
+          <p:nvPr/>
+        </p:nvCxnSpPr>
+        <p:spPr>
+          <a:xfrm flipV="1">
+            <a:off x="3351388" y="3556000"/>
+            <a:ext cx="445912" cy="435596"/>
+          </a:xfrm>
+          <a:prstGeom prst="straightConnector1">
+            <a:avLst/>
+          </a:prstGeom>
+          <a:ln w="25400">
+            <a:solidFill>
+              <a:schemeClr val="bg1">
+                <a:lumMod val="65000"/>
+              </a:schemeClr>
+            </a:solidFill>
+            <a:tailEnd type="triangle"/>
+          </a:ln>
+        </p:spPr>
+        <p:style>
+          <a:lnRef idx="1">
+            <a:schemeClr val="accent1"/>
+          </a:lnRef>
+          <a:fillRef idx="0">
+            <a:schemeClr val="accent1"/>
+          </a:fillRef>
+          <a:effectRef idx="0">
+            <a:schemeClr val="accent1"/>
+          </a:effectRef>
+          <a:fontRef idx="minor">
+            <a:schemeClr val="tx1"/>
+          </a:fontRef>
+        </p:style>
+      </p:cxnSp>
+      <p:cxnSp>
+        <p:nvCxnSpPr>
+          <p:cNvPr id="23" name="Straight Arrow Connector 22"/>
+          <p:cNvCxnSpPr/>
+          <p:nvPr/>
+        </p:nvCxnSpPr>
+        <p:spPr>
+          <a:xfrm flipV="1">
+            <a:off x="4381355" y="3607832"/>
+            <a:ext cx="0" cy="396000"/>
+          </a:xfrm>
+          <a:prstGeom prst="straightConnector1">
+            <a:avLst/>
+          </a:prstGeom>
+          <a:ln w="25400">
+            <a:solidFill>
+              <a:schemeClr val="bg1">
+                <a:lumMod val="65000"/>
+              </a:schemeClr>
+            </a:solidFill>
+            <a:tailEnd type="triangle"/>
+          </a:ln>
+        </p:spPr>
+        <p:style>
+          <a:lnRef idx="1">
+            <a:schemeClr val="accent1"/>
+          </a:lnRef>
+          <a:fillRef idx="0">
+            <a:schemeClr val="accent1"/>
+          </a:fillRef>
+          <a:effectRef idx="0">
+            <a:schemeClr val="accent1"/>
+          </a:effectRef>
+          <a:fontRef idx="minor">
+            <a:schemeClr val="tx1"/>
+          </a:fontRef>
+        </p:style>
+      </p:cxnSp>
+      <p:cxnSp>
+        <p:nvCxnSpPr>
+          <p:cNvPr id="24" name="Straight Arrow Connector 23"/>
+          <p:cNvCxnSpPr/>
+          <p:nvPr/>
+        </p:nvCxnSpPr>
+        <p:spPr>
+          <a:xfrm flipV="1">
+            <a:off x="5962505" y="3543300"/>
+            <a:ext cx="0" cy="468000"/>
+          </a:xfrm>
+          <a:prstGeom prst="straightConnector1">
+            <a:avLst/>
+          </a:prstGeom>
+          <a:ln w="25400">
+            <a:solidFill>
+              <a:schemeClr val="bg1">
+                <a:lumMod val="65000"/>
+              </a:schemeClr>
+            </a:solidFill>
+            <a:tailEnd type="triangle"/>
+          </a:ln>
+        </p:spPr>
+        <p:style>
+          <a:lnRef idx="1">
+            <a:schemeClr val="accent1"/>
+          </a:lnRef>
+          <a:fillRef idx="0">
+            <a:schemeClr val="accent1"/>
+          </a:fillRef>
+          <a:effectRef idx="0">
+            <a:schemeClr val="accent1"/>
+          </a:effectRef>
+          <a:fontRef idx="minor">
+            <a:schemeClr val="tx1"/>
+          </a:fontRef>
+        </p:style>
+      </p:cxnSp>
+      <p:cxnSp>
+        <p:nvCxnSpPr>
+          <p:cNvPr id="25" name="Straight Arrow Connector 24"/>
+          <p:cNvCxnSpPr/>
+          <p:nvPr/>
+        </p:nvCxnSpPr>
+        <p:spPr>
+          <a:xfrm>
+            <a:off x="4572000" y="2667000"/>
+            <a:ext cx="0" cy="396000"/>
+          </a:xfrm>
+          <a:prstGeom prst="straightConnector1">
+            <a:avLst/>
+          </a:prstGeom>
+          <a:ln w="25400">
+            <a:solidFill>
+              <a:schemeClr val="bg1">
+                <a:lumMod val="65000"/>
+              </a:schemeClr>
+            </a:solidFill>
+            <a:tailEnd type="triangle"/>
+          </a:ln>
+        </p:spPr>
+        <p:style>
+          <a:lnRef idx="1">
+            <a:schemeClr val="accent1"/>
+          </a:lnRef>
+          <a:fillRef idx="0">
+            <a:schemeClr val="accent1"/>
+          </a:fillRef>
+          <a:effectRef idx="0">
+            <a:schemeClr val="accent1"/>
+          </a:effectRef>
+          <a:fontRef idx="minor">
+            <a:schemeClr val="tx1"/>
+          </a:fontRef>
+        </p:style>
+      </p:cxnSp>
+    </p:spTree>
+    <p:extLst>
+      <p:ext uri="{BB962C8B-B14F-4D97-AF65-F5344CB8AC3E}">
+        <p14:creationId xmlns:p14="http://schemas.microsoft.com/office/powerpoint/2010/main" val="1398115985"/>
+      </p:ext>
+    </p:extLst>
+  </p:cSld>
+  <p:clrMapOvr>
+    <a:masterClrMapping/>
+  </p:clrMapOvr>
+  <p:timing>
+    <p:tnLst>
+      <p:par>
+        <p:cTn id="1" dur="indefinite" restart="never" nodeType="tmRoot"/>
+      </p:par>
+    </p:tnLst>
+  </p:timing>
+</p:sld>
+</file>
+
 <file path=ppt/theme/theme1.xml><?xml version="1.0" encoding="utf-8"?>
 <a:theme xmlns:a="http://schemas.openxmlformats.org/drawingml/2006/main" name="Office Theme">
   <a:themeElements>

--- a/Figs/figures.pptx
+++ b/Figs/figures.pptx
@@ -11,6 +11,8 @@
     <p:sldId id="271" r:id="rId5"/>
     <p:sldId id="272" r:id="rId6"/>
     <p:sldId id="273" r:id="rId7"/>
+    <p:sldId id="274" r:id="rId8"/>
+    <p:sldId id="275" r:id="rId9"/>
   </p:sldIdLst>
   <p:sldSz cx="9144000" cy="6858000" type="screen4x3"/>
   <p:notesSz cx="6858000" cy="9144000"/>
@@ -310,7 +312,7 @@
             <a:fld id="{1D8BD707-D9CF-40AE-B4C6-C98DA3205C09}" type="datetimeFigureOut">
               <a:rPr lang="en-US" smtClean="0"/>
               <a:pPr/>
-              <a:t>5/25/16</a:t>
+              <a:t>9/10/17</a:t>
             </a:fld>
             <a:endParaRPr lang="en-US"/>
           </a:p>
@@ -477,7 +479,7 @@
             <a:fld id="{1D8BD707-D9CF-40AE-B4C6-C98DA3205C09}" type="datetimeFigureOut">
               <a:rPr lang="en-US" smtClean="0"/>
               <a:pPr/>
-              <a:t>5/25/16</a:t>
+              <a:t>9/10/17</a:t>
             </a:fld>
             <a:endParaRPr lang="en-US"/>
           </a:p>
@@ -654,7 +656,7 @@
             <a:fld id="{1D8BD707-D9CF-40AE-B4C6-C98DA3205C09}" type="datetimeFigureOut">
               <a:rPr lang="en-US" smtClean="0"/>
               <a:pPr/>
-              <a:t>5/25/16</a:t>
+              <a:t>9/10/17</a:t>
             </a:fld>
             <a:endParaRPr lang="en-US"/>
           </a:p>
@@ -821,7 +823,7 @@
             <a:fld id="{1D8BD707-D9CF-40AE-B4C6-C98DA3205C09}" type="datetimeFigureOut">
               <a:rPr lang="en-US" smtClean="0"/>
               <a:pPr/>
-              <a:t>5/25/16</a:t>
+              <a:t>9/10/17</a:t>
             </a:fld>
             <a:endParaRPr lang="en-US"/>
           </a:p>
@@ -1064,7 +1066,7 @@
             <a:fld id="{1D8BD707-D9CF-40AE-B4C6-C98DA3205C09}" type="datetimeFigureOut">
               <a:rPr lang="en-US" smtClean="0"/>
               <a:pPr/>
-              <a:t>5/25/16</a:t>
+              <a:t>9/10/17</a:t>
             </a:fld>
             <a:endParaRPr lang="en-US"/>
           </a:p>
@@ -1349,7 +1351,7 @@
             <a:fld id="{1D8BD707-D9CF-40AE-B4C6-C98DA3205C09}" type="datetimeFigureOut">
               <a:rPr lang="en-US" smtClean="0"/>
               <a:pPr/>
-              <a:t>5/25/16</a:t>
+              <a:t>9/10/17</a:t>
             </a:fld>
             <a:endParaRPr lang="en-US"/>
           </a:p>
@@ -1768,7 +1770,7 @@
             <a:fld id="{1D8BD707-D9CF-40AE-B4C6-C98DA3205C09}" type="datetimeFigureOut">
               <a:rPr lang="en-US" smtClean="0"/>
               <a:pPr/>
-              <a:t>5/25/16</a:t>
+              <a:t>9/10/17</a:t>
             </a:fld>
             <a:endParaRPr lang="en-US"/>
           </a:p>
@@ -1883,7 +1885,7 @@
             <a:fld id="{1D8BD707-D9CF-40AE-B4C6-C98DA3205C09}" type="datetimeFigureOut">
               <a:rPr lang="en-US" smtClean="0"/>
               <a:pPr/>
-              <a:t>5/25/16</a:t>
+              <a:t>9/10/17</a:t>
             </a:fld>
             <a:endParaRPr lang="en-US"/>
           </a:p>
@@ -1975,7 +1977,7 @@
             <a:fld id="{1D8BD707-D9CF-40AE-B4C6-C98DA3205C09}" type="datetimeFigureOut">
               <a:rPr lang="en-US" smtClean="0"/>
               <a:pPr/>
-              <a:t>5/25/16</a:t>
+              <a:t>9/10/17</a:t>
             </a:fld>
             <a:endParaRPr lang="en-US"/>
           </a:p>
@@ -2249,7 +2251,7 @@
             <a:fld id="{1D8BD707-D9CF-40AE-B4C6-C98DA3205C09}" type="datetimeFigureOut">
               <a:rPr lang="en-US" smtClean="0"/>
               <a:pPr/>
-              <a:t>5/25/16</a:t>
+              <a:t>9/10/17</a:t>
             </a:fld>
             <a:endParaRPr lang="en-US"/>
           </a:p>
@@ -2499,7 +2501,7 @@
             <a:fld id="{1D8BD707-D9CF-40AE-B4C6-C98DA3205C09}" type="datetimeFigureOut">
               <a:rPr lang="en-US" smtClean="0"/>
               <a:pPr/>
-              <a:t>5/25/16</a:t>
+              <a:t>9/10/17</a:t>
             </a:fld>
             <a:endParaRPr lang="en-US"/>
           </a:p>
@@ -2709,7 +2711,7 @@
             <a:fld id="{1D8BD707-D9CF-40AE-B4C6-C98DA3205C09}" type="datetimeFigureOut">
               <a:rPr lang="en-US" smtClean="0"/>
               <a:pPr/>
-              <a:t>5/25/16</a:t>
+              <a:t>9/10/17</a:t>
             </a:fld>
             <a:endParaRPr lang="en-US"/>
           </a:p>
@@ -19551,6 +19553,1333 @@
 </p:sld>
 </file>
 
+<file path=ppt/slides/slide7.xml><?xml version="1.0" encoding="utf-8"?>
+<p:sld xmlns:a="http://schemas.openxmlformats.org/drawingml/2006/main" xmlns:r="http://schemas.openxmlformats.org/officeDocument/2006/relationships" xmlns:p="http://schemas.openxmlformats.org/presentationml/2006/main">
+  <p:cSld>
+    <p:spTree>
+      <p:nvGrpSpPr>
+        <p:cNvPr id="1" name=""/>
+        <p:cNvGrpSpPr/>
+        <p:nvPr/>
+      </p:nvGrpSpPr>
+      <p:grpSpPr>
+        <a:xfrm>
+          <a:off x="0" y="0"/>
+          <a:ext cx="0" cy="0"/>
+          <a:chOff x="0" y="0"/>
+          <a:chExt cx="0" cy="0"/>
+        </a:xfrm>
+      </p:grpSpPr>
+      <p:grpSp>
+        <p:nvGrpSpPr>
+          <p:cNvPr id="63" name="Group 62"/>
+          <p:cNvGrpSpPr/>
+          <p:nvPr/>
+        </p:nvGrpSpPr>
+        <p:grpSpPr>
+          <a:xfrm>
+            <a:off x="2057400" y="3048000"/>
+            <a:ext cx="3254753" cy="1905000"/>
+            <a:chOff x="2057400" y="3048000"/>
+            <a:chExt cx="3254753" cy="1905000"/>
+          </a:xfrm>
+        </p:grpSpPr>
+        <p:sp>
+          <p:nvSpPr>
+            <p:cNvPr id="2" name="TextBox 1"/>
+            <p:cNvSpPr txBox="1"/>
+            <p:nvPr/>
+          </p:nvSpPr>
+          <p:spPr>
+            <a:xfrm>
+              <a:off x="2367725" y="3048000"/>
+              <a:ext cx="1219200" cy="430887"/>
+            </a:xfrm>
+            <a:prstGeom prst="rect">
+              <a:avLst/>
+            </a:prstGeom>
+            <a:solidFill>
+              <a:schemeClr val="accent5">
+                <a:lumMod val="60000"/>
+                <a:lumOff val="40000"/>
+              </a:schemeClr>
+            </a:solidFill>
+            <a:ln>
+              <a:solidFill>
+                <a:schemeClr val="tx1"/>
+              </a:solidFill>
+            </a:ln>
+          </p:spPr>
+          <p:txBody>
+            <a:bodyPr wrap="square" rtlCol="0">
+              <a:spAutoFit/>
+            </a:bodyPr>
+            <a:lstStyle/>
+            <a:p>
+              <a:pPr algn="ctr"/>
+              <a:r>
+                <a:rPr lang="en-US" sz="1100" dirty="0" smtClean="0">
+                  <a:latin typeface="Helvetica" charset="0"/>
+                  <a:ea typeface="Helvetica" charset="0"/>
+                  <a:cs typeface="Helvetica" charset="0"/>
+                </a:rPr>
+                <a:t>Search for Good Representations</a:t>
+              </a:r>
+              <a:endParaRPr lang="en-US" sz="1100" dirty="0">
+                <a:latin typeface="Helvetica" charset="0"/>
+                <a:ea typeface="Helvetica" charset="0"/>
+                <a:cs typeface="Helvetica" charset="0"/>
+              </a:endParaRPr>
+            </a:p>
+          </p:txBody>
+        </p:sp>
+        <p:sp>
+          <p:nvSpPr>
+            <p:cNvPr id="3" name="TextBox 2"/>
+            <p:cNvSpPr txBox="1"/>
+            <p:nvPr/>
+          </p:nvSpPr>
+          <p:spPr>
+            <a:xfrm>
+              <a:off x="2362200" y="3962400"/>
+              <a:ext cx="1219200" cy="430887"/>
+            </a:xfrm>
+            <a:prstGeom prst="rect">
+              <a:avLst/>
+            </a:prstGeom>
+            <a:solidFill>
+              <a:schemeClr val="accent3"/>
+            </a:solidFill>
+            <a:ln>
+              <a:solidFill>
+                <a:schemeClr val="tx1"/>
+              </a:solidFill>
+            </a:ln>
+          </p:spPr>
+          <p:txBody>
+            <a:bodyPr wrap="square" rtlCol="0">
+              <a:spAutoFit/>
+            </a:bodyPr>
+            <a:lstStyle/>
+            <a:p>
+              <a:pPr algn="ctr"/>
+              <a:r>
+                <a:rPr lang="en-US" sz="1100" dirty="0" smtClean="0">
+                  <a:latin typeface="Helvetica" charset="0"/>
+                  <a:ea typeface="Helvetica" charset="0"/>
+                  <a:cs typeface="Helvetica" charset="0"/>
+                </a:rPr>
+                <a:t>Instantiate</a:t>
+              </a:r>
+            </a:p>
+            <a:p>
+              <a:pPr algn="ctr"/>
+              <a:r>
+                <a:rPr lang="en-US" sz="1100" dirty="0" smtClean="0">
+                  <a:latin typeface="Helvetica" charset="0"/>
+                  <a:ea typeface="Helvetica" charset="0"/>
+                  <a:cs typeface="Helvetica" charset="0"/>
+                </a:rPr>
+                <a:t>Representations</a:t>
+              </a:r>
+              <a:endParaRPr lang="en-US" sz="1100" dirty="0">
+                <a:latin typeface="Helvetica" charset="0"/>
+                <a:ea typeface="Helvetica" charset="0"/>
+                <a:cs typeface="Helvetica" charset="0"/>
+              </a:endParaRPr>
+            </a:p>
+          </p:txBody>
+        </p:sp>
+        <p:cxnSp>
+          <p:nvCxnSpPr>
+            <p:cNvPr id="5" name="Elbow Connector 4"/>
+            <p:cNvCxnSpPr>
+              <a:stCxn id="2" idx="1"/>
+              <a:endCxn id="3" idx="1"/>
+            </p:cNvCxnSpPr>
+            <p:nvPr/>
+          </p:nvCxnSpPr>
+          <p:spPr>
+            <a:xfrm rot="10800000" flipV="1">
+              <a:off x="2362201" y="3263444"/>
+              <a:ext cx="5525" cy="914400"/>
+            </a:xfrm>
+            <a:prstGeom prst="bentConnector3">
+              <a:avLst>
+                <a:gd name="adj1" fmla="val 4832887"/>
+              </a:avLst>
+            </a:prstGeom>
+            <a:ln w="19050">
+              <a:solidFill>
+                <a:schemeClr val="tx1"/>
+              </a:solidFill>
+              <a:tailEnd type="stealth"/>
+            </a:ln>
+          </p:spPr>
+          <p:style>
+            <a:lnRef idx="1">
+              <a:schemeClr val="accent1"/>
+            </a:lnRef>
+            <a:fillRef idx="0">
+              <a:schemeClr val="accent1"/>
+            </a:fillRef>
+            <a:effectRef idx="0">
+              <a:schemeClr val="accent1"/>
+            </a:effectRef>
+            <a:fontRef idx="minor">
+              <a:schemeClr val="tx1"/>
+            </a:fontRef>
+          </p:style>
+        </p:cxnSp>
+        <p:sp>
+          <p:nvSpPr>
+            <p:cNvPr id="15" name="TextBox 14"/>
+            <p:cNvSpPr txBox="1"/>
+            <p:nvPr/>
+          </p:nvSpPr>
+          <p:spPr>
+            <a:xfrm>
+              <a:off x="2057400" y="3589838"/>
+              <a:ext cx="1212191" cy="261610"/>
+            </a:xfrm>
+            <a:prstGeom prst="rect">
+              <a:avLst/>
+            </a:prstGeom>
+            <a:noFill/>
+          </p:spPr>
+          <p:txBody>
+            <a:bodyPr wrap="none" rtlCol="0">
+              <a:spAutoFit/>
+            </a:bodyPr>
+            <a:lstStyle/>
+            <a:p>
+              <a:r>
+                <a:rPr lang="en-US" sz="1100" dirty="0" smtClean="0">
+                  <a:latin typeface="Helvetica" charset="0"/>
+                  <a:ea typeface="Helvetica" charset="0"/>
+                  <a:cs typeface="Helvetica" charset="0"/>
+                </a:rPr>
+                <a:t>Representations</a:t>
+              </a:r>
+              <a:endParaRPr lang="en-US" sz="1100" dirty="0">
+                <a:latin typeface="Helvetica" charset="0"/>
+                <a:ea typeface="Helvetica" charset="0"/>
+                <a:cs typeface="Helvetica" charset="0"/>
+              </a:endParaRPr>
+            </a:p>
+          </p:txBody>
+        </p:sp>
+        <p:sp>
+          <p:nvSpPr>
+            <p:cNvPr id="21" name="TextBox 20"/>
+            <p:cNvSpPr txBox="1"/>
+            <p:nvPr/>
+          </p:nvSpPr>
+          <p:spPr>
+            <a:xfrm>
+              <a:off x="3222371" y="3589838"/>
+              <a:ext cx="704039" cy="261610"/>
+            </a:xfrm>
+            <a:prstGeom prst="rect">
+              <a:avLst/>
+            </a:prstGeom>
+            <a:noFill/>
+          </p:spPr>
+          <p:txBody>
+            <a:bodyPr wrap="none" rtlCol="0">
+              <a:spAutoFit/>
+            </a:bodyPr>
+            <a:lstStyle/>
+            <a:p>
+              <a:r>
+                <a:rPr lang="en-US" sz="1100" dirty="0" smtClean="0">
+                  <a:solidFill>
+                    <a:srgbClr val="FF0000"/>
+                  </a:solidFill>
+                  <a:latin typeface="Helvetica" charset="0"/>
+                  <a:ea typeface="Helvetica" charset="0"/>
+                  <a:cs typeface="Helvetica" charset="0"/>
+                </a:rPr>
+                <a:t>Residue</a:t>
+              </a:r>
+              <a:endParaRPr lang="en-US" sz="1100" dirty="0">
+                <a:solidFill>
+                  <a:srgbClr val="FF0000"/>
+                </a:solidFill>
+                <a:latin typeface="Helvetica" charset="0"/>
+                <a:ea typeface="Helvetica" charset="0"/>
+                <a:cs typeface="Helvetica" charset="0"/>
+              </a:endParaRPr>
+            </a:p>
+          </p:txBody>
+        </p:sp>
+        <p:cxnSp>
+          <p:nvCxnSpPr>
+            <p:cNvPr id="28" name="Elbow Connector 27"/>
+            <p:cNvCxnSpPr/>
+            <p:nvPr/>
+          </p:nvCxnSpPr>
+          <p:spPr>
+            <a:xfrm flipH="1">
+              <a:off x="3575875" y="3394800"/>
+              <a:ext cx="5525" cy="648000"/>
+            </a:xfrm>
+            <a:prstGeom prst="bentConnector3">
+              <a:avLst>
+                <a:gd name="adj1" fmla="val -5090081"/>
+              </a:avLst>
+            </a:prstGeom>
+            <a:ln w="19050">
+              <a:solidFill>
+                <a:srgbClr val="FF0000"/>
+              </a:solidFill>
+              <a:headEnd type="stealth"/>
+              <a:tailEnd type="none"/>
+            </a:ln>
+          </p:spPr>
+          <p:style>
+            <a:lnRef idx="1">
+              <a:schemeClr val="accent1"/>
+            </a:lnRef>
+            <a:fillRef idx="0">
+              <a:schemeClr val="accent1"/>
+            </a:fillRef>
+            <a:effectRef idx="0">
+              <a:schemeClr val="accent1"/>
+            </a:effectRef>
+            <a:fontRef idx="minor">
+              <a:schemeClr val="tx1"/>
+            </a:fontRef>
+          </p:style>
+        </p:cxnSp>
+        <p:cxnSp>
+          <p:nvCxnSpPr>
+            <p:cNvPr id="47" name="Elbow Connector 46"/>
+            <p:cNvCxnSpPr/>
+            <p:nvPr/>
+          </p:nvCxnSpPr>
+          <p:spPr>
+            <a:xfrm flipH="1">
+              <a:off x="3581400" y="3104506"/>
+              <a:ext cx="5525" cy="180000"/>
+            </a:xfrm>
+            <a:prstGeom prst="bentConnector3">
+              <a:avLst>
+                <a:gd name="adj1" fmla="val -5090081"/>
+              </a:avLst>
+            </a:prstGeom>
+            <a:ln w="19050">
+              <a:solidFill>
+                <a:schemeClr val="accent5">
+                  <a:lumMod val="60000"/>
+                  <a:lumOff val="40000"/>
+                </a:schemeClr>
+              </a:solidFill>
+              <a:headEnd type="stealth"/>
+              <a:tailEnd type="none"/>
+            </a:ln>
+          </p:spPr>
+          <p:style>
+            <a:lnRef idx="1">
+              <a:schemeClr val="accent1"/>
+            </a:lnRef>
+            <a:fillRef idx="0">
+              <a:schemeClr val="accent1"/>
+            </a:fillRef>
+            <a:effectRef idx="0">
+              <a:schemeClr val="accent1"/>
+            </a:effectRef>
+            <a:fontRef idx="minor">
+              <a:schemeClr val="tx1"/>
+            </a:fontRef>
+          </p:style>
+        </p:cxnSp>
+        <p:cxnSp>
+          <p:nvCxnSpPr>
+            <p:cNvPr id="48" name="Elbow Connector 47"/>
+            <p:cNvCxnSpPr/>
+            <p:nvPr/>
+          </p:nvCxnSpPr>
+          <p:spPr>
+            <a:xfrm flipH="1">
+              <a:off x="3581400" y="4153094"/>
+              <a:ext cx="5525" cy="180000"/>
+            </a:xfrm>
+            <a:prstGeom prst="bentConnector3">
+              <a:avLst>
+                <a:gd name="adj1" fmla="val -5090081"/>
+              </a:avLst>
+            </a:prstGeom>
+            <a:ln w="19050">
+              <a:solidFill>
+                <a:schemeClr val="accent3"/>
+              </a:solidFill>
+              <a:headEnd type="stealth"/>
+              <a:tailEnd type="none"/>
+            </a:ln>
+          </p:spPr>
+          <p:style>
+            <a:lnRef idx="1">
+              <a:schemeClr val="accent1"/>
+            </a:lnRef>
+            <a:fillRef idx="0">
+              <a:schemeClr val="accent1"/>
+            </a:fillRef>
+            <a:effectRef idx="0">
+              <a:schemeClr val="accent1"/>
+            </a:effectRef>
+            <a:fontRef idx="minor">
+              <a:schemeClr val="tx1"/>
+            </a:fontRef>
+          </p:style>
+        </p:cxnSp>
+        <p:sp>
+          <p:nvSpPr>
+            <p:cNvPr id="49" name="TextBox 48"/>
+            <p:cNvSpPr txBox="1"/>
+            <p:nvPr/>
+          </p:nvSpPr>
+          <p:spPr>
+            <a:xfrm>
+              <a:off x="3926409" y="3063701"/>
+              <a:ext cx="1234633" cy="261610"/>
+            </a:xfrm>
+            <a:prstGeom prst="rect">
+              <a:avLst/>
+            </a:prstGeom>
+            <a:noFill/>
+          </p:spPr>
+          <p:txBody>
+            <a:bodyPr wrap="none" rtlCol="0">
+              <a:spAutoFit/>
+            </a:bodyPr>
+            <a:lstStyle/>
+            <a:p>
+              <a:r>
+                <a:rPr lang="en-US" sz="1100" dirty="0" smtClean="0">
+                  <a:latin typeface="Helvetica" charset="0"/>
+                  <a:ea typeface="Helvetica" charset="0"/>
+                  <a:cs typeface="Helvetica" charset="0"/>
+                </a:rPr>
+                <a:t>Generation Loop</a:t>
+              </a:r>
+              <a:endParaRPr lang="en-US" sz="1100" dirty="0">
+                <a:latin typeface="Helvetica" charset="0"/>
+                <a:ea typeface="Helvetica" charset="0"/>
+                <a:cs typeface="Helvetica" charset="0"/>
+              </a:endParaRPr>
+            </a:p>
+          </p:txBody>
+        </p:sp>
+        <p:sp>
+          <p:nvSpPr>
+            <p:cNvPr id="50" name="TextBox 49"/>
+            <p:cNvSpPr txBox="1"/>
+            <p:nvPr/>
+          </p:nvSpPr>
+          <p:spPr>
+            <a:xfrm>
+              <a:off x="3942868" y="3531513"/>
+              <a:ext cx="1252266" cy="430887"/>
+            </a:xfrm>
+            <a:prstGeom prst="rect">
+              <a:avLst/>
+            </a:prstGeom>
+            <a:noFill/>
+          </p:spPr>
+          <p:txBody>
+            <a:bodyPr wrap="none" rtlCol="0">
+              <a:spAutoFit/>
+            </a:bodyPr>
+            <a:lstStyle/>
+            <a:p>
+              <a:pPr algn="ctr"/>
+              <a:r>
+                <a:rPr lang="en-US" sz="1100" dirty="0" smtClean="0">
+                  <a:latin typeface="Helvetica" charset="0"/>
+                  <a:ea typeface="Helvetica" charset="0"/>
+                  <a:cs typeface="Helvetica" charset="0"/>
+                </a:rPr>
+                <a:t>Representational</a:t>
+              </a:r>
+            </a:p>
+            <a:p>
+              <a:pPr algn="ctr"/>
+              <a:r>
+                <a:rPr lang="en-US" sz="1100" dirty="0" smtClean="0">
+                  <a:latin typeface="Helvetica" charset="0"/>
+                  <a:ea typeface="Helvetica" charset="0"/>
+                  <a:cs typeface="Helvetica" charset="0"/>
+                </a:rPr>
+                <a:t>Shift Loop</a:t>
+              </a:r>
+              <a:endParaRPr lang="en-US" sz="1100" dirty="0">
+                <a:latin typeface="Helvetica" charset="0"/>
+                <a:ea typeface="Helvetica" charset="0"/>
+                <a:cs typeface="Helvetica" charset="0"/>
+              </a:endParaRPr>
+            </a:p>
+          </p:txBody>
+        </p:sp>
+        <p:sp>
+          <p:nvSpPr>
+            <p:cNvPr id="51" name="TextBox 50"/>
+            <p:cNvSpPr txBox="1"/>
+            <p:nvPr/>
+          </p:nvSpPr>
+          <p:spPr>
+            <a:xfrm>
+              <a:off x="3825849" y="4096122"/>
+              <a:ext cx="1486304" cy="261610"/>
+            </a:xfrm>
+            <a:prstGeom prst="rect">
+              <a:avLst/>
+            </a:prstGeom>
+            <a:noFill/>
+          </p:spPr>
+          <p:txBody>
+            <a:bodyPr wrap="none" rtlCol="0">
+              <a:spAutoFit/>
+            </a:bodyPr>
+            <a:lstStyle/>
+            <a:p>
+              <a:pPr algn="ctr"/>
+              <a:r>
+                <a:rPr lang="en-US" sz="1100" smtClean="0">
+                  <a:latin typeface="Helvetica" charset="0"/>
+                  <a:ea typeface="Helvetica" charset="0"/>
+                  <a:cs typeface="Helvetica" charset="0"/>
+                </a:rPr>
+                <a:t>Data Coverage Loop</a:t>
+              </a:r>
+              <a:endParaRPr lang="en-US" sz="1100" dirty="0">
+                <a:latin typeface="Helvetica" charset="0"/>
+                <a:ea typeface="Helvetica" charset="0"/>
+                <a:cs typeface="Helvetica" charset="0"/>
+              </a:endParaRPr>
+            </a:p>
+          </p:txBody>
+        </p:sp>
+        <p:cxnSp>
+          <p:nvCxnSpPr>
+            <p:cNvPr id="56" name="Straight Arrow Connector 55"/>
+            <p:cNvCxnSpPr/>
+            <p:nvPr/>
+          </p:nvCxnSpPr>
+          <p:spPr>
+            <a:xfrm>
+              <a:off x="2895600" y="4393287"/>
+              <a:ext cx="0" cy="331113"/>
+            </a:xfrm>
+            <a:prstGeom prst="straightConnector1">
+              <a:avLst/>
+            </a:prstGeom>
+            <a:ln w="19050">
+              <a:solidFill>
+                <a:schemeClr val="tx1"/>
+              </a:solidFill>
+              <a:tailEnd type="stealth"/>
+            </a:ln>
+          </p:spPr>
+          <p:style>
+            <a:lnRef idx="1">
+              <a:schemeClr val="accent1"/>
+            </a:lnRef>
+            <a:fillRef idx="0">
+              <a:schemeClr val="accent1"/>
+            </a:fillRef>
+            <a:effectRef idx="0">
+              <a:schemeClr val="accent1"/>
+            </a:effectRef>
+            <a:fontRef idx="minor">
+              <a:schemeClr val="tx1"/>
+            </a:fontRef>
+          </p:style>
+        </p:cxnSp>
+        <p:cxnSp>
+          <p:nvCxnSpPr>
+            <p:cNvPr id="57" name="Straight Arrow Connector 56"/>
+            <p:cNvCxnSpPr/>
+            <p:nvPr/>
+          </p:nvCxnSpPr>
+          <p:spPr>
+            <a:xfrm flipV="1">
+              <a:off x="3053868" y="4393288"/>
+              <a:ext cx="1" cy="331112"/>
+            </a:xfrm>
+            <a:prstGeom prst="straightConnector1">
+              <a:avLst/>
+            </a:prstGeom>
+            <a:ln w="19050">
+              <a:solidFill>
+                <a:schemeClr val="tx1"/>
+              </a:solidFill>
+              <a:tailEnd type="stealth"/>
+            </a:ln>
+          </p:spPr>
+          <p:style>
+            <a:lnRef idx="1">
+              <a:schemeClr val="accent1"/>
+            </a:lnRef>
+            <a:fillRef idx="0">
+              <a:schemeClr val="accent1"/>
+            </a:fillRef>
+            <a:effectRef idx="0">
+              <a:schemeClr val="accent1"/>
+            </a:effectRef>
+            <a:fontRef idx="minor">
+              <a:schemeClr val="tx1"/>
+            </a:fontRef>
+          </p:style>
+        </p:cxnSp>
+        <p:sp>
+          <p:nvSpPr>
+            <p:cNvPr id="60" name="Oval 59"/>
+            <p:cNvSpPr/>
+            <p:nvPr/>
+          </p:nvSpPr>
+          <p:spPr>
+            <a:xfrm>
+              <a:off x="2519679" y="4640237"/>
+              <a:ext cx="904242" cy="312763"/>
+            </a:xfrm>
+            <a:prstGeom prst="ellipse">
+              <a:avLst/>
+            </a:prstGeom>
+            <a:noFill/>
+            <a:ln w="12700">
+              <a:solidFill>
+                <a:schemeClr val="tx1"/>
+              </a:solidFill>
+            </a:ln>
+          </p:spPr>
+          <p:style>
+            <a:lnRef idx="2">
+              <a:schemeClr val="accent1">
+                <a:shade val="50000"/>
+              </a:schemeClr>
+            </a:lnRef>
+            <a:fillRef idx="1">
+              <a:schemeClr val="accent1"/>
+            </a:fillRef>
+            <a:effectRef idx="0">
+              <a:schemeClr val="accent1"/>
+            </a:effectRef>
+            <a:fontRef idx="minor">
+              <a:schemeClr val="lt1"/>
+            </a:fontRef>
+          </p:style>
+          <p:txBody>
+            <a:bodyPr lIns="0" tIns="0" rIns="0" bIns="0" rtlCol="0" anchor="ctr" anchorCtr="0">
+              <a:noAutofit/>
+            </a:bodyPr>
+            <a:lstStyle/>
+            <a:p>
+              <a:pPr algn="ctr"/>
+              <a:r>
+                <a:rPr lang="en-US" sz="1100" dirty="0" smtClean="0">
+                  <a:solidFill>
+                    <a:schemeClr val="tx1"/>
+                  </a:solidFill>
+                  <a:latin typeface="Helvetica" charset="0"/>
+                  <a:ea typeface="Helvetica" charset="0"/>
+                  <a:cs typeface="Helvetica" charset="0"/>
+                </a:rPr>
+                <a:t>task</a:t>
+              </a:r>
+              <a:endParaRPr lang="en-US" sz="1100" dirty="0">
+                <a:solidFill>
+                  <a:schemeClr val="tx1"/>
+                </a:solidFill>
+                <a:latin typeface="Helvetica" charset="0"/>
+                <a:ea typeface="Helvetica" charset="0"/>
+                <a:cs typeface="Helvetica" charset="0"/>
+              </a:endParaRPr>
+            </a:p>
+          </p:txBody>
+        </p:sp>
+      </p:grpSp>
+    </p:spTree>
+    <p:extLst>
+      <p:ext uri="{BB962C8B-B14F-4D97-AF65-F5344CB8AC3E}">
+        <p14:creationId xmlns:p14="http://schemas.microsoft.com/office/powerpoint/2010/main" val="212468843"/>
+      </p:ext>
+    </p:extLst>
+  </p:cSld>
+  <p:clrMapOvr>
+    <a:masterClrMapping/>
+  </p:clrMapOvr>
+</p:sld>
+</file>
+
+<file path=ppt/slides/slide8.xml><?xml version="1.0" encoding="utf-8"?>
+<p:sld xmlns:a="http://schemas.openxmlformats.org/drawingml/2006/main" xmlns:r="http://schemas.openxmlformats.org/officeDocument/2006/relationships" xmlns:p="http://schemas.openxmlformats.org/presentationml/2006/main">
+  <p:cSld>
+    <p:spTree>
+      <p:nvGrpSpPr>
+        <p:cNvPr id="1" name=""/>
+        <p:cNvGrpSpPr/>
+        <p:nvPr/>
+      </p:nvGrpSpPr>
+      <p:grpSpPr>
+        <a:xfrm>
+          <a:off x="0" y="0"/>
+          <a:ext cx="0" cy="0"/>
+          <a:chOff x="0" y="0"/>
+          <a:chExt cx="0" cy="0"/>
+        </a:xfrm>
+      </p:grpSpPr>
+      <p:grpSp>
+        <p:nvGrpSpPr>
+          <p:cNvPr id="4" name="Group 3"/>
+          <p:cNvGrpSpPr/>
+          <p:nvPr/>
+        </p:nvGrpSpPr>
+        <p:grpSpPr>
+          <a:xfrm>
+            <a:off x="800153" y="2177641"/>
+            <a:ext cx="6551146" cy="3418902"/>
+            <a:chOff x="800153" y="2177641"/>
+            <a:chExt cx="6551146" cy="3418902"/>
+          </a:xfrm>
+        </p:grpSpPr>
+        <p:sp>
+          <p:nvSpPr>
+            <p:cNvPr id="3" name="TextBox 2"/>
+            <p:cNvSpPr txBox="1"/>
+            <p:nvPr/>
+          </p:nvSpPr>
+          <p:spPr>
+            <a:xfrm>
+              <a:off x="1289874" y="3962400"/>
+              <a:ext cx="2880000" cy="979069"/>
+            </a:xfrm>
+            <a:prstGeom prst="rect">
+              <a:avLst/>
+            </a:prstGeom>
+            <a:solidFill>
+              <a:schemeClr val="accent3"/>
+            </a:solidFill>
+            <a:ln>
+              <a:solidFill>
+                <a:schemeClr val="tx1"/>
+              </a:solidFill>
+            </a:ln>
+          </p:spPr>
+          <p:txBody>
+            <a:bodyPr wrap="square" tIns="180000" bIns="180000" rtlCol="0">
+              <a:spAutoFit/>
+            </a:bodyPr>
+            <a:lstStyle/>
+            <a:p>
+              <a:pPr algn="ctr"/>
+              <a:r>
+                <a:rPr lang="en-US" sz="2000" dirty="0" smtClean="0">
+                  <a:latin typeface="Helvetica" charset="0"/>
+                  <a:ea typeface="Helvetica" charset="0"/>
+                  <a:cs typeface="Helvetica" charset="0"/>
+                </a:rPr>
+                <a:t>Instantiate</a:t>
+              </a:r>
+            </a:p>
+            <a:p>
+              <a:pPr algn="ctr"/>
+              <a:r>
+                <a:rPr lang="en-US" sz="2000" dirty="0" smtClean="0">
+                  <a:latin typeface="Helvetica" charset="0"/>
+                  <a:ea typeface="Helvetica" charset="0"/>
+                  <a:cs typeface="Helvetica" charset="0"/>
+                </a:rPr>
+                <a:t>Representations</a:t>
+              </a:r>
+              <a:endParaRPr lang="en-US" sz="2000" dirty="0">
+                <a:latin typeface="Helvetica" charset="0"/>
+                <a:ea typeface="Helvetica" charset="0"/>
+                <a:cs typeface="Helvetica" charset="0"/>
+              </a:endParaRPr>
+            </a:p>
+          </p:txBody>
+        </p:sp>
+        <p:sp>
+          <p:nvSpPr>
+            <p:cNvPr id="2" name="TextBox 1"/>
+            <p:cNvSpPr txBox="1"/>
+            <p:nvPr/>
+          </p:nvSpPr>
+          <p:spPr>
+            <a:xfrm>
+              <a:off x="1284350" y="2177641"/>
+              <a:ext cx="2880000" cy="979069"/>
+            </a:xfrm>
+            <a:prstGeom prst="rect">
+              <a:avLst/>
+            </a:prstGeom>
+            <a:solidFill>
+              <a:schemeClr val="accent5">
+                <a:lumMod val="60000"/>
+                <a:lumOff val="40000"/>
+              </a:schemeClr>
+            </a:solidFill>
+            <a:ln>
+              <a:solidFill>
+                <a:schemeClr val="tx1"/>
+              </a:solidFill>
+            </a:ln>
+          </p:spPr>
+          <p:txBody>
+            <a:bodyPr wrap="square" lIns="72000" tIns="180000" rIns="90000" bIns="180000" rtlCol="0">
+              <a:spAutoFit/>
+            </a:bodyPr>
+            <a:lstStyle/>
+            <a:p>
+              <a:pPr algn="ctr"/>
+              <a:r>
+                <a:rPr lang="en-US" sz="2000" dirty="0" smtClean="0">
+                  <a:latin typeface="Helvetica" charset="0"/>
+                  <a:ea typeface="Helvetica" charset="0"/>
+                  <a:cs typeface="Helvetica" charset="0"/>
+                </a:rPr>
+                <a:t>Search for Good Representations</a:t>
+              </a:r>
+              <a:endParaRPr lang="en-US" sz="2000" dirty="0">
+                <a:latin typeface="Helvetica" charset="0"/>
+                <a:ea typeface="Helvetica" charset="0"/>
+                <a:cs typeface="Helvetica" charset="0"/>
+              </a:endParaRPr>
+            </a:p>
+          </p:txBody>
+        </p:sp>
+        <p:cxnSp>
+          <p:nvCxnSpPr>
+            <p:cNvPr id="5" name="Elbow Connector 4"/>
+            <p:cNvCxnSpPr>
+              <a:stCxn id="2" idx="1"/>
+              <a:endCxn id="3" idx="1"/>
+            </p:cNvCxnSpPr>
+            <p:nvPr/>
+          </p:nvCxnSpPr>
+          <p:spPr>
+            <a:xfrm rot="10800000" flipH="1" flipV="1">
+              <a:off x="1282674" y="2667175"/>
+              <a:ext cx="7200" cy="1784759"/>
+            </a:xfrm>
+            <a:prstGeom prst="bentConnector3">
+              <a:avLst>
+                <a:gd name="adj1" fmla="val -7260735"/>
+              </a:avLst>
+            </a:prstGeom>
+            <a:ln w="19050">
+              <a:solidFill>
+                <a:schemeClr val="tx1"/>
+              </a:solidFill>
+              <a:tailEnd type="stealth"/>
+            </a:ln>
+          </p:spPr>
+          <p:style>
+            <a:lnRef idx="1">
+              <a:schemeClr val="accent1"/>
+            </a:lnRef>
+            <a:fillRef idx="0">
+              <a:schemeClr val="accent1"/>
+            </a:fillRef>
+            <a:effectRef idx="0">
+              <a:schemeClr val="accent1"/>
+            </a:effectRef>
+            <a:fontRef idx="minor">
+              <a:schemeClr val="tx1"/>
+            </a:fontRef>
+          </p:style>
+        </p:cxnSp>
+        <p:sp>
+          <p:nvSpPr>
+            <p:cNvPr id="15" name="TextBox 14"/>
+            <p:cNvSpPr txBox="1"/>
+            <p:nvPr/>
+          </p:nvSpPr>
+          <p:spPr>
+            <a:xfrm>
+              <a:off x="800153" y="3318973"/>
+              <a:ext cx="2052165" cy="400110"/>
+            </a:xfrm>
+            <a:prstGeom prst="rect">
+              <a:avLst/>
+            </a:prstGeom>
+            <a:noFill/>
+          </p:spPr>
+          <p:txBody>
+            <a:bodyPr wrap="none" rtlCol="0">
+              <a:spAutoFit/>
+            </a:bodyPr>
+            <a:lstStyle/>
+            <a:p>
+              <a:r>
+                <a:rPr lang="en-US" sz="2000" dirty="0" smtClean="0">
+                  <a:latin typeface="Helvetica" charset="0"/>
+                  <a:ea typeface="Helvetica" charset="0"/>
+                  <a:cs typeface="Helvetica" charset="0"/>
+                </a:rPr>
+                <a:t>Representations</a:t>
+              </a:r>
+              <a:endParaRPr lang="en-US" sz="2000" dirty="0">
+                <a:latin typeface="Helvetica" charset="0"/>
+                <a:ea typeface="Helvetica" charset="0"/>
+                <a:cs typeface="Helvetica" charset="0"/>
+              </a:endParaRPr>
+            </a:p>
+          </p:txBody>
+        </p:sp>
+        <p:sp>
+          <p:nvSpPr>
+            <p:cNvPr id="21" name="TextBox 20"/>
+            <p:cNvSpPr txBox="1"/>
+            <p:nvPr/>
+          </p:nvSpPr>
+          <p:spPr>
+            <a:xfrm>
+              <a:off x="3444768" y="3318973"/>
+              <a:ext cx="1127232" cy="400110"/>
+            </a:xfrm>
+            <a:prstGeom prst="rect">
+              <a:avLst/>
+            </a:prstGeom>
+            <a:noFill/>
+          </p:spPr>
+          <p:txBody>
+            <a:bodyPr wrap="none" rtlCol="0">
+              <a:spAutoFit/>
+            </a:bodyPr>
+            <a:lstStyle/>
+            <a:p>
+              <a:r>
+                <a:rPr lang="en-US" sz="2000" dirty="0" smtClean="0">
+                  <a:solidFill>
+                    <a:srgbClr val="FF0000"/>
+                  </a:solidFill>
+                  <a:latin typeface="Helvetica" charset="0"/>
+                  <a:ea typeface="Helvetica" charset="0"/>
+                  <a:cs typeface="Helvetica" charset="0"/>
+                </a:rPr>
+                <a:t>Residue</a:t>
+              </a:r>
+              <a:endParaRPr lang="en-US" sz="2000" dirty="0">
+                <a:solidFill>
+                  <a:srgbClr val="FF0000"/>
+                </a:solidFill>
+                <a:latin typeface="Helvetica" charset="0"/>
+                <a:ea typeface="Helvetica" charset="0"/>
+                <a:cs typeface="Helvetica" charset="0"/>
+              </a:endParaRPr>
+            </a:p>
+          </p:txBody>
+        </p:sp>
+        <p:cxnSp>
+          <p:nvCxnSpPr>
+            <p:cNvPr id="28" name="Elbow Connector 27"/>
+            <p:cNvCxnSpPr/>
+            <p:nvPr/>
+          </p:nvCxnSpPr>
+          <p:spPr>
+            <a:xfrm flipH="1">
+              <a:off x="4169546" y="2933121"/>
+              <a:ext cx="7200" cy="1260000"/>
+            </a:xfrm>
+            <a:prstGeom prst="bentConnector3">
+              <a:avLst>
+                <a:gd name="adj1" fmla="val -6166516"/>
+              </a:avLst>
+            </a:prstGeom>
+            <a:ln w="19050">
+              <a:solidFill>
+                <a:srgbClr val="FF0000"/>
+              </a:solidFill>
+              <a:headEnd type="stealth"/>
+              <a:tailEnd type="none"/>
+            </a:ln>
+          </p:spPr>
+          <p:style>
+            <a:lnRef idx="1">
+              <a:schemeClr val="accent1"/>
+            </a:lnRef>
+            <a:fillRef idx="0">
+              <a:schemeClr val="accent1"/>
+            </a:fillRef>
+            <a:effectRef idx="0">
+              <a:schemeClr val="accent1"/>
+            </a:effectRef>
+            <a:fontRef idx="minor">
+              <a:schemeClr val="tx1"/>
+            </a:fontRef>
+          </p:style>
+        </p:cxnSp>
+        <p:cxnSp>
+          <p:nvCxnSpPr>
+            <p:cNvPr id="47" name="Elbow Connector 46"/>
+            <p:cNvCxnSpPr/>
+            <p:nvPr/>
+          </p:nvCxnSpPr>
+          <p:spPr>
+            <a:xfrm flipH="1">
+              <a:off x="4158661" y="2384987"/>
+              <a:ext cx="7200" cy="288000"/>
+            </a:xfrm>
+            <a:prstGeom prst="bentConnector3">
+              <a:avLst>
+                <a:gd name="adj1" fmla="val -6166516"/>
+              </a:avLst>
+            </a:prstGeom>
+            <a:ln w="19050">
+              <a:solidFill>
+                <a:schemeClr val="accent5">
+                  <a:lumMod val="60000"/>
+                  <a:lumOff val="40000"/>
+                </a:schemeClr>
+              </a:solidFill>
+              <a:headEnd type="stealth"/>
+              <a:tailEnd type="none"/>
+            </a:ln>
+          </p:spPr>
+          <p:style>
+            <a:lnRef idx="1">
+              <a:schemeClr val="accent1"/>
+            </a:lnRef>
+            <a:fillRef idx="0">
+              <a:schemeClr val="accent1"/>
+            </a:fillRef>
+            <a:effectRef idx="0">
+              <a:schemeClr val="accent1"/>
+            </a:effectRef>
+            <a:fontRef idx="minor">
+              <a:schemeClr val="tx1"/>
+            </a:fontRef>
+          </p:style>
+        </p:cxnSp>
+        <p:sp>
+          <p:nvSpPr>
+            <p:cNvPr id="49" name="TextBox 48"/>
+            <p:cNvSpPr txBox="1"/>
+            <p:nvPr/>
+          </p:nvSpPr>
+          <p:spPr>
+            <a:xfrm>
+              <a:off x="5029028" y="2291577"/>
+              <a:ext cx="2093843" cy="400110"/>
+            </a:xfrm>
+            <a:prstGeom prst="rect">
+              <a:avLst/>
+            </a:prstGeom>
+            <a:noFill/>
+          </p:spPr>
+          <p:txBody>
+            <a:bodyPr wrap="none" rtlCol="0">
+              <a:spAutoFit/>
+            </a:bodyPr>
+            <a:lstStyle/>
+            <a:p>
+              <a:r>
+                <a:rPr lang="en-US" sz="2000" dirty="0" smtClean="0">
+                  <a:latin typeface="Helvetica" charset="0"/>
+                  <a:ea typeface="Helvetica" charset="0"/>
+                  <a:cs typeface="Helvetica" charset="0"/>
+                </a:rPr>
+                <a:t>Generation Loop</a:t>
+              </a:r>
+              <a:endParaRPr lang="en-US" sz="2000" dirty="0">
+                <a:latin typeface="Helvetica" charset="0"/>
+                <a:ea typeface="Helvetica" charset="0"/>
+                <a:cs typeface="Helvetica" charset="0"/>
+              </a:endParaRPr>
+            </a:p>
+          </p:txBody>
+        </p:sp>
+        <p:sp>
+          <p:nvSpPr>
+            <p:cNvPr id="50" name="TextBox 49"/>
+            <p:cNvSpPr txBox="1"/>
+            <p:nvPr/>
+          </p:nvSpPr>
+          <p:spPr>
+            <a:xfrm>
+              <a:off x="5013799" y="3165085"/>
+              <a:ext cx="2124300" cy="707886"/>
+            </a:xfrm>
+            <a:prstGeom prst="rect">
+              <a:avLst/>
+            </a:prstGeom>
+            <a:noFill/>
+          </p:spPr>
+          <p:txBody>
+            <a:bodyPr wrap="none" rtlCol="0">
+              <a:spAutoFit/>
+            </a:bodyPr>
+            <a:lstStyle/>
+            <a:p>
+              <a:pPr algn="ctr"/>
+              <a:r>
+                <a:rPr lang="en-US" sz="2000" dirty="0" smtClean="0">
+                  <a:latin typeface="Helvetica" charset="0"/>
+                  <a:ea typeface="Helvetica" charset="0"/>
+                  <a:cs typeface="Helvetica" charset="0"/>
+                </a:rPr>
+                <a:t>Representational</a:t>
+              </a:r>
+            </a:p>
+            <a:p>
+              <a:pPr algn="ctr"/>
+              <a:r>
+                <a:rPr lang="en-US" sz="2000" dirty="0" smtClean="0">
+                  <a:latin typeface="Helvetica" charset="0"/>
+                  <a:ea typeface="Helvetica" charset="0"/>
+                  <a:cs typeface="Helvetica" charset="0"/>
+                </a:rPr>
+                <a:t>Shift Loop</a:t>
+              </a:r>
+              <a:endParaRPr lang="en-US" sz="2000" dirty="0">
+                <a:latin typeface="Helvetica" charset="0"/>
+                <a:ea typeface="Helvetica" charset="0"/>
+                <a:cs typeface="Helvetica" charset="0"/>
+              </a:endParaRPr>
+            </a:p>
+          </p:txBody>
+        </p:sp>
+        <p:sp>
+          <p:nvSpPr>
+            <p:cNvPr id="51" name="TextBox 50"/>
+            <p:cNvSpPr txBox="1"/>
+            <p:nvPr/>
+          </p:nvSpPr>
+          <p:spPr>
+            <a:xfrm>
+              <a:off x="4800600" y="4414718"/>
+              <a:ext cx="2550699" cy="400110"/>
+            </a:xfrm>
+            <a:prstGeom prst="rect">
+              <a:avLst/>
+            </a:prstGeom>
+            <a:noFill/>
+          </p:spPr>
+          <p:txBody>
+            <a:bodyPr wrap="none" rtlCol="0">
+              <a:spAutoFit/>
+            </a:bodyPr>
+            <a:lstStyle/>
+            <a:p>
+              <a:pPr algn="ctr"/>
+              <a:r>
+                <a:rPr lang="en-US" sz="2000" smtClean="0">
+                  <a:latin typeface="Helvetica" charset="0"/>
+                  <a:ea typeface="Helvetica" charset="0"/>
+                  <a:cs typeface="Helvetica" charset="0"/>
+                </a:rPr>
+                <a:t>Data Coverage Loop</a:t>
+              </a:r>
+              <a:endParaRPr lang="en-US" sz="2000" dirty="0">
+                <a:latin typeface="Helvetica" charset="0"/>
+                <a:ea typeface="Helvetica" charset="0"/>
+                <a:cs typeface="Helvetica" charset="0"/>
+              </a:endParaRPr>
+            </a:p>
+          </p:txBody>
+        </p:sp>
+        <p:cxnSp>
+          <p:nvCxnSpPr>
+            <p:cNvPr id="56" name="Straight Arrow Connector 55"/>
+            <p:cNvCxnSpPr/>
+            <p:nvPr/>
+          </p:nvCxnSpPr>
+          <p:spPr>
+            <a:xfrm>
+              <a:off x="2694050" y="4800600"/>
+              <a:ext cx="0" cy="441212"/>
+            </a:xfrm>
+            <a:prstGeom prst="straightConnector1">
+              <a:avLst/>
+            </a:prstGeom>
+            <a:ln w="19050">
+              <a:solidFill>
+                <a:schemeClr val="tx1"/>
+              </a:solidFill>
+              <a:tailEnd type="stealth"/>
+            </a:ln>
+          </p:spPr>
+          <p:style>
+            <a:lnRef idx="1">
+              <a:schemeClr val="accent1"/>
+            </a:lnRef>
+            <a:fillRef idx="0">
+              <a:schemeClr val="accent1"/>
+            </a:fillRef>
+            <a:effectRef idx="0">
+              <a:schemeClr val="accent1"/>
+            </a:effectRef>
+            <a:fontRef idx="minor">
+              <a:schemeClr val="tx1"/>
+            </a:fontRef>
+          </p:style>
+        </p:cxnSp>
+        <p:cxnSp>
+          <p:nvCxnSpPr>
+            <p:cNvPr id="57" name="Straight Arrow Connector 56"/>
+            <p:cNvCxnSpPr/>
+            <p:nvPr/>
+          </p:nvCxnSpPr>
+          <p:spPr>
+            <a:xfrm flipV="1">
+              <a:off x="2852318" y="4800600"/>
+              <a:ext cx="0" cy="441212"/>
+            </a:xfrm>
+            <a:prstGeom prst="straightConnector1">
+              <a:avLst/>
+            </a:prstGeom>
+            <a:ln w="19050">
+              <a:solidFill>
+                <a:schemeClr val="tx1"/>
+              </a:solidFill>
+              <a:tailEnd type="stealth"/>
+            </a:ln>
+          </p:spPr>
+          <p:style>
+            <a:lnRef idx="1">
+              <a:schemeClr val="accent1"/>
+            </a:lnRef>
+            <a:fillRef idx="0">
+              <a:schemeClr val="accent1"/>
+            </a:fillRef>
+            <a:effectRef idx="0">
+              <a:schemeClr val="accent1"/>
+            </a:effectRef>
+            <a:fontRef idx="minor">
+              <a:schemeClr val="tx1"/>
+            </a:fontRef>
+          </p:style>
+        </p:cxnSp>
+        <p:sp>
+          <p:nvSpPr>
+            <p:cNvPr id="60" name="Oval 59"/>
+            <p:cNvSpPr>
+              <a:spLocks noChangeAspect="1"/>
+            </p:cNvSpPr>
+            <p:nvPr/>
+          </p:nvSpPr>
+          <p:spPr>
+            <a:xfrm>
+              <a:off x="2047823" y="5128543"/>
+              <a:ext cx="1353053" cy="468000"/>
+            </a:xfrm>
+            <a:prstGeom prst="ellipse">
+              <a:avLst/>
+            </a:prstGeom>
+            <a:noFill/>
+            <a:ln w="12700">
+              <a:solidFill>
+                <a:schemeClr val="tx1"/>
+              </a:solidFill>
+            </a:ln>
+          </p:spPr>
+          <p:style>
+            <a:lnRef idx="2">
+              <a:schemeClr val="accent1">
+                <a:shade val="50000"/>
+              </a:schemeClr>
+            </a:lnRef>
+            <a:fillRef idx="1">
+              <a:schemeClr val="accent1"/>
+            </a:fillRef>
+            <a:effectRef idx="0">
+              <a:schemeClr val="accent1"/>
+            </a:effectRef>
+            <a:fontRef idx="minor">
+              <a:schemeClr val="lt1"/>
+            </a:fontRef>
+          </p:style>
+          <p:txBody>
+            <a:bodyPr lIns="180000" tIns="180000" rIns="180000" bIns="180000" rtlCol="0" anchor="ctr" anchorCtr="0">
+              <a:noAutofit/>
+            </a:bodyPr>
+            <a:lstStyle/>
+            <a:p>
+              <a:pPr algn="ctr"/>
+              <a:r>
+                <a:rPr lang="en-US" sz="2000" dirty="0" smtClean="0">
+                  <a:solidFill>
+                    <a:schemeClr val="tx1"/>
+                  </a:solidFill>
+                  <a:latin typeface="Helvetica" charset="0"/>
+                  <a:ea typeface="Helvetica" charset="0"/>
+                  <a:cs typeface="Helvetica" charset="0"/>
+                </a:rPr>
+                <a:t>task</a:t>
+              </a:r>
+              <a:endParaRPr lang="en-US" sz="2000" dirty="0">
+                <a:solidFill>
+                  <a:schemeClr val="tx1"/>
+                </a:solidFill>
+                <a:latin typeface="Helvetica" charset="0"/>
+                <a:ea typeface="Helvetica" charset="0"/>
+                <a:cs typeface="Helvetica" charset="0"/>
+              </a:endParaRPr>
+            </a:p>
+          </p:txBody>
+        </p:sp>
+        <p:cxnSp>
+          <p:nvCxnSpPr>
+            <p:cNvPr id="48" name="Elbow Connector 47"/>
+            <p:cNvCxnSpPr/>
+            <p:nvPr/>
+          </p:nvCxnSpPr>
+          <p:spPr>
+            <a:xfrm flipH="1">
+              <a:off x="4167110" y="4495800"/>
+              <a:ext cx="7200" cy="288000"/>
+            </a:xfrm>
+            <a:prstGeom prst="bentConnector3">
+              <a:avLst>
+                <a:gd name="adj1" fmla="val -6031964"/>
+              </a:avLst>
+            </a:prstGeom>
+            <a:ln w="19050">
+              <a:solidFill>
+                <a:schemeClr val="accent3"/>
+              </a:solidFill>
+              <a:headEnd type="stealth"/>
+              <a:tailEnd type="none"/>
+            </a:ln>
+          </p:spPr>
+          <p:style>
+            <a:lnRef idx="1">
+              <a:schemeClr val="accent1"/>
+            </a:lnRef>
+            <a:fillRef idx="0">
+              <a:schemeClr val="accent1"/>
+            </a:fillRef>
+            <a:effectRef idx="0">
+              <a:schemeClr val="accent1"/>
+            </a:effectRef>
+            <a:fontRef idx="minor">
+              <a:schemeClr val="tx1"/>
+            </a:fontRef>
+          </p:style>
+        </p:cxnSp>
+      </p:grpSp>
+    </p:spTree>
+    <p:extLst>
+      <p:ext uri="{BB962C8B-B14F-4D97-AF65-F5344CB8AC3E}">
+        <p14:creationId xmlns:p14="http://schemas.microsoft.com/office/powerpoint/2010/main" val="1950304169"/>
+      </p:ext>
+    </p:extLst>
+  </p:cSld>
+  <p:clrMapOvr>
+    <a:masterClrMapping/>
+  </p:clrMapOvr>
+  <p:timing>
+    <p:tnLst>
+      <p:par>
+        <p:cTn id="1" dur="indefinite" restart="never" nodeType="tmRoot"/>
+      </p:par>
+    </p:tnLst>
+  </p:timing>
+</p:sld>
+</file>
+
 <file path=ppt/theme/theme1.xml><?xml version="1.0" encoding="utf-8"?>
 <a:theme xmlns:a="http://schemas.openxmlformats.org/drawingml/2006/main" name="Office Theme">
   <a:themeElements>

--- a/Figs/figures.pptx
+++ b/Figs/figures.pptx
@@ -13,6 +13,7 @@
     <p:sldId id="273" r:id="rId7"/>
     <p:sldId id="274" r:id="rId8"/>
     <p:sldId id="275" r:id="rId9"/>
+    <p:sldId id="276" r:id="rId10"/>
   </p:sldIdLst>
   <p:sldSz cx="9144000" cy="6858000" type="screen4x3"/>
   <p:notesSz cx="6858000" cy="9144000"/>
@@ -312,7 +313,7 @@
             <a:fld id="{1D8BD707-D9CF-40AE-B4C6-C98DA3205C09}" type="datetimeFigureOut">
               <a:rPr lang="en-US" smtClean="0"/>
               <a:pPr/>
-              <a:t>9/10/17</a:t>
+              <a:t>9/12/17</a:t>
             </a:fld>
             <a:endParaRPr lang="en-US"/>
           </a:p>
@@ -479,7 +480,7 @@
             <a:fld id="{1D8BD707-D9CF-40AE-B4C6-C98DA3205C09}" type="datetimeFigureOut">
               <a:rPr lang="en-US" smtClean="0"/>
               <a:pPr/>
-              <a:t>9/10/17</a:t>
+              <a:t>9/12/17</a:t>
             </a:fld>
             <a:endParaRPr lang="en-US"/>
           </a:p>
@@ -656,7 +657,7 @@
             <a:fld id="{1D8BD707-D9CF-40AE-B4C6-C98DA3205C09}" type="datetimeFigureOut">
               <a:rPr lang="en-US" smtClean="0"/>
               <a:pPr/>
-              <a:t>9/10/17</a:t>
+              <a:t>9/12/17</a:t>
             </a:fld>
             <a:endParaRPr lang="en-US"/>
           </a:p>
@@ -823,7 +824,7 @@
             <a:fld id="{1D8BD707-D9CF-40AE-B4C6-C98DA3205C09}" type="datetimeFigureOut">
               <a:rPr lang="en-US" smtClean="0"/>
               <a:pPr/>
-              <a:t>9/10/17</a:t>
+              <a:t>9/12/17</a:t>
             </a:fld>
             <a:endParaRPr lang="en-US"/>
           </a:p>
@@ -1066,7 +1067,7 @@
             <a:fld id="{1D8BD707-D9CF-40AE-B4C6-C98DA3205C09}" type="datetimeFigureOut">
               <a:rPr lang="en-US" smtClean="0"/>
               <a:pPr/>
-              <a:t>9/10/17</a:t>
+              <a:t>9/12/17</a:t>
             </a:fld>
             <a:endParaRPr lang="en-US"/>
           </a:p>
@@ -1351,7 +1352,7 @@
             <a:fld id="{1D8BD707-D9CF-40AE-B4C6-C98DA3205C09}" type="datetimeFigureOut">
               <a:rPr lang="en-US" smtClean="0"/>
               <a:pPr/>
-              <a:t>9/10/17</a:t>
+              <a:t>9/12/17</a:t>
             </a:fld>
             <a:endParaRPr lang="en-US"/>
           </a:p>
@@ -1770,7 +1771,7 @@
             <a:fld id="{1D8BD707-D9CF-40AE-B4C6-C98DA3205C09}" type="datetimeFigureOut">
               <a:rPr lang="en-US" smtClean="0"/>
               <a:pPr/>
-              <a:t>9/10/17</a:t>
+              <a:t>9/12/17</a:t>
             </a:fld>
             <a:endParaRPr lang="en-US"/>
           </a:p>
@@ -1885,7 +1886,7 @@
             <a:fld id="{1D8BD707-D9CF-40AE-B4C6-C98DA3205C09}" type="datetimeFigureOut">
               <a:rPr lang="en-US" smtClean="0"/>
               <a:pPr/>
-              <a:t>9/10/17</a:t>
+              <a:t>9/12/17</a:t>
             </a:fld>
             <a:endParaRPr lang="en-US"/>
           </a:p>
@@ -1977,7 +1978,7 @@
             <a:fld id="{1D8BD707-D9CF-40AE-B4C6-C98DA3205C09}" type="datetimeFigureOut">
               <a:rPr lang="en-US" smtClean="0"/>
               <a:pPr/>
-              <a:t>9/10/17</a:t>
+              <a:t>9/12/17</a:t>
             </a:fld>
             <a:endParaRPr lang="en-US"/>
           </a:p>
@@ -2251,7 +2252,7 @@
             <a:fld id="{1D8BD707-D9CF-40AE-B4C6-C98DA3205C09}" type="datetimeFigureOut">
               <a:rPr lang="en-US" smtClean="0"/>
               <a:pPr/>
-              <a:t>9/10/17</a:t>
+              <a:t>9/12/17</a:t>
             </a:fld>
             <a:endParaRPr lang="en-US"/>
           </a:p>
@@ -2501,7 +2502,7 @@
             <a:fld id="{1D8BD707-D9CF-40AE-B4C6-C98DA3205C09}" type="datetimeFigureOut">
               <a:rPr lang="en-US" smtClean="0"/>
               <a:pPr/>
-              <a:t>9/10/17</a:t>
+              <a:t>9/12/17</a:t>
             </a:fld>
             <a:endParaRPr lang="en-US"/>
           </a:p>
@@ -2711,7 +2712,7 @@
             <a:fld id="{1D8BD707-D9CF-40AE-B4C6-C98DA3205C09}" type="datetimeFigureOut">
               <a:rPr lang="en-US" smtClean="0"/>
               <a:pPr/>
-              <a:t>9/10/17</a:t>
+              <a:t>9/12/17</a:t>
             </a:fld>
             <a:endParaRPr lang="en-US"/>
           </a:p>
@@ -20880,6 +20881,674 @@
 </p:sld>
 </file>
 
+<file path=ppt/slides/slide9.xml><?xml version="1.0" encoding="utf-8"?>
+<p:sld xmlns:a="http://schemas.openxmlformats.org/drawingml/2006/main" xmlns:r="http://schemas.openxmlformats.org/officeDocument/2006/relationships" xmlns:p="http://schemas.openxmlformats.org/presentationml/2006/main">
+  <p:cSld>
+    <p:spTree>
+      <p:nvGrpSpPr>
+        <p:cNvPr id="1" name=""/>
+        <p:cNvGrpSpPr/>
+        <p:nvPr/>
+      </p:nvGrpSpPr>
+      <p:grpSpPr>
+        <a:xfrm>
+          <a:off x="0" y="0"/>
+          <a:ext cx="0" cy="0"/>
+          <a:chOff x="0" y="0"/>
+          <a:chExt cx="0" cy="0"/>
+        </a:xfrm>
+      </p:grpSpPr>
+      <p:grpSp>
+        <p:nvGrpSpPr>
+          <p:cNvPr id="4" name="Group 3"/>
+          <p:cNvGrpSpPr/>
+          <p:nvPr/>
+        </p:nvGrpSpPr>
+        <p:grpSpPr>
+          <a:xfrm>
+            <a:off x="800153" y="2177641"/>
+            <a:ext cx="6448554" cy="3418902"/>
+            <a:chOff x="800153" y="2177641"/>
+            <a:chExt cx="6448554" cy="3418902"/>
+          </a:xfrm>
+        </p:grpSpPr>
+        <p:sp>
+          <p:nvSpPr>
+            <p:cNvPr id="3" name="TextBox 2"/>
+            <p:cNvSpPr txBox="1"/>
+            <p:nvPr/>
+          </p:nvSpPr>
+          <p:spPr>
+            <a:xfrm>
+              <a:off x="1289874" y="3962400"/>
+              <a:ext cx="2880000" cy="979069"/>
+            </a:xfrm>
+            <a:prstGeom prst="rect">
+              <a:avLst/>
+            </a:prstGeom>
+            <a:solidFill>
+              <a:schemeClr val="accent3"/>
+            </a:solidFill>
+            <a:ln>
+              <a:solidFill>
+                <a:schemeClr val="tx1"/>
+              </a:solidFill>
+            </a:ln>
+          </p:spPr>
+          <p:txBody>
+            <a:bodyPr wrap="square" tIns="180000" bIns="180000" rtlCol="0">
+              <a:spAutoFit/>
+            </a:bodyPr>
+            <a:lstStyle/>
+            <a:p>
+              <a:pPr algn="ctr"/>
+              <a:r>
+                <a:rPr lang="en-US" sz="2000" dirty="0" smtClean="0">
+                  <a:latin typeface="Linux Biolinum" charset="0"/>
+                  <a:ea typeface="Linux Biolinum" charset="0"/>
+                  <a:cs typeface="Linux Biolinum" charset="0"/>
+                </a:rPr>
+                <a:t>Instantiate</a:t>
+              </a:r>
+            </a:p>
+            <a:p>
+              <a:pPr algn="ctr"/>
+              <a:r>
+                <a:rPr lang="en-US" sz="2000" dirty="0" smtClean="0">
+                  <a:latin typeface="Linux Biolinum" charset="0"/>
+                  <a:ea typeface="Linux Biolinum" charset="0"/>
+                  <a:cs typeface="Linux Biolinum" charset="0"/>
+                </a:rPr>
+                <a:t>Representations</a:t>
+              </a:r>
+              <a:endParaRPr lang="en-US" sz="2000" dirty="0">
+                <a:latin typeface="Linux Biolinum" charset="0"/>
+                <a:ea typeface="Linux Biolinum" charset="0"/>
+                <a:cs typeface="Linux Biolinum" charset="0"/>
+              </a:endParaRPr>
+            </a:p>
+          </p:txBody>
+        </p:sp>
+        <p:sp>
+          <p:nvSpPr>
+            <p:cNvPr id="2" name="TextBox 1"/>
+            <p:cNvSpPr txBox="1"/>
+            <p:nvPr/>
+          </p:nvSpPr>
+          <p:spPr>
+            <a:xfrm>
+              <a:off x="1284350" y="2177641"/>
+              <a:ext cx="2880000" cy="979069"/>
+            </a:xfrm>
+            <a:prstGeom prst="rect">
+              <a:avLst/>
+            </a:prstGeom>
+            <a:solidFill>
+              <a:schemeClr val="accent5">
+                <a:lumMod val="60000"/>
+                <a:lumOff val="40000"/>
+              </a:schemeClr>
+            </a:solidFill>
+            <a:ln>
+              <a:solidFill>
+                <a:schemeClr val="tx1"/>
+              </a:solidFill>
+            </a:ln>
+          </p:spPr>
+          <p:txBody>
+            <a:bodyPr wrap="square" lIns="72000" tIns="180000" rIns="90000" bIns="180000" rtlCol="0">
+              <a:spAutoFit/>
+            </a:bodyPr>
+            <a:lstStyle/>
+            <a:p>
+              <a:pPr algn="ctr"/>
+              <a:r>
+                <a:rPr lang="en-US" sz="2000" dirty="0" smtClean="0">
+                  <a:latin typeface="Linux Biolinum" charset="0"/>
+                  <a:ea typeface="Linux Biolinum" charset="0"/>
+                  <a:cs typeface="Linux Biolinum" charset="0"/>
+                </a:rPr>
+                <a:t>Search for Good Representations</a:t>
+              </a:r>
+              <a:endParaRPr lang="en-US" sz="2000" dirty="0">
+                <a:latin typeface="Linux Biolinum" charset="0"/>
+                <a:ea typeface="Linux Biolinum" charset="0"/>
+                <a:cs typeface="Linux Biolinum" charset="0"/>
+              </a:endParaRPr>
+            </a:p>
+          </p:txBody>
+        </p:sp>
+        <p:cxnSp>
+          <p:nvCxnSpPr>
+            <p:cNvPr id="5" name="Elbow Connector 4"/>
+            <p:cNvCxnSpPr>
+              <a:stCxn id="2" idx="1"/>
+              <a:endCxn id="3" idx="1"/>
+            </p:cNvCxnSpPr>
+            <p:nvPr/>
+          </p:nvCxnSpPr>
+          <p:spPr>
+            <a:xfrm rot="10800000" flipH="1" flipV="1">
+              <a:off x="1282674" y="2667175"/>
+              <a:ext cx="7200" cy="1784759"/>
+            </a:xfrm>
+            <a:prstGeom prst="bentConnector3">
+              <a:avLst>
+                <a:gd name="adj1" fmla="val -7260735"/>
+              </a:avLst>
+            </a:prstGeom>
+            <a:ln w="19050">
+              <a:solidFill>
+                <a:schemeClr val="tx1"/>
+              </a:solidFill>
+              <a:tailEnd type="stealth"/>
+            </a:ln>
+          </p:spPr>
+          <p:style>
+            <a:lnRef idx="1">
+              <a:schemeClr val="accent1"/>
+            </a:lnRef>
+            <a:fillRef idx="0">
+              <a:schemeClr val="accent1"/>
+            </a:fillRef>
+            <a:effectRef idx="0">
+              <a:schemeClr val="accent1"/>
+            </a:effectRef>
+            <a:fontRef idx="minor">
+              <a:schemeClr val="tx1"/>
+            </a:fontRef>
+          </p:style>
+        </p:cxnSp>
+        <p:sp>
+          <p:nvSpPr>
+            <p:cNvPr id="15" name="TextBox 14"/>
+            <p:cNvSpPr txBox="1"/>
+            <p:nvPr/>
+          </p:nvSpPr>
+          <p:spPr>
+            <a:xfrm>
+              <a:off x="800153" y="3318973"/>
+              <a:ext cx="1880643" cy="400110"/>
+            </a:xfrm>
+            <a:prstGeom prst="rect">
+              <a:avLst/>
+            </a:prstGeom>
+            <a:noFill/>
+          </p:spPr>
+          <p:txBody>
+            <a:bodyPr wrap="none" rtlCol="0">
+              <a:spAutoFit/>
+            </a:bodyPr>
+            <a:lstStyle/>
+            <a:p>
+              <a:r>
+                <a:rPr lang="en-US" sz="2000" dirty="0" smtClean="0">
+                  <a:latin typeface="Linux Biolinum" charset="0"/>
+                  <a:ea typeface="Linux Biolinum" charset="0"/>
+                  <a:cs typeface="Linux Biolinum" charset="0"/>
+                </a:rPr>
+                <a:t>Representations</a:t>
+              </a:r>
+              <a:endParaRPr lang="en-US" sz="2000" dirty="0">
+                <a:latin typeface="Linux Biolinum" charset="0"/>
+                <a:ea typeface="Linux Biolinum" charset="0"/>
+                <a:cs typeface="Linux Biolinum" charset="0"/>
+              </a:endParaRPr>
+            </a:p>
+          </p:txBody>
+        </p:sp>
+        <p:sp>
+          <p:nvSpPr>
+            <p:cNvPr id="21" name="TextBox 20"/>
+            <p:cNvSpPr txBox="1"/>
+            <p:nvPr/>
+          </p:nvSpPr>
+          <p:spPr>
+            <a:xfrm>
+              <a:off x="3560185" y="3318973"/>
+              <a:ext cx="1011815" cy="400110"/>
+            </a:xfrm>
+            <a:prstGeom prst="rect">
+              <a:avLst/>
+            </a:prstGeom>
+            <a:noFill/>
+          </p:spPr>
+          <p:txBody>
+            <a:bodyPr wrap="none" rtlCol="0">
+              <a:spAutoFit/>
+            </a:bodyPr>
+            <a:lstStyle/>
+            <a:p>
+              <a:r>
+                <a:rPr lang="en-US" sz="2000" dirty="0" smtClean="0">
+                  <a:solidFill>
+                    <a:srgbClr val="FF0000"/>
+                  </a:solidFill>
+                  <a:latin typeface="Linux Biolinum" charset="0"/>
+                  <a:ea typeface="Linux Biolinum" charset="0"/>
+                  <a:cs typeface="Linux Biolinum" charset="0"/>
+                </a:rPr>
+                <a:t>Residue</a:t>
+              </a:r>
+              <a:endParaRPr lang="en-US" sz="2000" dirty="0">
+                <a:solidFill>
+                  <a:srgbClr val="FF0000"/>
+                </a:solidFill>
+                <a:latin typeface="Linux Biolinum" charset="0"/>
+                <a:ea typeface="Linux Biolinum" charset="0"/>
+                <a:cs typeface="Linux Biolinum" charset="0"/>
+              </a:endParaRPr>
+            </a:p>
+          </p:txBody>
+        </p:sp>
+        <p:cxnSp>
+          <p:nvCxnSpPr>
+            <p:cNvPr id="28" name="Elbow Connector 27"/>
+            <p:cNvCxnSpPr/>
+            <p:nvPr/>
+          </p:nvCxnSpPr>
+          <p:spPr>
+            <a:xfrm flipH="1">
+              <a:off x="4169546" y="2933121"/>
+              <a:ext cx="7200" cy="1260000"/>
+            </a:xfrm>
+            <a:prstGeom prst="bentConnector3">
+              <a:avLst>
+                <a:gd name="adj1" fmla="val -6166516"/>
+              </a:avLst>
+            </a:prstGeom>
+            <a:ln w="19050">
+              <a:solidFill>
+                <a:srgbClr val="FF0000"/>
+              </a:solidFill>
+              <a:headEnd type="stealth"/>
+              <a:tailEnd type="none"/>
+            </a:ln>
+          </p:spPr>
+          <p:style>
+            <a:lnRef idx="1">
+              <a:schemeClr val="accent1"/>
+            </a:lnRef>
+            <a:fillRef idx="0">
+              <a:schemeClr val="accent1"/>
+            </a:fillRef>
+            <a:effectRef idx="0">
+              <a:schemeClr val="accent1"/>
+            </a:effectRef>
+            <a:fontRef idx="minor">
+              <a:schemeClr val="tx1"/>
+            </a:fontRef>
+          </p:style>
+        </p:cxnSp>
+        <p:cxnSp>
+          <p:nvCxnSpPr>
+            <p:cNvPr id="47" name="Elbow Connector 46"/>
+            <p:cNvCxnSpPr/>
+            <p:nvPr/>
+          </p:nvCxnSpPr>
+          <p:spPr>
+            <a:xfrm flipH="1">
+              <a:off x="4158661" y="2384987"/>
+              <a:ext cx="7200" cy="288000"/>
+            </a:xfrm>
+            <a:prstGeom prst="bentConnector3">
+              <a:avLst>
+                <a:gd name="adj1" fmla="val -6166516"/>
+              </a:avLst>
+            </a:prstGeom>
+            <a:ln w="19050">
+              <a:solidFill>
+                <a:schemeClr val="accent5">
+                  <a:lumMod val="60000"/>
+                  <a:lumOff val="40000"/>
+                </a:schemeClr>
+              </a:solidFill>
+              <a:headEnd type="stealth"/>
+              <a:tailEnd type="none"/>
+            </a:ln>
+          </p:spPr>
+          <p:style>
+            <a:lnRef idx="1">
+              <a:schemeClr val="accent1"/>
+            </a:lnRef>
+            <a:fillRef idx="0">
+              <a:schemeClr val="accent1"/>
+            </a:fillRef>
+            <a:effectRef idx="0">
+              <a:schemeClr val="accent1"/>
+            </a:effectRef>
+            <a:fontRef idx="minor">
+              <a:schemeClr val="tx1"/>
+            </a:fontRef>
+          </p:style>
+        </p:cxnSp>
+        <p:sp>
+          <p:nvSpPr>
+            <p:cNvPr id="49" name="TextBox 48"/>
+            <p:cNvSpPr txBox="1"/>
+            <p:nvPr/>
+          </p:nvSpPr>
+          <p:spPr>
+            <a:xfrm>
+              <a:off x="5029028" y="2291577"/>
+              <a:ext cx="1959191" cy="400110"/>
+            </a:xfrm>
+            <a:prstGeom prst="rect">
+              <a:avLst/>
+            </a:prstGeom>
+            <a:noFill/>
+          </p:spPr>
+          <p:txBody>
+            <a:bodyPr wrap="none" rtlCol="0">
+              <a:spAutoFit/>
+            </a:bodyPr>
+            <a:lstStyle/>
+            <a:p>
+              <a:r>
+                <a:rPr lang="en-US" sz="2000" dirty="0" smtClean="0">
+                  <a:latin typeface="Linux Biolinum" charset="0"/>
+                  <a:ea typeface="Linux Biolinum" charset="0"/>
+                  <a:cs typeface="Linux Biolinum" charset="0"/>
+                </a:rPr>
+                <a:t>Generation Loop</a:t>
+              </a:r>
+              <a:endParaRPr lang="en-US" sz="2000" dirty="0">
+                <a:latin typeface="Linux Biolinum" charset="0"/>
+                <a:ea typeface="Linux Biolinum" charset="0"/>
+                <a:cs typeface="Linux Biolinum" charset="0"/>
+              </a:endParaRPr>
+            </a:p>
+          </p:txBody>
+        </p:sp>
+        <p:sp>
+          <p:nvSpPr>
+            <p:cNvPr id="50" name="TextBox 49"/>
+            <p:cNvSpPr txBox="1"/>
+            <p:nvPr/>
+          </p:nvSpPr>
+          <p:spPr>
+            <a:xfrm>
+              <a:off x="5092346" y="3165085"/>
+              <a:ext cx="1967205" cy="707886"/>
+            </a:xfrm>
+            <a:prstGeom prst="rect">
+              <a:avLst/>
+            </a:prstGeom>
+            <a:noFill/>
+          </p:spPr>
+          <p:txBody>
+            <a:bodyPr wrap="none" rtlCol="0">
+              <a:spAutoFit/>
+            </a:bodyPr>
+            <a:lstStyle/>
+            <a:p>
+              <a:pPr algn="ctr"/>
+              <a:r>
+                <a:rPr lang="en-US" sz="2000" dirty="0" smtClean="0">
+                  <a:latin typeface="Linux Biolinum" charset="0"/>
+                  <a:ea typeface="Linux Biolinum" charset="0"/>
+                  <a:cs typeface="Linux Biolinum" charset="0"/>
+                </a:rPr>
+                <a:t>Representational</a:t>
+              </a:r>
+            </a:p>
+            <a:p>
+              <a:pPr algn="ctr"/>
+              <a:r>
+                <a:rPr lang="en-US" sz="2000" dirty="0" smtClean="0">
+                  <a:latin typeface="Linux Biolinum" charset="0"/>
+                  <a:ea typeface="Linux Biolinum" charset="0"/>
+                  <a:cs typeface="Linux Biolinum" charset="0"/>
+                </a:rPr>
+                <a:t>Shift Loop</a:t>
+              </a:r>
+              <a:endParaRPr lang="en-US" sz="2000" dirty="0">
+                <a:latin typeface="Linux Biolinum" charset="0"/>
+                <a:ea typeface="Linux Biolinum" charset="0"/>
+                <a:cs typeface="Linux Biolinum" charset="0"/>
+              </a:endParaRPr>
+            </a:p>
+          </p:txBody>
+        </p:sp>
+        <p:sp>
+          <p:nvSpPr>
+            <p:cNvPr id="51" name="TextBox 50"/>
+            <p:cNvSpPr txBox="1"/>
+            <p:nvPr/>
+          </p:nvSpPr>
+          <p:spPr>
+            <a:xfrm>
+              <a:off x="4903192" y="4414718"/>
+              <a:ext cx="2345515" cy="400110"/>
+            </a:xfrm>
+            <a:prstGeom prst="rect">
+              <a:avLst/>
+            </a:prstGeom>
+            <a:noFill/>
+          </p:spPr>
+          <p:txBody>
+            <a:bodyPr wrap="none" rtlCol="0">
+              <a:spAutoFit/>
+            </a:bodyPr>
+            <a:lstStyle/>
+            <a:p>
+              <a:pPr algn="ctr"/>
+              <a:r>
+                <a:rPr lang="en-US" sz="2000" smtClean="0">
+                  <a:latin typeface="Linux Biolinum" charset="0"/>
+                  <a:ea typeface="Linux Biolinum" charset="0"/>
+                  <a:cs typeface="Linux Biolinum" charset="0"/>
+                </a:rPr>
+                <a:t>Data Coverage Loop</a:t>
+              </a:r>
+              <a:endParaRPr lang="en-US" sz="2000" dirty="0">
+                <a:latin typeface="Linux Biolinum" charset="0"/>
+                <a:ea typeface="Linux Biolinum" charset="0"/>
+                <a:cs typeface="Linux Biolinum" charset="0"/>
+              </a:endParaRPr>
+            </a:p>
+          </p:txBody>
+        </p:sp>
+        <p:cxnSp>
+          <p:nvCxnSpPr>
+            <p:cNvPr id="56" name="Straight Arrow Connector 55"/>
+            <p:cNvCxnSpPr/>
+            <p:nvPr/>
+          </p:nvCxnSpPr>
+          <p:spPr>
+            <a:xfrm>
+              <a:off x="2694050" y="4800600"/>
+              <a:ext cx="0" cy="441212"/>
+            </a:xfrm>
+            <a:prstGeom prst="straightConnector1">
+              <a:avLst/>
+            </a:prstGeom>
+            <a:ln w="19050">
+              <a:solidFill>
+                <a:schemeClr val="tx1"/>
+              </a:solidFill>
+              <a:tailEnd type="stealth"/>
+            </a:ln>
+          </p:spPr>
+          <p:style>
+            <a:lnRef idx="1">
+              <a:schemeClr val="accent1"/>
+            </a:lnRef>
+            <a:fillRef idx="0">
+              <a:schemeClr val="accent1"/>
+            </a:fillRef>
+            <a:effectRef idx="0">
+              <a:schemeClr val="accent1"/>
+            </a:effectRef>
+            <a:fontRef idx="minor">
+              <a:schemeClr val="tx1"/>
+            </a:fontRef>
+          </p:style>
+        </p:cxnSp>
+        <p:cxnSp>
+          <p:nvCxnSpPr>
+            <p:cNvPr id="57" name="Straight Arrow Connector 56"/>
+            <p:cNvCxnSpPr/>
+            <p:nvPr/>
+          </p:nvCxnSpPr>
+          <p:spPr>
+            <a:xfrm flipV="1">
+              <a:off x="2852318" y="4800600"/>
+              <a:ext cx="0" cy="441212"/>
+            </a:xfrm>
+            <a:prstGeom prst="straightConnector1">
+              <a:avLst/>
+            </a:prstGeom>
+            <a:ln w="19050">
+              <a:solidFill>
+                <a:schemeClr val="tx1"/>
+              </a:solidFill>
+              <a:tailEnd type="stealth"/>
+            </a:ln>
+          </p:spPr>
+          <p:style>
+            <a:lnRef idx="1">
+              <a:schemeClr val="accent1"/>
+            </a:lnRef>
+            <a:fillRef idx="0">
+              <a:schemeClr val="accent1"/>
+            </a:fillRef>
+            <a:effectRef idx="0">
+              <a:schemeClr val="accent1"/>
+            </a:effectRef>
+            <a:fontRef idx="minor">
+              <a:schemeClr val="tx1"/>
+            </a:fontRef>
+          </p:style>
+        </p:cxnSp>
+        <p:sp>
+          <p:nvSpPr>
+            <p:cNvPr id="60" name="Oval 59"/>
+            <p:cNvSpPr>
+              <a:spLocks noChangeAspect="1"/>
+            </p:cNvSpPr>
+            <p:nvPr/>
+          </p:nvSpPr>
+          <p:spPr>
+            <a:xfrm>
+              <a:off x="2047823" y="5128543"/>
+              <a:ext cx="1353053" cy="468000"/>
+            </a:xfrm>
+            <a:prstGeom prst="ellipse">
+              <a:avLst/>
+            </a:prstGeom>
+            <a:noFill/>
+            <a:ln w="12700">
+              <a:solidFill>
+                <a:schemeClr val="tx1"/>
+              </a:solidFill>
+            </a:ln>
+          </p:spPr>
+          <p:style>
+            <a:lnRef idx="2">
+              <a:schemeClr val="accent1">
+                <a:shade val="50000"/>
+              </a:schemeClr>
+            </a:lnRef>
+            <a:fillRef idx="1">
+              <a:schemeClr val="accent1"/>
+            </a:fillRef>
+            <a:effectRef idx="0">
+              <a:schemeClr val="accent1"/>
+            </a:effectRef>
+            <a:fontRef idx="minor">
+              <a:schemeClr val="lt1"/>
+            </a:fontRef>
+          </p:style>
+          <p:txBody>
+            <a:bodyPr lIns="180000" tIns="180000" rIns="180000" bIns="180000" rtlCol="0" anchor="ctr" anchorCtr="0">
+              <a:noAutofit/>
+            </a:bodyPr>
+            <a:lstStyle/>
+            <a:p>
+              <a:pPr algn="ctr"/>
+              <a:r>
+                <a:rPr lang="en-US" sz="2000" dirty="0" smtClean="0">
+                  <a:solidFill>
+                    <a:schemeClr val="tx1"/>
+                  </a:solidFill>
+                  <a:latin typeface="Linux Biolinum" charset="0"/>
+                  <a:ea typeface="Linux Biolinum" charset="0"/>
+                  <a:cs typeface="Linux Biolinum" charset="0"/>
+                </a:rPr>
+                <a:t>task</a:t>
+              </a:r>
+              <a:endParaRPr lang="en-US" sz="2000" dirty="0">
+                <a:solidFill>
+                  <a:schemeClr val="tx1"/>
+                </a:solidFill>
+                <a:latin typeface="Linux Biolinum" charset="0"/>
+                <a:ea typeface="Linux Biolinum" charset="0"/>
+                <a:cs typeface="Linux Biolinum" charset="0"/>
+              </a:endParaRPr>
+            </a:p>
+          </p:txBody>
+        </p:sp>
+        <p:cxnSp>
+          <p:nvCxnSpPr>
+            <p:cNvPr id="48" name="Elbow Connector 47"/>
+            <p:cNvCxnSpPr/>
+            <p:nvPr/>
+          </p:nvCxnSpPr>
+          <p:spPr>
+            <a:xfrm flipH="1">
+              <a:off x="4167110" y="4495800"/>
+              <a:ext cx="7200" cy="288000"/>
+            </a:xfrm>
+            <a:prstGeom prst="bentConnector3">
+              <a:avLst>
+                <a:gd name="adj1" fmla="val -6031964"/>
+              </a:avLst>
+            </a:prstGeom>
+            <a:ln w="19050">
+              <a:solidFill>
+                <a:schemeClr val="accent3"/>
+              </a:solidFill>
+              <a:headEnd type="stealth"/>
+              <a:tailEnd type="none"/>
+            </a:ln>
+          </p:spPr>
+          <p:style>
+            <a:lnRef idx="1">
+              <a:schemeClr val="accent1"/>
+            </a:lnRef>
+            <a:fillRef idx="0">
+              <a:schemeClr val="accent1"/>
+            </a:fillRef>
+            <a:effectRef idx="0">
+              <a:schemeClr val="accent1"/>
+            </a:effectRef>
+            <a:fontRef idx="minor">
+              <a:schemeClr val="tx1"/>
+            </a:fontRef>
+          </p:style>
+        </p:cxnSp>
+      </p:grpSp>
+    </p:spTree>
+    <p:extLst>
+      <p:ext uri="{BB962C8B-B14F-4D97-AF65-F5344CB8AC3E}">
+        <p14:creationId xmlns:p14="http://schemas.microsoft.com/office/powerpoint/2010/main" val="212036179"/>
+      </p:ext>
+    </p:extLst>
+  </p:cSld>
+  <p:clrMapOvr>
+    <a:masterClrMapping/>
+  </p:clrMapOvr>
+  <p:timing>
+    <p:tnLst>
+      <p:par>
+        <p:cTn id="1" dur="indefinite" restart="never" nodeType="tmRoot"/>
+      </p:par>
+    </p:tnLst>
+  </p:timing>
+</p:sld>
+</file>
+
 <file path=ppt/theme/theme1.xml><?xml version="1.0" encoding="utf-8"?>
 <a:theme xmlns:a="http://schemas.openxmlformats.org/drawingml/2006/main" name="Office Theme">
   <a:themeElements>

--- a/Figs/figures.pptx
+++ b/Figs/figures.pptx
@@ -14,6 +14,8 @@
     <p:sldId id="274" r:id="rId8"/>
     <p:sldId id="275" r:id="rId9"/>
     <p:sldId id="276" r:id="rId10"/>
+    <p:sldId id="277" r:id="rId11"/>
+    <p:sldId id="278" r:id="rId12"/>
   </p:sldIdLst>
   <p:sldSz cx="9144000" cy="6858000" type="screen4x3"/>
   <p:notesSz cx="6858000" cy="9144000"/>
@@ -8089,6 +8091,3024 @@
       </p:par>
     </p:tnLst>
   </p:timing>
+</p:sld>
+</file>
+
+<file path=ppt/slides/slide10.xml><?xml version="1.0" encoding="utf-8"?>
+<p:sld xmlns:a="http://schemas.openxmlformats.org/drawingml/2006/main" xmlns:r="http://schemas.openxmlformats.org/officeDocument/2006/relationships" xmlns:p="http://schemas.openxmlformats.org/presentationml/2006/main">
+  <p:cSld>
+    <p:spTree>
+      <p:nvGrpSpPr>
+        <p:cNvPr id="1" name=""/>
+        <p:cNvGrpSpPr/>
+        <p:nvPr/>
+      </p:nvGrpSpPr>
+      <p:grpSpPr>
+        <a:xfrm>
+          <a:off x="0" y="0"/>
+          <a:ext cx="0" cy="0"/>
+          <a:chOff x="0" y="0"/>
+          <a:chExt cx="0" cy="0"/>
+        </a:xfrm>
+      </p:grpSpPr>
+      <p:sp>
+        <p:nvSpPr>
+          <p:cNvPr id="50" name="Rectangle 49"/>
+          <p:cNvSpPr/>
+          <p:nvPr/>
+        </p:nvSpPr>
+        <p:spPr>
+          <a:xfrm>
+            <a:off x="1358900" y="1143000"/>
+            <a:ext cx="1384300" cy="1600200"/>
+          </a:xfrm>
+          <a:prstGeom prst="rect">
+            <a:avLst/>
+          </a:prstGeom>
+          <a:ln w="12700">
+            <a:solidFill>
+              <a:schemeClr val="bg1">
+                <a:lumMod val="50000"/>
+              </a:schemeClr>
+            </a:solidFill>
+          </a:ln>
+        </p:spPr>
+        <p:style>
+          <a:lnRef idx="2">
+            <a:schemeClr val="dk1"/>
+          </a:lnRef>
+          <a:fillRef idx="1">
+            <a:schemeClr val="lt1"/>
+          </a:fillRef>
+          <a:effectRef idx="0">
+            <a:schemeClr val="dk1"/>
+          </a:effectRef>
+          <a:fontRef idx="minor">
+            <a:schemeClr val="dk1"/>
+          </a:fontRef>
+        </p:style>
+        <p:txBody>
+          <a:bodyPr rtlCol="0" anchor="ctr"/>
+          <a:lstStyle/>
+          <a:p>
+            <a:pPr algn="ctr"/>
+            <a:endParaRPr lang="en-US" dirty="0"/>
+          </a:p>
+        </p:txBody>
+      </p:sp>
+      <p:sp>
+        <p:nvSpPr>
+          <p:cNvPr id="2" name="Oval 1"/>
+          <p:cNvSpPr/>
+          <p:nvPr/>
+        </p:nvSpPr>
+        <p:spPr>
+          <a:xfrm>
+            <a:off x="1447800" y="1219200"/>
+            <a:ext cx="304800" cy="304800"/>
+          </a:xfrm>
+          <a:prstGeom prst="ellipse">
+            <a:avLst/>
+          </a:prstGeom>
+          <a:solidFill>
+            <a:schemeClr val="accent6"/>
+          </a:solidFill>
+          <a:ln>
+            <a:noFill/>
+          </a:ln>
+        </p:spPr>
+        <p:style>
+          <a:lnRef idx="2">
+            <a:schemeClr val="accent1">
+              <a:shade val="50000"/>
+            </a:schemeClr>
+          </a:lnRef>
+          <a:fillRef idx="1">
+            <a:schemeClr val="accent1"/>
+          </a:fillRef>
+          <a:effectRef idx="0">
+            <a:schemeClr val="accent1"/>
+          </a:effectRef>
+          <a:fontRef idx="minor">
+            <a:schemeClr val="lt1"/>
+          </a:fontRef>
+        </p:style>
+        <p:txBody>
+          <a:bodyPr rtlCol="0" anchor="ctr"/>
+          <a:lstStyle/>
+          <a:p>
+            <a:pPr algn="ctr"/>
+            <a:endParaRPr lang="en-US" dirty="0"/>
+          </a:p>
+        </p:txBody>
+      </p:sp>
+      <p:sp>
+        <p:nvSpPr>
+          <p:cNvPr id="3" name="Oval 2"/>
+          <p:cNvSpPr/>
+          <p:nvPr/>
+        </p:nvSpPr>
+        <p:spPr>
+          <a:xfrm>
+            <a:off x="1447800" y="1600200"/>
+            <a:ext cx="304800" cy="304800"/>
+          </a:xfrm>
+          <a:prstGeom prst="ellipse">
+            <a:avLst/>
+          </a:prstGeom>
+          <a:solidFill>
+            <a:schemeClr val="accent6"/>
+          </a:solidFill>
+          <a:ln>
+            <a:noFill/>
+          </a:ln>
+        </p:spPr>
+        <p:style>
+          <a:lnRef idx="2">
+            <a:schemeClr val="accent1">
+              <a:shade val="50000"/>
+            </a:schemeClr>
+          </a:lnRef>
+          <a:fillRef idx="1">
+            <a:schemeClr val="accent1"/>
+          </a:fillRef>
+          <a:effectRef idx="0">
+            <a:schemeClr val="accent1"/>
+          </a:effectRef>
+          <a:fontRef idx="minor">
+            <a:schemeClr val="lt1"/>
+          </a:fontRef>
+        </p:style>
+        <p:txBody>
+          <a:bodyPr rtlCol="0" anchor="ctr"/>
+          <a:lstStyle/>
+          <a:p>
+            <a:pPr algn="ctr"/>
+            <a:endParaRPr lang="en-US" dirty="0"/>
+          </a:p>
+        </p:txBody>
+      </p:sp>
+      <p:sp>
+        <p:nvSpPr>
+          <p:cNvPr id="4" name="Oval 3"/>
+          <p:cNvSpPr/>
+          <p:nvPr/>
+        </p:nvSpPr>
+        <p:spPr>
+          <a:xfrm>
+            <a:off x="1447800" y="1981200"/>
+            <a:ext cx="304800" cy="304800"/>
+          </a:xfrm>
+          <a:prstGeom prst="ellipse">
+            <a:avLst/>
+          </a:prstGeom>
+          <a:solidFill>
+            <a:schemeClr val="accent6"/>
+          </a:solidFill>
+          <a:ln>
+            <a:noFill/>
+          </a:ln>
+        </p:spPr>
+        <p:style>
+          <a:lnRef idx="2">
+            <a:schemeClr val="accent1">
+              <a:shade val="50000"/>
+            </a:schemeClr>
+          </a:lnRef>
+          <a:fillRef idx="1">
+            <a:schemeClr val="accent1"/>
+          </a:fillRef>
+          <a:effectRef idx="0">
+            <a:schemeClr val="accent1"/>
+          </a:effectRef>
+          <a:fontRef idx="minor">
+            <a:schemeClr val="lt1"/>
+          </a:fontRef>
+        </p:style>
+        <p:txBody>
+          <a:bodyPr rtlCol="0" anchor="ctr"/>
+          <a:lstStyle/>
+          <a:p>
+            <a:pPr algn="ctr"/>
+            <a:endParaRPr lang="en-US" dirty="0"/>
+          </a:p>
+        </p:txBody>
+      </p:sp>
+      <p:sp>
+        <p:nvSpPr>
+          <p:cNvPr id="5" name="Oval 4"/>
+          <p:cNvSpPr/>
+          <p:nvPr/>
+        </p:nvSpPr>
+        <p:spPr>
+          <a:xfrm>
+            <a:off x="1447800" y="2362200"/>
+            <a:ext cx="304800" cy="304800"/>
+          </a:xfrm>
+          <a:prstGeom prst="ellipse">
+            <a:avLst/>
+          </a:prstGeom>
+          <a:solidFill>
+            <a:schemeClr val="accent6"/>
+          </a:solidFill>
+          <a:ln>
+            <a:noFill/>
+          </a:ln>
+        </p:spPr>
+        <p:style>
+          <a:lnRef idx="2">
+            <a:schemeClr val="accent1">
+              <a:shade val="50000"/>
+            </a:schemeClr>
+          </a:lnRef>
+          <a:fillRef idx="1">
+            <a:schemeClr val="accent1"/>
+          </a:fillRef>
+          <a:effectRef idx="0">
+            <a:schemeClr val="accent1"/>
+          </a:effectRef>
+          <a:fontRef idx="minor">
+            <a:schemeClr val="lt1"/>
+          </a:fontRef>
+        </p:style>
+        <p:txBody>
+          <a:bodyPr rtlCol="0" anchor="ctr"/>
+          <a:lstStyle/>
+          <a:p>
+            <a:pPr algn="ctr"/>
+            <a:endParaRPr lang="en-US" dirty="0"/>
+          </a:p>
+        </p:txBody>
+      </p:sp>
+      <p:sp>
+        <p:nvSpPr>
+          <p:cNvPr id="6" name="Oval 5"/>
+          <p:cNvSpPr/>
+          <p:nvPr/>
+        </p:nvSpPr>
+        <p:spPr>
+          <a:xfrm>
+            <a:off x="1905000" y="1219200"/>
+            <a:ext cx="304800" cy="304800"/>
+          </a:xfrm>
+          <a:prstGeom prst="ellipse">
+            <a:avLst/>
+          </a:prstGeom>
+          <a:solidFill>
+            <a:schemeClr val="accent6"/>
+          </a:solidFill>
+          <a:ln>
+            <a:noFill/>
+          </a:ln>
+        </p:spPr>
+        <p:style>
+          <a:lnRef idx="2">
+            <a:schemeClr val="accent1">
+              <a:shade val="50000"/>
+            </a:schemeClr>
+          </a:lnRef>
+          <a:fillRef idx="1">
+            <a:schemeClr val="accent1"/>
+          </a:fillRef>
+          <a:effectRef idx="0">
+            <a:schemeClr val="accent1"/>
+          </a:effectRef>
+          <a:fontRef idx="minor">
+            <a:schemeClr val="lt1"/>
+          </a:fontRef>
+        </p:style>
+        <p:txBody>
+          <a:bodyPr rtlCol="0" anchor="ctr"/>
+          <a:lstStyle/>
+          <a:p>
+            <a:pPr algn="ctr"/>
+            <a:endParaRPr lang="en-US" dirty="0"/>
+          </a:p>
+        </p:txBody>
+      </p:sp>
+      <p:sp>
+        <p:nvSpPr>
+          <p:cNvPr id="7" name="Oval 6"/>
+          <p:cNvSpPr/>
+          <p:nvPr/>
+        </p:nvSpPr>
+        <p:spPr>
+          <a:xfrm>
+            <a:off x="1905000" y="1600200"/>
+            <a:ext cx="304800" cy="304800"/>
+          </a:xfrm>
+          <a:prstGeom prst="ellipse">
+            <a:avLst/>
+          </a:prstGeom>
+          <a:solidFill>
+            <a:schemeClr val="accent6"/>
+          </a:solidFill>
+          <a:ln>
+            <a:noFill/>
+          </a:ln>
+        </p:spPr>
+        <p:style>
+          <a:lnRef idx="2">
+            <a:schemeClr val="accent1">
+              <a:shade val="50000"/>
+            </a:schemeClr>
+          </a:lnRef>
+          <a:fillRef idx="1">
+            <a:schemeClr val="accent1"/>
+          </a:fillRef>
+          <a:effectRef idx="0">
+            <a:schemeClr val="accent1"/>
+          </a:effectRef>
+          <a:fontRef idx="minor">
+            <a:schemeClr val="lt1"/>
+          </a:fontRef>
+        </p:style>
+        <p:txBody>
+          <a:bodyPr rtlCol="0" anchor="ctr"/>
+          <a:lstStyle/>
+          <a:p>
+            <a:pPr algn="ctr"/>
+            <a:endParaRPr lang="en-US" dirty="0"/>
+          </a:p>
+        </p:txBody>
+      </p:sp>
+      <p:sp>
+        <p:nvSpPr>
+          <p:cNvPr id="8" name="Oval 7"/>
+          <p:cNvSpPr/>
+          <p:nvPr/>
+        </p:nvSpPr>
+        <p:spPr>
+          <a:xfrm>
+            <a:off x="1905000" y="1981200"/>
+            <a:ext cx="304800" cy="304800"/>
+          </a:xfrm>
+          <a:prstGeom prst="ellipse">
+            <a:avLst/>
+          </a:prstGeom>
+          <a:solidFill>
+            <a:schemeClr val="accent6"/>
+          </a:solidFill>
+          <a:ln>
+            <a:noFill/>
+          </a:ln>
+        </p:spPr>
+        <p:style>
+          <a:lnRef idx="2">
+            <a:schemeClr val="accent1">
+              <a:shade val="50000"/>
+            </a:schemeClr>
+          </a:lnRef>
+          <a:fillRef idx="1">
+            <a:schemeClr val="accent1"/>
+          </a:fillRef>
+          <a:effectRef idx="0">
+            <a:schemeClr val="accent1"/>
+          </a:effectRef>
+          <a:fontRef idx="minor">
+            <a:schemeClr val="lt1"/>
+          </a:fontRef>
+        </p:style>
+        <p:txBody>
+          <a:bodyPr rtlCol="0" anchor="ctr"/>
+          <a:lstStyle/>
+          <a:p>
+            <a:pPr algn="ctr"/>
+            <a:endParaRPr lang="en-US" dirty="0"/>
+          </a:p>
+        </p:txBody>
+      </p:sp>
+      <p:sp>
+        <p:nvSpPr>
+          <p:cNvPr id="9" name="Oval 8"/>
+          <p:cNvSpPr/>
+          <p:nvPr/>
+        </p:nvSpPr>
+        <p:spPr>
+          <a:xfrm>
+            <a:off x="1905000" y="2362200"/>
+            <a:ext cx="304800" cy="304800"/>
+          </a:xfrm>
+          <a:prstGeom prst="ellipse">
+            <a:avLst/>
+          </a:prstGeom>
+          <a:solidFill>
+            <a:schemeClr val="accent6"/>
+          </a:solidFill>
+          <a:ln>
+            <a:noFill/>
+          </a:ln>
+        </p:spPr>
+        <p:style>
+          <a:lnRef idx="2">
+            <a:schemeClr val="accent1">
+              <a:shade val="50000"/>
+            </a:schemeClr>
+          </a:lnRef>
+          <a:fillRef idx="1">
+            <a:schemeClr val="accent1"/>
+          </a:fillRef>
+          <a:effectRef idx="0">
+            <a:schemeClr val="accent1"/>
+          </a:effectRef>
+          <a:fontRef idx="minor">
+            <a:schemeClr val="lt1"/>
+          </a:fontRef>
+        </p:style>
+        <p:txBody>
+          <a:bodyPr rtlCol="0" anchor="ctr"/>
+          <a:lstStyle/>
+          <a:p>
+            <a:pPr algn="ctr"/>
+            <a:endParaRPr lang="en-US" dirty="0"/>
+          </a:p>
+        </p:txBody>
+      </p:sp>
+      <p:sp>
+        <p:nvSpPr>
+          <p:cNvPr id="10" name="Oval 9"/>
+          <p:cNvSpPr/>
+          <p:nvPr/>
+        </p:nvSpPr>
+        <p:spPr>
+          <a:xfrm>
+            <a:off x="2362200" y="1219200"/>
+            <a:ext cx="304800" cy="304800"/>
+          </a:xfrm>
+          <a:prstGeom prst="ellipse">
+            <a:avLst/>
+          </a:prstGeom>
+          <a:solidFill>
+            <a:schemeClr val="accent6"/>
+          </a:solidFill>
+          <a:ln>
+            <a:noFill/>
+          </a:ln>
+        </p:spPr>
+        <p:style>
+          <a:lnRef idx="2">
+            <a:schemeClr val="accent1">
+              <a:shade val="50000"/>
+            </a:schemeClr>
+          </a:lnRef>
+          <a:fillRef idx="1">
+            <a:schemeClr val="accent1"/>
+          </a:fillRef>
+          <a:effectRef idx="0">
+            <a:schemeClr val="accent1"/>
+          </a:effectRef>
+          <a:fontRef idx="minor">
+            <a:schemeClr val="lt1"/>
+          </a:fontRef>
+        </p:style>
+        <p:txBody>
+          <a:bodyPr rtlCol="0" anchor="ctr"/>
+          <a:lstStyle/>
+          <a:p>
+            <a:pPr algn="ctr"/>
+            <a:endParaRPr lang="en-US" dirty="0"/>
+          </a:p>
+        </p:txBody>
+      </p:sp>
+      <p:sp>
+        <p:nvSpPr>
+          <p:cNvPr id="11" name="Oval 10"/>
+          <p:cNvSpPr/>
+          <p:nvPr/>
+        </p:nvSpPr>
+        <p:spPr>
+          <a:xfrm>
+            <a:off x="2362200" y="1600200"/>
+            <a:ext cx="304800" cy="304800"/>
+          </a:xfrm>
+          <a:prstGeom prst="ellipse">
+            <a:avLst/>
+          </a:prstGeom>
+          <a:solidFill>
+            <a:schemeClr val="accent6"/>
+          </a:solidFill>
+          <a:ln>
+            <a:noFill/>
+          </a:ln>
+        </p:spPr>
+        <p:style>
+          <a:lnRef idx="2">
+            <a:schemeClr val="accent1">
+              <a:shade val="50000"/>
+            </a:schemeClr>
+          </a:lnRef>
+          <a:fillRef idx="1">
+            <a:schemeClr val="accent1"/>
+          </a:fillRef>
+          <a:effectRef idx="0">
+            <a:schemeClr val="accent1"/>
+          </a:effectRef>
+          <a:fontRef idx="minor">
+            <a:schemeClr val="lt1"/>
+          </a:fontRef>
+        </p:style>
+        <p:txBody>
+          <a:bodyPr rtlCol="0" anchor="ctr"/>
+          <a:lstStyle/>
+          <a:p>
+            <a:pPr algn="ctr"/>
+            <a:endParaRPr lang="en-US" dirty="0"/>
+          </a:p>
+        </p:txBody>
+      </p:sp>
+      <p:sp>
+        <p:nvSpPr>
+          <p:cNvPr id="12" name="Oval 11"/>
+          <p:cNvSpPr/>
+          <p:nvPr/>
+        </p:nvSpPr>
+        <p:spPr>
+          <a:xfrm>
+            <a:off x="2362200" y="1981200"/>
+            <a:ext cx="304800" cy="304800"/>
+          </a:xfrm>
+          <a:prstGeom prst="ellipse">
+            <a:avLst/>
+          </a:prstGeom>
+          <a:solidFill>
+            <a:schemeClr val="accent6"/>
+          </a:solidFill>
+          <a:ln>
+            <a:noFill/>
+          </a:ln>
+        </p:spPr>
+        <p:style>
+          <a:lnRef idx="2">
+            <a:schemeClr val="accent1">
+              <a:shade val="50000"/>
+            </a:schemeClr>
+          </a:lnRef>
+          <a:fillRef idx="1">
+            <a:schemeClr val="accent1"/>
+          </a:fillRef>
+          <a:effectRef idx="0">
+            <a:schemeClr val="accent1"/>
+          </a:effectRef>
+          <a:fontRef idx="minor">
+            <a:schemeClr val="lt1"/>
+          </a:fontRef>
+        </p:style>
+        <p:txBody>
+          <a:bodyPr rtlCol="0" anchor="ctr"/>
+          <a:lstStyle/>
+          <a:p>
+            <a:pPr algn="ctr"/>
+            <a:endParaRPr lang="en-US" dirty="0"/>
+          </a:p>
+        </p:txBody>
+      </p:sp>
+      <p:sp>
+        <p:nvSpPr>
+          <p:cNvPr id="13" name="Oval 12"/>
+          <p:cNvSpPr/>
+          <p:nvPr/>
+        </p:nvSpPr>
+        <p:spPr>
+          <a:xfrm>
+            <a:off x="2362200" y="2362200"/>
+            <a:ext cx="304800" cy="304800"/>
+          </a:xfrm>
+          <a:prstGeom prst="ellipse">
+            <a:avLst/>
+          </a:prstGeom>
+          <a:solidFill>
+            <a:schemeClr val="accent6"/>
+          </a:solidFill>
+          <a:ln>
+            <a:noFill/>
+          </a:ln>
+        </p:spPr>
+        <p:style>
+          <a:lnRef idx="2">
+            <a:schemeClr val="accent1">
+              <a:shade val="50000"/>
+            </a:schemeClr>
+          </a:lnRef>
+          <a:fillRef idx="1">
+            <a:schemeClr val="accent1"/>
+          </a:fillRef>
+          <a:effectRef idx="0">
+            <a:schemeClr val="accent1"/>
+          </a:effectRef>
+          <a:fontRef idx="minor">
+            <a:schemeClr val="lt1"/>
+          </a:fontRef>
+        </p:style>
+        <p:txBody>
+          <a:bodyPr rtlCol="0" anchor="ctr"/>
+          <a:lstStyle/>
+          <a:p>
+            <a:pPr algn="ctr"/>
+            <a:endParaRPr lang="en-US" dirty="0"/>
+          </a:p>
+        </p:txBody>
+      </p:sp>
+      <p:sp>
+        <p:nvSpPr>
+          <p:cNvPr id="14" name="Oval 13"/>
+          <p:cNvSpPr/>
+          <p:nvPr/>
+        </p:nvSpPr>
+        <p:spPr>
+          <a:xfrm>
+            <a:off x="2819400" y="1219200"/>
+            <a:ext cx="304800" cy="304800"/>
+          </a:xfrm>
+          <a:prstGeom prst="ellipse">
+            <a:avLst/>
+          </a:prstGeom>
+          <a:solidFill>
+            <a:schemeClr val="accent6"/>
+          </a:solidFill>
+          <a:ln>
+            <a:noFill/>
+          </a:ln>
+        </p:spPr>
+        <p:style>
+          <a:lnRef idx="2">
+            <a:schemeClr val="accent1">
+              <a:shade val="50000"/>
+            </a:schemeClr>
+          </a:lnRef>
+          <a:fillRef idx="1">
+            <a:schemeClr val="accent1"/>
+          </a:fillRef>
+          <a:effectRef idx="0">
+            <a:schemeClr val="accent1"/>
+          </a:effectRef>
+          <a:fontRef idx="minor">
+            <a:schemeClr val="lt1"/>
+          </a:fontRef>
+        </p:style>
+        <p:txBody>
+          <a:bodyPr rtlCol="0" anchor="ctr"/>
+          <a:lstStyle/>
+          <a:p>
+            <a:pPr algn="ctr"/>
+            <a:endParaRPr lang="en-US" dirty="0"/>
+          </a:p>
+        </p:txBody>
+      </p:sp>
+      <p:sp>
+        <p:nvSpPr>
+          <p:cNvPr id="15" name="Oval 14"/>
+          <p:cNvSpPr/>
+          <p:nvPr/>
+        </p:nvSpPr>
+        <p:spPr>
+          <a:xfrm>
+            <a:off x="2819400" y="1600200"/>
+            <a:ext cx="304800" cy="304800"/>
+          </a:xfrm>
+          <a:prstGeom prst="ellipse">
+            <a:avLst/>
+          </a:prstGeom>
+          <a:solidFill>
+            <a:schemeClr val="accent6"/>
+          </a:solidFill>
+          <a:ln>
+            <a:noFill/>
+          </a:ln>
+        </p:spPr>
+        <p:style>
+          <a:lnRef idx="2">
+            <a:schemeClr val="accent1">
+              <a:shade val="50000"/>
+            </a:schemeClr>
+          </a:lnRef>
+          <a:fillRef idx="1">
+            <a:schemeClr val="accent1"/>
+          </a:fillRef>
+          <a:effectRef idx="0">
+            <a:schemeClr val="accent1"/>
+          </a:effectRef>
+          <a:fontRef idx="minor">
+            <a:schemeClr val="lt1"/>
+          </a:fontRef>
+        </p:style>
+        <p:txBody>
+          <a:bodyPr rtlCol="0" anchor="ctr"/>
+          <a:lstStyle/>
+          <a:p>
+            <a:pPr algn="ctr"/>
+            <a:endParaRPr lang="en-US" dirty="0"/>
+          </a:p>
+        </p:txBody>
+      </p:sp>
+      <p:sp>
+        <p:nvSpPr>
+          <p:cNvPr id="16" name="Oval 15"/>
+          <p:cNvSpPr/>
+          <p:nvPr/>
+        </p:nvSpPr>
+        <p:spPr>
+          <a:xfrm>
+            <a:off x="2819400" y="1981200"/>
+            <a:ext cx="304800" cy="304800"/>
+          </a:xfrm>
+          <a:prstGeom prst="ellipse">
+            <a:avLst/>
+          </a:prstGeom>
+          <a:solidFill>
+            <a:schemeClr val="accent6"/>
+          </a:solidFill>
+          <a:ln>
+            <a:noFill/>
+          </a:ln>
+        </p:spPr>
+        <p:style>
+          <a:lnRef idx="2">
+            <a:schemeClr val="accent1">
+              <a:shade val="50000"/>
+            </a:schemeClr>
+          </a:lnRef>
+          <a:fillRef idx="1">
+            <a:schemeClr val="accent1"/>
+          </a:fillRef>
+          <a:effectRef idx="0">
+            <a:schemeClr val="accent1"/>
+          </a:effectRef>
+          <a:fontRef idx="minor">
+            <a:schemeClr val="lt1"/>
+          </a:fontRef>
+        </p:style>
+        <p:txBody>
+          <a:bodyPr rtlCol="0" anchor="ctr"/>
+          <a:lstStyle/>
+          <a:p>
+            <a:pPr algn="ctr"/>
+            <a:endParaRPr lang="en-US" dirty="0"/>
+          </a:p>
+        </p:txBody>
+      </p:sp>
+      <p:sp>
+        <p:nvSpPr>
+          <p:cNvPr id="17" name="Oval 16"/>
+          <p:cNvSpPr/>
+          <p:nvPr/>
+        </p:nvSpPr>
+        <p:spPr>
+          <a:xfrm>
+            <a:off x="2819400" y="2362200"/>
+            <a:ext cx="304800" cy="304800"/>
+          </a:xfrm>
+          <a:prstGeom prst="ellipse">
+            <a:avLst/>
+          </a:prstGeom>
+          <a:solidFill>
+            <a:schemeClr val="accent6"/>
+          </a:solidFill>
+          <a:ln>
+            <a:noFill/>
+          </a:ln>
+        </p:spPr>
+        <p:style>
+          <a:lnRef idx="2">
+            <a:schemeClr val="accent1">
+              <a:shade val="50000"/>
+            </a:schemeClr>
+          </a:lnRef>
+          <a:fillRef idx="1">
+            <a:schemeClr val="accent1"/>
+          </a:fillRef>
+          <a:effectRef idx="0">
+            <a:schemeClr val="accent1"/>
+          </a:effectRef>
+          <a:fontRef idx="minor">
+            <a:schemeClr val="lt1"/>
+          </a:fontRef>
+        </p:style>
+        <p:txBody>
+          <a:bodyPr rtlCol="0" anchor="ctr"/>
+          <a:lstStyle/>
+          <a:p>
+            <a:pPr algn="ctr"/>
+            <a:endParaRPr lang="en-US" dirty="0"/>
+          </a:p>
+        </p:txBody>
+      </p:sp>
+      <p:sp>
+        <p:nvSpPr>
+          <p:cNvPr id="18" name="Oval 17"/>
+          <p:cNvSpPr/>
+          <p:nvPr/>
+        </p:nvSpPr>
+        <p:spPr>
+          <a:xfrm>
+            <a:off x="3276600" y="1219200"/>
+            <a:ext cx="304800" cy="304800"/>
+          </a:xfrm>
+          <a:prstGeom prst="ellipse">
+            <a:avLst/>
+          </a:prstGeom>
+          <a:solidFill>
+            <a:schemeClr val="accent6"/>
+          </a:solidFill>
+          <a:ln>
+            <a:noFill/>
+          </a:ln>
+        </p:spPr>
+        <p:style>
+          <a:lnRef idx="2">
+            <a:schemeClr val="accent1">
+              <a:shade val="50000"/>
+            </a:schemeClr>
+          </a:lnRef>
+          <a:fillRef idx="1">
+            <a:schemeClr val="accent1"/>
+          </a:fillRef>
+          <a:effectRef idx="0">
+            <a:schemeClr val="accent1"/>
+          </a:effectRef>
+          <a:fontRef idx="minor">
+            <a:schemeClr val="lt1"/>
+          </a:fontRef>
+        </p:style>
+        <p:txBody>
+          <a:bodyPr rtlCol="0" anchor="ctr"/>
+          <a:lstStyle/>
+          <a:p>
+            <a:pPr algn="ctr"/>
+            <a:endParaRPr lang="en-US" dirty="0"/>
+          </a:p>
+        </p:txBody>
+      </p:sp>
+      <p:sp>
+        <p:nvSpPr>
+          <p:cNvPr id="19" name="Oval 18"/>
+          <p:cNvSpPr/>
+          <p:nvPr/>
+        </p:nvSpPr>
+        <p:spPr>
+          <a:xfrm>
+            <a:off x="3276600" y="1600200"/>
+            <a:ext cx="304800" cy="304800"/>
+          </a:xfrm>
+          <a:prstGeom prst="ellipse">
+            <a:avLst/>
+          </a:prstGeom>
+          <a:solidFill>
+            <a:schemeClr val="accent6"/>
+          </a:solidFill>
+          <a:ln>
+            <a:noFill/>
+          </a:ln>
+        </p:spPr>
+        <p:style>
+          <a:lnRef idx="2">
+            <a:schemeClr val="accent1">
+              <a:shade val="50000"/>
+            </a:schemeClr>
+          </a:lnRef>
+          <a:fillRef idx="1">
+            <a:schemeClr val="accent1"/>
+          </a:fillRef>
+          <a:effectRef idx="0">
+            <a:schemeClr val="accent1"/>
+          </a:effectRef>
+          <a:fontRef idx="minor">
+            <a:schemeClr val="lt1"/>
+          </a:fontRef>
+        </p:style>
+        <p:txBody>
+          <a:bodyPr rtlCol="0" anchor="ctr"/>
+          <a:lstStyle/>
+          <a:p>
+            <a:pPr algn="ctr"/>
+            <a:endParaRPr lang="en-US" dirty="0"/>
+          </a:p>
+        </p:txBody>
+      </p:sp>
+      <p:sp>
+        <p:nvSpPr>
+          <p:cNvPr id="20" name="Oval 19"/>
+          <p:cNvSpPr/>
+          <p:nvPr/>
+        </p:nvSpPr>
+        <p:spPr>
+          <a:xfrm>
+            <a:off x="3276600" y="1981200"/>
+            <a:ext cx="304800" cy="304800"/>
+          </a:xfrm>
+          <a:prstGeom prst="ellipse">
+            <a:avLst/>
+          </a:prstGeom>
+          <a:solidFill>
+            <a:schemeClr val="accent6"/>
+          </a:solidFill>
+          <a:ln>
+            <a:noFill/>
+          </a:ln>
+        </p:spPr>
+        <p:style>
+          <a:lnRef idx="2">
+            <a:schemeClr val="accent1">
+              <a:shade val="50000"/>
+            </a:schemeClr>
+          </a:lnRef>
+          <a:fillRef idx="1">
+            <a:schemeClr val="accent1"/>
+          </a:fillRef>
+          <a:effectRef idx="0">
+            <a:schemeClr val="accent1"/>
+          </a:effectRef>
+          <a:fontRef idx="minor">
+            <a:schemeClr val="lt1"/>
+          </a:fontRef>
+        </p:style>
+        <p:txBody>
+          <a:bodyPr rtlCol="0" anchor="ctr"/>
+          <a:lstStyle/>
+          <a:p>
+            <a:pPr algn="ctr"/>
+            <a:endParaRPr lang="en-US" dirty="0"/>
+          </a:p>
+        </p:txBody>
+      </p:sp>
+      <p:sp>
+        <p:nvSpPr>
+          <p:cNvPr id="21" name="Oval 20"/>
+          <p:cNvSpPr/>
+          <p:nvPr/>
+        </p:nvSpPr>
+        <p:spPr>
+          <a:xfrm>
+            <a:off x="3276600" y="2362200"/>
+            <a:ext cx="304800" cy="304800"/>
+          </a:xfrm>
+          <a:prstGeom prst="ellipse">
+            <a:avLst/>
+          </a:prstGeom>
+          <a:solidFill>
+            <a:schemeClr val="accent6"/>
+          </a:solidFill>
+          <a:ln>
+            <a:noFill/>
+          </a:ln>
+        </p:spPr>
+        <p:style>
+          <a:lnRef idx="2">
+            <a:schemeClr val="accent1">
+              <a:shade val="50000"/>
+            </a:schemeClr>
+          </a:lnRef>
+          <a:fillRef idx="1">
+            <a:schemeClr val="accent1"/>
+          </a:fillRef>
+          <a:effectRef idx="0">
+            <a:schemeClr val="accent1"/>
+          </a:effectRef>
+          <a:fontRef idx="minor">
+            <a:schemeClr val="lt1"/>
+          </a:fontRef>
+        </p:style>
+        <p:txBody>
+          <a:bodyPr rtlCol="0" anchor="ctr"/>
+          <a:lstStyle/>
+          <a:p>
+            <a:pPr algn="ctr"/>
+            <a:endParaRPr lang="en-US" dirty="0"/>
+          </a:p>
+        </p:txBody>
+      </p:sp>
+      <p:sp>
+        <p:nvSpPr>
+          <p:cNvPr id="22" name="Oval 21"/>
+          <p:cNvSpPr/>
+          <p:nvPr/>
+        </p:nvSpPr>
+        <p:spPr>
+          <a:xfrm>
+            <a:off x="3733800" y="1219200"/>
+            <a:ext cx="304800" cy="304800"/>
+          </a:xfrm>
+          <a:prstGeom prst="ellipse">
+            <a:avLst/>
+          </a:prstGeom>
+          <a:solidFill>
+            <a:schemeClr val="accent6"/>
+          </a:solidFill>
+          <a:ln>
+            <a:noFill/>
+          </a:ln>
+        </p:spPr>
+        <p:style>
+          <a:lnRef idx="2">
+            <a:schemeClr val="accent1">
+              <a:shade val="50000"/>
+            </a:schemeClr>
+          </a:lnRef>
+          <a:fillRef idx="1">
+            <a:schemeClr val="accent1"/>
+          </a:fillRef>
+          <a:effectRef idx="0">
+            <a:schemeClr val="accent1"/>
+          </a:effectRef>
+          <a:fontRef idx="minor">
+            <a:schemeClr val="lt1"/>
+          </a:fontRef>
+        </p:style>
+        <p:txBody>
+          <a:bodyPr rtlCol="0" anchor="ctr"/>
+          <a:lstStyle/>
+          <a:p>
+            <a:pPr algn="ctr"/>
+            <a:endParaRPr lang="en-US" dirty="0"/>
+          </a:p>
+        </p:txBody>
+      </p:sp>
+      <p:sp>
+        <p:nvSpPr>
+          <p:cNvPr id="23" name="Oval 22"/>
+          <p:cNvSpPr/>
+          <p:nvPr/>
+        </p:nvSpPr>
+        <p:spPr>
+          <a:xfrm>
+            <a:off x="3733800" y="1600200"/>
+            <a:ext cx="304800" cy="304800"/>
+          </a:xfrm>
+          <a:prstGeom prst="ellipse">
+            <a:avLst/>
+          </a:prstGeom>
+          <a:solidFill>
+            <a:schemeClr val="accent6"/>
+          </a:solidFill>
+          <a:ln>
+            <a:noFill/>
+          </a:ln>
+        </p:spPr>
+        <p:style>
+          <a:lnRef idx="2">
+            <a:schemeClr val="accent1">
+              <a:shade val="50000"/>
+            </a:schemeClr>
+          </a:lnRef>
+          <a:fillRef idx="1">
+            <a:schemeClr val="accent1"/>
+          </a:fillRef>
+          <a:effectRef idx="0">
+            <a:schemeClr val="accent1"/>
+          </a:effectRef>
+          <a:fontRef idx="minor">
+            <a:schemeClr val="lt1"/>
+          </a:fontRef>
+        </p:style>
+        <p:txBody>
+          <a:bodyPr rtlCol="0" anchor="ctr"/>
+          <a:lstStyle/>
+          <a:p>
+            <a:pPr algn="ctr"/>
+            <a:endParaRPr lang="en-US" dirty="0"/>
+          </a:p>
+        </p:txBody>
+      </p:sp>
+      <p:sp>
+        <p:nvSpPr>
+          <p:cNvPr id="24" name="Oval 23"/>
+          <p:cNvSpPr/>
+          <p:nvPr/>
+        </p:nvSpPr>
+        <p:spPr>
+          <a:xfrm>
+            <a:off x="3733800" y="1981200"/>
+            <a:ext cx="304800" cy="304800"/>
+          </a:xfrm>
+          <a:prstGeom prst="ellipse">
+            <a:avLst/>
+          </a:prstGeom>
+          <a:solidFill>
+            <a:schemeClr val="accent6"/>
+          </a:solidFill>
+          <a:ln>
+            <a:noFill/>
+          </a:ln>
+        </p:spPr>
+        <p:style>
+          <a:lnRef idx="2">
+            <a:schemeClr val="accent1">
+              <a:shade val="50000"/>
+            </a:schemeClr>
+          </a:lnRef>
+          <a:fillRef idx="1">
+            <a:schemeClr val="accent1"/>
+          </a:fillRef>
+          <a:effectRef idx="0">
+            <a:schemeClr val="accent1"/>
+          </a:effectRef>
+          <a:fontRef idx="minor">
+            <a:schemeClr val="lt1"/>
+          </a:fontRef>
+        </p:style>
+        <p:txBody>
+          <a:bodyPr rtlCol="0" anchor="ctr"/>
+          <a:lstStyle/>
+          <a:p>
+            <a:pPr algn="ctr"/>
+            <a:endParaRPr lang="en-US" dirty="0"/>
+          </a:p>
+        </p:txBody>
+      </p:sp>
+      <p:sp>
+        <p:nvSpPr>
+          <p:cNvPr id="25" name="Oval 24"/>
+          <p:cNvSpPr/>
+          <p:nvPr/>
+        </p:nvSpPr>
+        <p:spPr>
+          <a:xfrm>
+            <a:off x="3733800" y="2362200"/>
+            <a:ext cx="304800" cy="304800"/>
+          </a:xfrm>
+          <a:prstGeom prst="ellipse">
+            <a:avLst/>
+          </a:prstGeom>
+          <a:solidFill>
+            <a:schemeClr val="accent6"/>
+          </a:solidFill>
+          <a:ln>
+            <a:noFill/>
+          </a:ln>
+        </p:spPr>
+        <p:style>
+          <a:lnRef idx="2">
+            <a:schemeClr val="accent1">
+              <a:shade val="50000"/>
+            </a:schemeClr>
+          </a:lnRef>
+          <a:fillRef idx="1">
+            <a:schemeClr val="accent1"/>
+          </a:fillRef>
+          <a:effectRef idx="0">
+            <a:schemeClr val="accent1"/>
+          </a:effectRef>
+          <a:fontRef idx="minor">
+            <a:schemeClr val="lt1"/>
+          </a:fontRef>
+        </p:style>
+        <p:txBody>
+          <a:bodyPr rtlCol="0" anchor="ctr"/>
+          <a:lstStyle/>
+          <a:p>
+            <a:pPr algn="ctr"/>
+            <a:endParaRPr lang="en-US" dirty="0"/>
+          </a:p>
+        </p:txBody>
+      </p:sp>
+      <p:grpSp>
+        <p:nvGrpSpPr>
+          <p:cNvPr id="67" name="Group 66"/>
+          <p:cNvGrpSpPr/>
+          <p:nvPr/>
+        </p:nvGrpSpPr>
+        <p:grpSpPr>
+          <a:xfrm>
+            <a:off x="1358900" y="4114800"/>
+            <a:ext cx="2590800" cy="304800"/>
+            <a:chOff x="1358900" y="4114800"/>
+            <a:chExt cx="2590800" cy="304800"/>
+          </a:xfrm>
+        </p:grpSpPr>
+        <p:sp>
+          <p:nvSpPr>
+            <p:cNvPr id="55" name="Oval 54"/>
+            <p:cNvSpPr/>
+            <p:nvPr/>
+          </p:nvSpPr>
+          <p:spPr>
+            <a:xfrm>
+              <a:off x="2730500" y="4114800"/>
+              <a:ext cx="304800" cy="304800"/>
+            </a:xfrm>
+            <a:prstGeom prst="ellipse">
+              <a:avLst/>
+            </a:prstGeom>
+            <a:solidFill>
+              <a:schemeClr val="accent6"/>
+            </a:solidFill>
+            <a:ln>
+              <a:noFill/>
+            </a:ln>
+          </p:spPr>
+          <p:style>
+            <a:lnRef idx="2">
+              <a:schemeClr val="accent1">
+                <a:shade val="50000"/>
+              </a:schemeClr>
+            </a:lnRef>
+            <a:fillRef idx="1">
+              <a:schemeClr val="accent1"/>
+            </a:fillRef>
+            <a:effectRef idx="0">
+              <a:schemeClr val="accent1"/>
+            </a:effectRef>
+            <a:fontRef idx="minor">
+              <a:schemeClr val="lt1"/>
+            </a:fontRef>
+          </p:style>
+          <p:txBody>
+            <a:bodyPr rtlCol="0" anchor="ctr"/>
+            <a:lstStyle/>
+            <a:p>
+              <a:pPr algn="ctr"/>
+              <a:endParaRPr lang="en-US" dirty="0"/>
+            </a:p>
+          </p:txBody>
+        </p:sp>
+        <p:sp>
+          <p:nvSpPr>
+            <p:cNvPr id="56" name="Oval 55"/>
+            <p:cNvSpPr/>
+            <p:nvPr/>
+          </p:nvSpPr>
+          <p:spPr>
+            <a:xfrm>
+              <a:off x="3187700" y="4114800"/>
+              <a:ext cx="304800" cy="304800"/>
+            </a:xfrm>
+            <a:prstGeom prst="ellipse">
+              <a:avLst/>
+            </a:prstGeom>
+            <a:solidFill>
+              <a:schemeClr val="accent6"/>
+            </a:solidFill>
+            <a:ln>
+              <a:noFill/>
+            </a:ln>
+          </p:spPr>
+          <p:style>
+            <a:lnRef idx="2">
+              <a:schemeClr val="accent1">
+                <a:shade val="50000"/>
+              </a:schemeClr>
+            </a:lnRef>
+            <a:fillRef idx="1">
+              <a:schemeClr val="accent1"/>
+            </a:fillRef>
+            <a:effectRef idx="0">
+              <a:schemeClr val="accent1"/>
+            </a:effectRef>
+            <a:fontRef idx="minor">
+              <a:schemeClr val="lt1"/>
+            </a:fontRef>
+          </p:style>
+          <p:txBody>
+            <a:bodyPr rtlCol="0" anchor="ctr"/>
+            <a:lstStyle/>
+            <a:p>
+              <a:pPr algn="ctr"/>
+              <a:endParaRPr lang="en-US" dirty="0"/>
+            </a:p>
+          </p:txBody>
+        </p:sp>
+        <p:sp>
+          <p:nvSpPr>
+            <p:cNvPr id="57" name="Oval 56"/>
+            <p:cNvSpPr/>
+            <p:nvPr/>
+          </p:nvSpPr>
+          <p:spPr>
+            <a:xfrm>
+              <a:off x="3644900" y="4114800"/>
+              <a:ext cx="304800" cy="304800"/>
+            </a:xfrm>
+            <a:prstGeom prst="ellipse">
+              <a:avLst/>
+            </a:prstGeom>
+            <a:solidFill>
+              <a:schemeClr val="accent6"/>
+            </a:solidFill>
+            <a:ln>
+              <a:noFill/>
+            </a:ln>
+          </p:spPr>
+          <p:style>
+            <a:lnRef idx="2">
+              <a:schemeClr val="accent1">
+                <a:shade val="50000"/>
+              </a:schemeClr>
+            </a:lnRef>
+            <a:fillRef idx="1">
+              <a:schemeClr val="accent1"/>
+            </a:fillRef>
+            <a:effectRef idx="0">
+              <a:schemeClr val="accent1"/>
+            </a:effectRef>
+            <a:fontRef idx="minor">
+              <a:schemeClr val="lt1"/>
+            </a:fontRef>
+          </p:style>
+          <p:txBody>
+            <a:bodyPr rtlCol="0" anchor="ctr"/>
+            <a:lstStyle/>
+            <a:p>
+              <a:pPr algn="ctr"/>
+              <a:endParaRPr lang="en-US" dirty="0"/>
+            </a:p>
+          </p:txBody>
+        </p:sp>
+        <p:cxnSp>
+          <p:nvCxnSpPr>
+            <p:cNvPr id="59" name="Straight Connector 58"/>
+            <p:cNvCxnSpPr>
+              <a:stCxn id="52" idx="6"/>
+              <a:endCxn id="53" idx="2"/>
+            </p:cNvCxnSpPr>
+            <p:nvPr/>
+          </p:nvCxnSpPr>
+          <p:spPr>
+            <a:xfrm>
+              <a:off x="1663700" y="4267200"/>
+              <a:ext cx="152400" cy="0"/>
+            </a:xfrm>
+            <a:prstGeom prst="line">
+              <a:avLst/>
+            </a:prstGeom>
+            <a:ln w="25400">
+              <a:solidFill>
+                <a:schemeClr val="accent6"/>
+              </a:solidFill>
+            </a:ln>
+          </p:spPr>
+          <p:style>
+            <a:lnRef idx="1">
+              <a:schemeClr val="accent1"/>
+            </a:lnRef>
+            <a:fillRef idx="0">
+              <a:schemeClr val="accent1"/>
+            </a:fillRef>
+            <a:effectRef idx="0">
+              <a:schemeClr val="accent1"/>
+            </a:effectRef>
+            <a:fontRef idx="minor">
+              <a:schemeClr val="tx1"/>
+            </a:fontRef>
+          </p:style>
+        </p:cxnSp>
+        <p:cxnSp>
+          <p:nvCxnSpPr>
+            <p:cNvPr id="62" name="Straight Connector 61"/>
+            <p:cNvCxnSpPr>
+              <a:stCxn id="53" idx="6"/>
+              <a:endCxn id="54" idx="2"/>
+            </p:cNvCxnSpPr>
+            <p:nvPr/>
+          </p:nvCxnSpPr>
+          <p:spPr>
+            <a:xfrm>
+              <a:off x="2120900" y="4267200"/>
+              <a:ext cx="152400" cy="0"/>
+            </a:xfrm>
+            <a:prstGeom prst="line">
+              <a:avLst/>
+            </a:prstGeom>
+            <a:ln w="25400">
+              <a:solidFill>
+                <a:schemeClr val="accent6"/>
+              </a:solidFill>
+            </a:ln>
+          </p:spPr>
+          <p:style>
+            <a:lnRef idx="1">
+              <a:schemeClr val="accent1"/>
+            </a:lnRef>
+            <a:fillRef idx="0">
+              <a:schemeClr val="accent1"/>
+            </a:fillRef>
+            <a:effectRef idx="0">
+              <a:schemeClr val="accent1"/>
+            </a:effectRef>
+            <a:fontRef idx="minor">
+              <a:schemeClr val="tx1"/>
+            </a:fontRef>
+          </p:style>
+        </p:cxnSp>
+        <p:sp>
+          <p:nvSpPr>
+            <p:cNvPr id="52" name="Oval 51"/>
+            <p:cNvSpPr/>
+            <p:nvPr/>
+          </p:nvSpPr>
+          <p:spPr>
+            <a:xfrm>
+              <a:off x="1358900" y="4114800"/>
+              <a:ext cx="304800" cy="304800"/>
+            </a:xfrm>
+            <a:prstGeom prst="ellipse">
+              <a:avLst/>
+            </a:prstGeom>
+            <a:solidFill>
+              <a:schemeClr val="accent6"/>
+            </a:solidFill>
+            <a:ln>
+              <a:noFill/>
+            </a:ln>
+          </p:spPr>
+          <p:style>
+            <a:lnRef idx="2">
+              <a:schemeClr val="accent1">
+                <a:shade val="50000"/>
+              </a:schemeClr>
+            </a:lnRef>
+            <a:fillRef idx="1">
+              <a:schemeClr val="accent1"/>
+            </a:fillRef>
+            <a:effectRef idx="0">
+              <a:schemeClr val="accent1"/>
+            </a:effectRef>
+            <a:fontRef idx="minor">
+              <a:schemeClr val="lt1"/>
+            </a:fontRef>
+          </p:style>
+          <p:txBody>
+            <a:bodyPr rtlCol="0" anchor="ctr"/>
+            <a:lstStyle/>
+            <a:p>
+              <a:pPr algn="ctr"/>
+              <a:endParaRPr lang="en-US" dirty="0"/>
+            </a:p>
+          </p:txBody>
+        </p:sp>
+        <p:sp>
+          <p:nvSpPr>
+            <p:cNvPr id="53" name="Oval 52"/>
+            <p:cNvSpPr/>
+            <p:nvPr/>
+          </p:nvSpPr>
+          <p:spPr>
+            <a:xfrm>
+              <a:off x="1816100" y="4114800"/>
+              <a:ext cx="304800" cy="304800"/>
+            </a:xfrm>
+            <a:prstGeom prst="ellipse">
+              <a:avLst/>
+            </a:prstGeom>
+            <a:solidFill>
+              <a:schemeClr val="accent6"/>
+            </a:solidFill>
+            <a:ln>
+              <a:noFill/>
+            </a:ln>
+          </p:spPr>
+          <p:style>
+            <a:lnRef idx="2">
+              <a:schemeClr val="accent1">
+                <a:shade val="50000"/>
+              </a:schemeClr>
+            </a:lnRef>
+            <a:fillRef idx="1">
+              <a:schemeClr val="accent1"/>
+            </a:fillRef>
+            <a:effectRef idx="0">
+              <a:schemeClr val="accent1"/>
+            </a:effectRef>
+            <a:fontRef idx="minor">
+              <a:schemeClr val="lt1"/>
+            </a:fontRef>
+          </p:style>
+          <p:txBody>
+            <a:bodyPr rtlCol="0" anchor="ctr"/>
+            <a:lstStyle/>
+            <a:p>
+              <a:pPr algn="ctr"/>
+              <a:endParaRPr lang="en-US" dirty="0"/>
+            </a:p>
+          </p:txBody>
+        </p:sp>
+        <p:sp>
+          <p:nvSpPr>
+            <p:cNvPr id="54" name="Oval 53"/>
+            <p:cNvSpPr/>
+            <p:nvPr/>
+          </p:nvSpPr>
+          <p:spPr>
+            <a:xfrm>
+              <a:off x="2273300" y="4114800"/>
+              <a:ext cx="304800" cy="304800"/>
+            </a:xfrm>
+            <a:prstGeom prst="ellipse">
+              <a:avLst/>
+            </a:prstGeom>
+            <a:solidFill>
+              <a:schemeClr val="accent6"/>
+            </a:solidFill>
+            <a:ln>
+              <a:noFill/>
+            </a:ln>
+          </p:spPr>
+          <p:style>
+            <a:lnRef idx="2">
+              <a:schemeClr val="accent1">
+                <a:shade val="50000"/>
+              </a:schemeClr>
+            </a:lnRef>
+            <a:fillRef idx="1">
+              <a:schemeClr val="accent1"/>
+            </a:fillRef>
+            <a:effectRef idx="0">
+              <a:schemeClr val="accent1"/>
+            </a:effectRef>
+            <a:fontRef idx="minor">
+              <a:schemeClr val="lt1"/>
+            </a:fontRef>
+          </p:style>
+          <p:txBody>
+            <a:bodyPr rtlCol="0" anchor="ctr"/>
+            <a:lstStyle/>
+            <a:p>
+              <a:pPr algn="ctr"/>
+              <a:endParaRPr lang="en-US" dirty="0"/>
+            </a:p>
+          </p:txBody>
+        </p:sp>
+      </p:grpSp>
+      <p:grpSp>
+        <p:nvGrpSpPr>
+          <p:cNvPr id="104" name="Group 103"/>
+          <p:cNvGrpSpPr/>
+          <p:nvPr/>
+        </p:nvGrpSpPr>
+        <p:grpSpPr>
+          <a:xfrm>
+            <a:off x="4953000" y="2133600"/>
+            <a:ext cx="1828800" cy="838200"/>
+            <a:chOff x="4953000" y="2133600"/>
+            <a:chExt cx="1828800" cy="838200"/>
+          </a:xfrm>
+        </p:grpSpPr>
+        <p:sp>
+          <p:nvSpPr>
+            <p:cNvPr id="68" name="Oval 67"/>
+            <p:cNvSpPr/>
+            <p:nvPr/>
+          </p:nvSpPr>
+          <p:spPr>
+            <a:xfrm>
+              <a:off x="4953000" y="2133600"/>
+              <a:ext cx="304800" cy="304800"/>
+            </a:xfrm>
+            <a:prstGeom prst="ellipse">
+              <a:avLst/>
+            </a:prstGeom>
+            <a:solidFill>
+              <a:schemeClr val="tx1"/>
+            </a:solidFill>
+            <a:ln>
+              <a:noFill/>
+            </a:ln>
+          </p:spPr>
+          <p:style>
+            <a:lnRef idx="2">
+              <a:schemeClr val="accent1">
+                <a:shade val="50000"/>
+              </a:schemeClr>
+            </a:lnRef>
+            <a:fillRef idx="1">
+              <a:schemeClr val="accent1"/>
+            </a:fillRef>
+            <a:effectRef idx="0">
+              <a:schemeClr val="accent1"/>
+            </a:effectRef>
+            <a:fontRef idx="minor">
+              <a:schemeClr val="lt1"/>
+            </a:fontRef>
+          </p:style>
+          <p:txBody>
+            <a:bodyPr rtlCol="0" anchor="ctr"/>
+            <a:lstStyle/>
+            <a:p>
+              <a:pPr algn="ctr"/>
+              <a:endParaRPr lang="en-US" dirty="0"/>
+            </a:p>
+          </p:txBody>
+        </p:sp>
+        <p:sp>
+          <p:nvSpPr>
+            <p:cNvPr id="69" name="Oval 68"/>
+            <p:cNvSpPr/>
+            <p:nvPr/>
+          </p:nvSpPr>
+          <p:spPr>
+            <a:xfrm>
+              <a:off x="6477000" y="2133600"/>
+              <a:ext cx="304800" cy="304800"/>
+            </a:xfrm>
+            <a:prstGeom prst="ellipse">
+              <a:avLst/>
+            </a:prstGeom>
+            <a:solidFill>
+              <a:schemeClr val="tx1"/>
+            </a:solidFill>
+            <a:ln>
+              <a:noFill/>
+            </a:ln>
+          </p:spPr>
+          <p:style>
+            <a:lnRef idx="2">
+              <a:schemeClr val="accent1">
+                <a:shade val="50000"/>
+              </a:schemeClr>
+            </a:lnRef>
+            <a:fillRef idx="1">
+              <a:schemeClr val="accent1"/>
+            </a:fillRef>
+            <a:effectRef idx="0">
+              <a:schemeClr val="accent1"/>
+            </a:effectRef>
+            <a:fontRef idx="minor">
+              <a:schemeClr val="lt1"/>
+            </a:fontRef>
+          </p:style>
+          <p:txBody>
+            <a:bodyPr rtlCol="0" anchor="ctr"/>
+            <a:lstStyle/>
+            <a:p>
+              <a:pPr algn="ctr"/>
+              <a:endParaRPr lang="en-US" dirty="0"/>
+            </a:p>
+          </p:txBody>
+        </p:sp>
+        <p:sp>
+          <p:nvSpPr>
+            <p:cNvPr id="70" name="Oval 69"/>
+            <p:cNvSpPr/>
+            <p:nvPr/>
+          </p:nvSpPr>
+          <p:spPr>
+            <a:xfrm>
+              <a:off x="4953000" y="2667000"/>
+              <a:ext cx="304800" cy="304800"/>
+            </a:xfrm>
+            <a:prstGeom prst="ellipse">
+              <a:avLst/>
+            </a:prstGeom>
+            <a:solidFill>
+              <a:schemeClr val="tx1"/>
+            </a:solidFill>
+            <a:ln>
+              <a:noFill/>
+            </a:ln>
+          </p:spPr>
+          <p:style>
+            <a:lnRef idx="2">
+              <a:schemeClr val="accent1">
+                <a:shade val="50000"/>
+              </a:schemeClr>
+            </a:lnRef>
+            <a:fillRef idx="1">
+              <a:schemeClr val="accent1"/>
+            </a:fillRef>
+            <a:effectRef idx="0">
+              <a:schemeClr val="accent1"/>
+            </a:effectRef>
+            <a:fontRef idx="minor">
+              <a:schemeClr val="lt1"/>
+            </a:fontRef>
+          </p:style>
+          <p:txBody>
+            <a:bodyPr rtlCol="0" anchor="ctr"/>
+            <a:lstStyle/>
+            <a:p>
+              <a:pPr algn="ctr"/>
+              <a:endParaRPr lang="en-US" dirty="0"/>
+            </a:p>
+          </p:txBody>
+        </p:sp>
+        <p:sp>
+          <p:nvSpPr>
+            <p:cNvPr id="71" name="Oval 70"/>
+            <p:cNvSpPr/>
+            <p:nvPr/>
+          </p:nvSpPr>
+          <p:spPr>
+            <a:xfrm>
+              <a:off x="6477000" y="2667000"/>
+              <a:ext cx="304800" cy="304800"/>
+            </a:xfrm>
+            <a:prstGeom prst="ellipse">
+              <a:avLst/>
+            </a:prstGeom>
+            <a:solidFill>
+              <a:schemeClr val="tx1"/>
+            </a:solidFill>
+            <a:ln>
+              <a:noFill/>
+            </a:ln>
+          </p:spPr>
+          <p:style>
+            <a:lnRef idx="2">
+              <a:schemeClr val="accent1">
+                <a:shade val="50000"/>
+              </a:schemeClr>
+            </a:lnRef>
+            <a:fillRef idx="1">
+              <a:schemeClr val="accent1"/>
+            </a:fillRef>
+            <a:effectRef idx="0">
+              <a:schemeClr val="accent1"/>
+            </a:effectRef>
+            <a:fontRef idx="minor">
+              <a:schemeClr val="lt1"/>
+            </a:fontRef>
+          </p:style>
+          <p:txBody>
+            <a:bodyPr rtlCol="0" anchor="ctr"/>
+            <a:lstStyle/>
+            <a:p>
+              <a:pPr algn="ctr"/>
+              <a:endParaRPr lang="en-US" dirty="0"/>
+            </a:p>
+          </p:txBody>
+        </p:sp>
+        <p:cxnSp>
+          <p:nvCxnSpPr>
+            <p:cNvPr id="72" name="Straight Connector 71"/>
+            <p:cNvCxnSpPr>
+              <a:stCxn id="68" idx="6"/>
+              <a:endCxn id="69" idx="2"/>
+            </p:cNvCxnSpPr>
+            <p:nvPr/>
+          </p:nvCxnSpPr>
+          <p:spPr>
+            <a:xfrm>
+              <a:off x="5257800" y="2286000"/>
+              <a:ext cx="1219200" cy="0"/>
+            </a:xfrm>
+            <a:prstGeom prst="line">
+              <a:avLst/>
+            </a:prstGeom>
+            <a:ln w="25400">
+              <a:solidFill>
+                <a:schemeClr val="tx1"/>
+              </a:solidFill>
+            </a:ln>
+          </p:spPr>
+          <p:style>
+            <a:lnRef idx="1">
+              <a:schemeClr val="accent1"/>
+            </a:lnRef>
+            <a:fillRef idx="0">
+              <a:schemeClr val="accent1"/>
+            </a:fillRef>
+            <a:effectRef idx="0">
+              <a:schemeClr val="accent1"/>
+            </a:effectRef>
+            <a:fontRef idx="minor">
+              <a:schemeClr val="tx1"/>
+            </a:fontRef>
+          </p:style>
+        </p:cxnSp>
+        <p:cxnSp>
+          <p:nvCxnSpPr>
+            <p:cNvPr id="75" name="Straight Connector 74"/>
+            <p:cNvCxnSpPr>
+              <a:stCxn id="70" idx="6"/>
+              <a:endCxn id="71" idx="2"/>
+            </p:cNvCxnSpPr>
+            <p:nvPr/>
+          </p:nvCxnSpPr>
+          <p:spPr>
+            <a:xfrm>
+              <a:off x="5257800" y="2819400"/>
+              <a:ext cx="1219200" cy="0"/>
+            </a:xfrm>
+            <a:prstGeom prst="line">
+              <a:avLst/>
+            </a:prstGeom>
+            <a:ln w="25400">
+              <a:solidFill>
+                <a:schemeClr val="tx1"/>
+              </a:solidFill>
+            </a:ln>
+          </p:spPr>
+          <p:style>
+            <a:lnRef idx="1">
+              <a:schemeClr val="accent1"/>
+            </a:lnRef>
+            <a:fillRef idx="0">
+              <a:schemeClr val="accent1"/>
+            </a:fillRef>
+            <a:effectRef idx="0">
+              <a:schemeClr val="accent1"/>
+            </a:effectRef>
+            <a:fontRef idx="minor">
+              <a:schemeClr val="tx1"/>
+            </a:fontRef>
+          </p:style>
+        </p:cxnSp>
+      </p:grpSp>
+      <p:grpSp>
+        <p:nvGrpSpPr>
+          <p:cNvPr id="105" name="Group 104"/>
+          <p:cNvGrpSpPr/>
+          <p:nvPr/>
+        </p:nvGrpSpPr>
+        <p:grpSpPr>
+          <a:xfrm>
+            <a:off x="4953000" y="3572256"/>
+            <a:ext cx="914400" cy="838200"/>
+            <a:chOff x="4953000" y="3572256"/>
+            <a:chExt cx="914400" cy="838200"/>
+          </a:xfrm>
+        </p:grpSpPr>
+        <p:sp>
+          <p:nvSpPr>
+            <p:cNvPr id="84" name="Oval 83"/>
+            <p:cNvSpPr/>
+            <p:nvPr/>
+          </p:nvSpPr>
+          <p:spPr>
+            <a:xfrm>
+              <a:off x="4953000" y="3572256"/>
+              <a:ext cx="304800" cy="304800"/>
+            </a:xfrm>
+            <a:prstGeom prst="ellipse">
+              <a:avLst/>
+            </a:prstGeom>
+            <a:solidFill>
+              <a:schemeClr val="accent6"/>
+            </a:solidFill>
+            <a:ln>
+              <a:noFill/>
+            </a:ln>
+          </p:spPr>
+          <p:style>
+            <a:lnRef idx="2">
+              <a:schemeClr val="accent1">
+                <a:shade val="50000"/>
+              </a:schemeClr>
+            </a:lnRef>
+            <a:fillRef idx="1">
+              <a:schemeClr val="accent1"/>
+            </a:fillRef>
+            <a:effectRef idx="0">
+              <a:schemeClr val="accent1"/>
+            </a:effectRef>
+            <a:fontRef idx="minor">
+              <a:schemeClr val="lt1"/>
+            </a:fontRef>
+          </p:style>
+          <p:txBody>
+            <a:bodyPr rtlCol="0" anchor="ctr"/>
+            <a:lstStyle/>
+            <a:p>
+              <a:pPr algn="ctr"/>
+              <a:endParaRPr lang="en-US" dirty="0"/>
+            </a:p>
+          </p:txBody>
+        </p:sp>
+        <p:sp>
+          <p:nvSpPr>
+            <p:cNvPr id="85" name="Oval 84"/>
+            <p:cNvSpPr/>
+            <p:nvPr/>
+          </p:nvSpPr>
+          <p:spPr>
+            <a:xfrm>
+              <a:off x="5553456" y="3572256"/>
+              <a:ext cx="304800" cy="304800"/>
+            </a:xfrm>
+            <a:prstGeom prst="ellipse">
+              <a:avLst/>
+            </a:prstGeom>
+            <a:solidFill>
+              <a:schemeClr val="tx1"/>
+            </a:solidFill>
+            <a:ln>
+              <a:noFill/>
+            </a:ln>
+          </p:spPr>
+          <p:style>
+            <a:lnRef idx="2">
+              <a:schemeClr val="accent1">
+                <a:shade val="50000"/>
+              </a:schemeClr>
+            </a:lnRef>
+            <a:fillRef idx="1">
+              <a:schemeClr val="accent1"/>
+            </a:fillRef>
+            <a:effectRef idx="0">
+              <a:schemeClr val="accent1"/>
+            </a:effectRef>
+            <a:fontRef idx="minor">
+              <a:schemeClr val="lt1"/>
+            </a:fontRef>
+          </p:style>
+          <p:txBody>
+            <a:bodyPr rtlCol="0" anchor="ctr"/>
+            <a:lstStyle/>
+            <a:p>
+              <a:pPr algn="ctr"/>
+              <a:endParaRPr lang="en-US" dirty="0"/>
+            </a:p>
+          </p:txBody>
+        </p:sp>
+        <p:sp>
+          <p:nvSpPr>
+            <p:cNvPr id="86" name="Oval 85"/>
+            <p:cNvSpPr/>
+            <p:nvPr/>
+          </p:nvSpPr>
+          <p:spPr>
+            <a:xfrm>
+              <a:off x="4953000" y="4105656"/>
+              <a:ext cx="304800" cy="304800"/>
+            </a:xfrm>
+            <a:prstGeom prst="ellipse">
+              <a:avLst/>
+            </a:prstGeom>
+            <a:solidFill>
+              <a:schemeClr val="accent6"/>
+            </a:solidFill>
+            <a:ln>
+              <a:noFill/>
+            </a:ln>
+          </p:spPr>
+          <p:style>
+            <a:lnRef idx="2">
+              <a:schemeClr val="accent1">
+                <a:shade val="50000"/>
+              </a:schemeClr>
+            </a:lnRef>
+            <a:fillRef idx="1">
+              <a:schemeClr val="accent1"/>
+            </a:fillRef>
+            <a:effectRef idx="0">
+              <a:schemeClr val="accent1"/>
+            </a:effectRef>
+            <a:fontRef idx="minor">
+              <a:schemeClr val="lt1"/>
+            </a:fontRef>
+          </p:style>
+          <p:txBody>
+            <a:bodyPr rtlCol="0" anchor="ctr"/>
+            <a:lstStyle/>
+            <a:p>
+              <a:pPr algn="ctr"/>
+              <a:endParaRPr lang="en-US" dirty="0"/>
+            </a:p>
+          </p:txBody>
+        </p:sp>
+        <p:sp>
+          <p:nvSpPr>
+            <p:cNvPr id="87" name="Oval 86"/>
+            <p:cNvSpPr/>
+            <p:nvPr/>
+          </p:nvSpPr>
+          <p:spPr>
+            <a:xfrm>
+              <a:off x="5562600" y="4105656"/>
+              <a:ext cx="304800" cy="304800"/>
+            </a:xfrm>
+            <a:prstGeom prst="ellipse">
+              <a:avLst/>
+            </a:prstGeom>
+            <a:solidFill>
+              <a:schemeClr val="tx1"/>
+            </a:solidFill>
+            <a:ln>
+              <a:noFill/>
+            </a:ln>
+          </p:spPr>
+          <p:style>
+            <a:lnRef idx="2">
+              <a:schemeClr val="accent1">
+                <a:shade val="50000"/>
+              </a:schemeClr>
+            </a:lnRef>
+            <a:fillRef idx="1">
+              <a:schemeClr val="accent1"/>
+            </a:fillRef>
+            <a:effectRef idx="0">
+              <a:schemeClr val="accent1"/>
+            </a:effectRef>
+            <a:fontRef idx="minor">
+              <a:schemeClr val="lt1"/>
+            </a:fontRef>
+          </p:style>
+          <p:txBody>
+            <a:bodyPr rtlCol="0" anchor="ctr"/>
+            <a:lstStyle/>
+            <a:p>
+              <a:pPr algn="ctr"/>
+              <a:endParaRPr lang="en-US" dirty="0"/>
+            </a:p>
+          </p:txBody>
+        </p:sp>
+        <p:cxnSp>
+          <p:nvCxnSpPr>
+            <p:cNvPr id="88" name="Straight Connector 87"/>
+            <p:cNvCxnSpPr>
+              <a:stCxn id="84" idx="6"/>
+              <a:endCxn id="85" idx="2"/>
+            </p:cNvCxnSpPr>
+            <p:nvPr/>
+          </p:nvCxnSpPr>
+          <p:spPr>
+            <a:xfrm>
+              <a:off x="5257800" y="3724656"/>
+              <a:ext cx="295656" cy="0"/>
+            </a:xfrm>
+            <a:prstGeom prst="line">
+              <a:avLst/>
+            </a:prstGeom>
+            <a:ln w="25400">
+              <a:solidFill>
+                <a:schemeClr val="tx1"/>
+              </a:solidFill>
+            </a:ln>
+          </p:spPr>
+          <p:style>
+            <a:lnRef idx="1">
+              <a:schemeClr val="accent1"/>
+            </a:lnRef>
+            <a:fillRef idx="0">
+              <a:schemeClr val="accent1"/>
+            </a:fillRef>
+            <a:effectRef idx="0">
+              <a:schemeClr val="accent1"/>
+            </a:effectRef>
+            <a:fontRef idx="minor">
+              <a:schemeClr val="tx1"/>
+            </a:fontRef>
+          </p:style>
+        </p:cxnSp>
+        <p:cxnSp>
+          <p:nvCxnSpPr>
+            <p:cNvPr id="89" name="Straight Connector 88"/>
+            <p:cNvCxnSpPr>
+              <a:stCxn id="86" idx="6"/>
+              <a:endCxn id="87" idx="2"/>
+            </p:cNvCxnSpPr>
+            <p:nvPr/>
+          </p:nvCxnSpPr>
+          <p:spPr>
+            <a:xfrm>
+              <a:off x="5257800" y="4258056"/>
+              <a:ext cx="304800" cy="0"/>
+            </a:xfrm>
+            <a:prstGeom prst="line">
+              <a:avLst/>
+            </a:prstGeom>
+            <a:ln w="25400">
+              <a:solidFill>
+                <a:schemeClr val="tx1"/>
+              </a:solidFill>
+            </a:ln>
+          </p:spPr>
+          <p:style>
+            <a:lnRef idx="1">
+              <a:schemeClr val="accent1"/>
+            </a:lnRef>
+            <a:fillRef idx="0">
+              <a:schemeClr val="accent1"/>
+            </a:fillRef>
+            <a:effectRef idx="0">
+              <a:schemeClr val="accent1"/>
+            </a:effectRef>
+            <a:fontRef idx="minor">
+              <a:schemeClr val="tx1"/>
+            </a:fontRef>
+          </p:style>
+        </p:cxnSp>
+      </p:grpSp>
+      <p:grpSp>
+        <p:nvGrpSpPr>
+          <p:cNvPr id="106" name="Group 105"/>
+          <p:cNvGrpSpPr/>
+          <p:nvPr/>
+        </p:nvGrpSpPr>
+        <p:grpSpPr>
+          <a:xfrm>
+            <a:off x="4953000" y="4663440"/>
+            <a:ext cx="2590800" cy="838200"/>
+            <a:chOff x="4953000" y="4663440"/>
+            <a:chExt cx="2590800" cy="838200"/>
+          </a:xfrm>
+        </p:grpSpPr>
+        <p:sp>
+          <p:nvSpPr>
+            <p:cNvPr id="94" name="Oval 93"/>
+            <p:cNvSpPr/>
+            <p:nvPr/>
+          </p:nvSpPr>
+          <p:spPr>
+            <a:xfrm>
+              <a:off x="4953000" y="4663440"/>
+              <a:ext cx="304800" cy="304800"/>
+            </a:xfrm>
+            <a:prstGeom prst="ellipse">
+              <a:avLst/>
+            </a:prstGeom>
+            <a:solidFill>
+              <a:schemeClr val="accent6"/>
+            </a:solidFill>
+            <a:ln>
+              <a:noFill/>
+            </a:ln>
+          </p:spPr>
+          <p:style>
+            <a:lnRef idx="2">
+              <a:schemeClr val="accent1">
+                <a:shade val="50000"/>
+              </a:schemeClr>
+            </a:lnRef>
+            <a:fillRef idx="1">
+              <a:schemeClr val="accent1"/>
+            </a:fillRef>
+            <a:effectRef idx="0">
+              <a:schemeClr val="accent1"/>
+            </a:effectRef>
+            <a:fontRef idx="minor">
+              <a:schemeClr val="lt1"/>
+            </a:fontRef>
+          </p:style>
+          <p:txBody>
+            <a:bodyPr rtlCol="0" anchor="ctr"/>
+            <a:lstStyle/>
+            <a:p>
+              <a:pPr algn="ctr"/>
+              <a:endParaRPr lang="en-US" dirty="0"/>
+            </a:p>
+          </p:txBody>
+        </p:sp>
+        <p:sp>
+          <p:nvSpPr>
+            <p:cNvPr id="95" name="Oval 94"/>
+            <p:cNvSpPr/>
+            <p:nvPr/>
+          </p:nvSpPr>
+          <p:spPr>
+            <a:xfrm>
+              <a:off x="5486400" y="4663440"/>
+              <a:ext cx="304800" cy="304800"/>
+            </a:xfrm>
+            <a:prstGeom prst="ellipse">
+              <a:avLst/>
+            </a:prstGeom>
+            <a:solidFill>
+              <a:schemeClr val="tx1"/>
+            </a:solidFill>
+            <a:ln>
+              <a:noFill/>
+            </a:ln>
+          </p:spPr>
+          <p:style>
+            <a:lnRef idx="2">
+              <a:schemeClr val="accent1">
+                <a:shade val="50000"/>
+              </a:schemeClr>
+            </a:lnRef>
+            <a:fillRef idx="1">
+              <a:schemeClr val="accent1"/>
+            </a:fillRef>
+            <a:effectRef idx="0">
+              <a:schemeClr val="accent1"/>
+            </a:effectRef>
+            <a:fontRef idx="minor">
+              <a:schemeClr val="lt1"/>
+            </a:fontRef>
+          </p:style>
+          <p:txBody>
+            <a:bodyPr rtlCol="0" anchor="ctr"/>
+            <a:lstStyle/>
+            <a:p>
+              <a:pPr algn="ctr"/>
+              <a:endParaRPr lang="en-US" dirty="0"/>
+            </a:p>
+          </p:txBody>
+        </p:sp>
+        <p:sp>
+          <p:nvSpPr>
+            <p:cNvPr id="96" name="Oval 95"/>
+            <p:cNvSpPr/>
+            <p:nvPr/>
+          </p:nvSpPr>
+          <p:spPr>
+            <a:xfrm>
+              <a:off x="4953000" y="5196840"/>
+              <a:ext cx="304800" cy="304800"/>
+            </a:xfrm>
+            <a:prstGeom prst="ellipse">
+              <a:avLst/>
+            </a:prstGeom>
+            <a:solidFill>
+              <a:schemeClr val="accent6"/>
+            </a:solidFill>
+            <a:ln>
+              <a:noFill/>
+            </a:ln>
+          </p:spPr>
+          <p:style>
+            <a:lnRef idx="2">
+              <a:schemeClr val="accent1">
+                <a:shade val="50000"/>
+              </a:schemeClr>
+            </a:lnRef>
+            <a:fillRef idx="1">
+              <a:schemeClr val="accent1"/>
+            </a:fillRef>
+            <a:effectRef idx="0">
+              <a:schemeClr val="accent1"/>
+            </a:effectRef>
+            <a:fontRef idx="minor">
+              <a:schemeClr val="lt1"/>
+            </a:fontRef>
+          </p:style>
+          <p:txBody>
+            <a:bodyPr rtlCol="0" anchor="ctr"/>
+            <a:lstStyle/>
+            <a:p>
+              <a:pPr algn="ctr"/>
+              <a:endParaRPr lang="en-US" dirty="0"/>
+            </a:p>
+          </p:txBody>
+        </p:sp>
+        <p:sp>
+          <p:nvSpPr>
+            <p:cNvPr id="97" name="Oval 96"/>
+            <p:cNvSpPr/>
+            <p:nvPr/>
+          </p:nvSpPr>
+          <p:spPr>
+            <a:xfrm>
+              <a:off x="5486400" y="5196840"/>
+              <a:ext cx="304800" cy="304800"/>
+            </a:xfrm>
+            <a:prstGeom prst="ellipse">
+              <a:avLst/>
+            </a:prstGeom>
+            <a:solidFill>
+              <a:schemeClr val="accent6"/>
+            </a:solidFill>
+            <a:ln>
+              <a:noFill/>
+            </a:ln>
+          </p:spPr>
+          <p:style>
+            <a:lnRef idx="2">
+              <a:schemeClr val="accent1">
+                <a:shade val="50000"/>
+              </a:schemeClr>
+            </a:lnRef>
+            <a:fillRef idx="1">
+              <a:schemeClr val="accent1"/>
+            </a:fillRef>
+            <a:effectRef idx="0">
+              <a:schemeClr val="accent1"/>
+            </a:effectRef>
+            <a:fontRef idx="minor">
+              <a:schemeClr val="lt1"/>
+            </a:fontRef>
+          </p:style>
+          <p:txBody>
+            <a:bodyPr rtlCol="0" anchor="ctr"/>
+            <a:lstStyle/>
+            <a:p>
+              <a:pPr algn="ctr"/>
+              <a:endParaRPr lang="en-US" dirty="0"/>
+            </a:p>
+          </p:txBody>
+        </p:sp>
+        <p:sp>
+          <p:nvSpPr>
+            <p:cNvPr id="100" name="Oval 99"/>
+            <p:cNvSpPr/>
+            <p:nvPr/>
+          </p:nvSpPr>
+          <p:spPr>
+            <a:xfrm>
+              <a:off x="6705600" y="4663440"/>
+              <a:ext cx="304800" cy="304800"/>
+            </a:xfrm>
+            <a:prstGeom prst="ellipse">
+              <a:avLst/>
+            </a:prstGeom>
+            <a:solidFill>
+              <a:schemeClr val="accent6"/>
+            </a:solidFill>
+            <a:ln>
+              <a:noFill/>
+            </a:ln>
+          </p:spPr>
+          <p:style>
+            <a:lnRef idx="2">
+              <a:schemeClr val="accent1">
+                <a:shade val="50000"/>
+              </a:schemeClr>
+            </a:lnRef>
+            <a:fillRef idx="1">
+              <a:schemeClr val="accent1"/>
+            </a:fillRef>
+            <a:effectRef idx="0">
+              <a:schemeClr val="accent1"/>
+            </a:effectRef>
+            <a:fontRef idx="minor">
+              <a:schemeClr val="lt1"/>
+            </a:fontRef>
+          </p:style>
+          <p:txBody>
+            <a:bodyPr rtlCol="0" anchor="ctr"/>
+            <a:lstStyle/>
+            <a:p>
+              <a:pPr algn="ctr"/>
+              <a:endParaRPr lang="en-US" dirty="0"/>
+            </a:p>
+          </p:txBody>
+        </p:sp>
+        <p:sp>
+          <p:nvSpPr>
+            <p:cNvPr id="101" name="Oval 100"/>
+            <p:cNvSpPr/>
+            <p:nvPr/>
+          </p:nvSpPr>
+          <p:spPr>
+            <a:xfrm>
+              <a:off x="7239000" y="4663440"/>
+              <a:ext cx="304800" cy="304800"/>
+            </a:xfrm>
+            <a:prstGeom prst="ellipse">
+              <a:avLst/>
+            </a:prstGeom>
+            <a:solidFill>
+              <a:schemeClr val="tx1"/>
+            </a:solidFill>
+            <a:ln>
+              <a:noFill/>
+            </a:ln>
+          </p:spPr>
+          <p:style>
+            <a:lnRef idx="2">
+              <a:schemeClr val="accent1">
+                <a:shade val="50000"/>
+              </a:schemeClr>
+            </a:lnRef>
+            <a:fillRef idx="1">
+              <a:schemeClr val="accent1"/>
+            </a:fillRef>
+            <a:effectRef idx="0">
+              <a:schemeClr val="accent1"/>
+            </a:effectRef>
+            <a:fontRef idx="minor">
+              <a:schemeClr val="lt1"/>
+            </a:fontRef>
+          </p:style>
+          <p:txBody>
+            <a:bodyPr rtlCol="0" anchor="ctr"/>
+            <a:lstStyle/>
+            <a:p>
+              <a:pPr algn="ctr"/>
+              <a:endParaRPr lang="en-US" dirty="0"/>
+            </a:p>
+          </p:txBody>
+        </p:sp>
+        <p:sp>
+          <p:nvSpPr>
+            <p:cNvPr id="102" name="Oval 101"/>
+            <p:cNvSpPr/>
+            <p:nvPr/>
+          </p:nvSpPr>
+          <p:spPr>
+            <a:xfrm>
+              <a:off x="6705600" y="5196840"/>
+              <a:ext cx="304800" cy="304800"/>
+            </a:xfrm>
+            <a:prstGeom prst="ellipse">
+              <a:avLst/>
+            </a:prstGeom>
+            <a:solidFill>
+              <a:schemeClr val="accent6"/>
+            </a:solidFill>
+            <a:ln>
+              <a:noFill/>
+            </a:ln>
+          </p:spPr>
+          <p:style>
+            <a:lnRef idx="2">
+              <a:schemeClr val="accent1">
+                <a:shade val="50000"/>
+              </a:schemeClr>
+            </a:lnRef>
+            <a:fillRef idx="1">
+              <a:schemeClr val="accent1"/>
+            </a:fillRef>
+            <a:effectRef idx="0">
+              <a:schemeClr val="accent1"/>
+            </a:effectRef>
+            <a:fontRef idx="minor">
+              <a:schemeClr val="lt1"/>
+            </a:fontRef>
+          </p:style>
+          <p:txBody>
+            <a:bodyPr rtlCol="0" anchor="ctr"/>
+            <a:lstStyle/>
+            <a:p>
+              <a:pPr algn="ctr"/>
+              <a:endParaRPr lang="en-US" dirty="0"/>
+            </a:p>
+          </p:txBody>
+        </p:sp>
+        <p:sp>
+          <p:nvSpPr>
+            <p:cNvPr id="103" name="Oval 102"/>
+            <p:cNvSpPr/>
+            <p:nvPr/>
+          </p:nvSpPr>
+          <p:spPr>
+            <a:xfrm>
+              <a:off x="7239000" y="5196840"/>
+              <a:ext cx="304800" cy="304800"/>
+            </a:xfrm>
+            <a:prstGeom prst="ellipse">
+              <a:avLst/>
+            </a:prstGeom>
+            <a:solidFill>
+              <a:schemeClr val="tx1"/>
+            </a:solidFill>
+            <a:ln>
+              <a:noFill/>
+            </a:ln>
+          </p:spPr>
+          <p:style>
+            <a:lnRef idx="2">
+              <a:schemeClr val="accent1">
+                <a:shade val="50000"/>
+              </a:schemeClr>
+            </a:lnRef>
+            <a:fillRef idx="1">
+              <a:schemeClr val="accent1"/>
+            </a:fillRef>
+            <a:effectRef idx="0">
+              <a:schemeClr val="accent1"/>
+            </a:effectRef>
+            <a:fontRef idx="minor">
+              <a:schemeClr val="lt1"/>
+            </a:fontRef>
+          </p:style>
+          <p:txBody>
+            <a:bodyPr rtlCol="0" anchor="ctr"/>
+            <a:lstStyle/>
+            <a:p>
+              <a:pPr algn="ctr"/>
+              <a:endParaRPr lang="en-US" dirty="0"/>
+            </a:p>
+          </p:txBody>
+        </p:sp>
+      </p:grpSp>
+    </p:spTree>
+    <p:extLst>
+      <p:ext uri="{BB962C8B-B14F-4D97-AF65-F5344CB8AC3E}">
+        <p14:creationId xmlns:p14="http://schemas.microsoft.com/office/powerpoint/2010/main" val="1942568089"/>
+      </p:ext>
+    </p:extLst>
+  </p:cSld>
+  <p:clrMapOvr>
+    <a:masterClrMapping/>
+  </p:clrMapOvr>
+</p:sld>
+</file>
+
+<file path=ppt/slides/slide11.xml><?xml version="1.0" encoding="utf-8"?>
+<p:sld xmlns:a="http://schemas.openxmlformats.org/drawingml/2006/main" xmlns:r="http://schemas.openxmlformats.org/officeDocument/2006/relationships" xmlns:p="http://schemas.openxmlformats.org/presentationml/2006/main">
+  <p:cSld>
+    <p:spTree>
+      <p:nvGrpSpPr>
+        <p:cNvPr id="1" name=""/>
+        <p:cNvGrpSpPr/>
+        <p:nvPr/>
+      </p:nvGrpSpPr>
+      <p:grpSpPr>
+        <a:xfrm>
+          <a:off x="0" y="0"/>
+          <a:ext cx="0" cy="0"/>
+          <a:chOff x="0" y="0"/>
+          <a:chExt cx="0" cy="0"/>
+        </a:xfrm>
+      </p:grpSpPr>
+      <p:grpSp>
+        <p:nvGrpSpPr>
+          <p:cNvPr id="7" name="Group 6"/>
+          <p:cNvGrpSpPr/>
+          <p:nvPr/>
+        </p:nvGrpSpPr>
+        <p:grpSpPr>
+          <a:xfrm>
+            <a:off x="1600200" y="609600"/>
+            <a:ext cx="5192451" cy="5632311"/>
+            <a:chOff x="1600200" y="609600"/>
+            <a:chExt cx="5192451" cy="5632311"/>
+          </a:xfrm>
+        </p:grpSpPr>
+        <p:sp>
+          <p:nvSpPr>
+            <p:cNvPr id="2" name="TextBox 1"/>
+            <p:cNvSpPr txBox="1"/>
+            <p:nvPr/>
+          </p:nvSpPr>
+          <p:spPr>
+            <a:xfrm>
+              <a:off x="3733800" y="609600"/>
+              <a:ext cx="3058851" cy="5632311"/>
+            </a:xfrm>
+            <a:prstGeom prst="rect">
+              <a:avLst/>
+            </a:prstGeom>
+            <a:noFill/>
+          </p:spPr>
+          <p:txBody>
+            <a:bodyPr wrap="none" rtlCol="0">
+              <a:spAutoFit/>
+            </a:bodyPr>
+            <a:lstStyle/>
+            <a:p>
+              <a:r>
+                <a:rPr lang="en-US" dirty="0" smtClean="0">
+                  <a:latin typeface="Linux Biolinum" charset="0"/>
+                  <a:ea typeface="Linux Biolinum" charset="0"/>
+                  <a:cs typeface="Linux Biolinum" charset="0"/>
+                </a:rPr>
+                <a:t>0     98766562	</a:t>
+              </a:r>
+            </a:p>
+            <a:p>
+              <a:pPr marL="342900" indent="-342900">
+                <a:buAutoNum type="arabicPlain"/>
+              </a:pPr>
+              <a:r>
+                <a:rPr lang="en-US" dirty="0" smtClean="0">
+                  <a:latin typeface="Linux Biolinum" charset="0"/>
+                  <a:ea typeface="Linux Biolinum" charset="0"/>
+                  <a:cs typeface="Linux Biolinum" charset="0"/>
+                </a:rPr>
+                <a:t> 97719630</a:t>
+              </a:r>
+            </a:p>
+            <a:p>
+              <a:pPr marL="342900" indent="-342900">
+                <a:buAutoNum type="arabicPlain"/>
+              </a:pPr>
+              <a:r>
+                <a:rPr lang="en-US" dirty="0" smtClean="0">
+                  <a:latin typeface="Linux Biolinum" charset="0"/>
+                  <a:ea typeface="Linux Biolinum" charset="0"/>
+                  <a:cs typeface="Linux Biolinum" charset="0"/>
+                </a:rPr>
+                <a:t> 69987766544422211009850</a:t>
+              </a:r>
+            </a:p>
+            <a:p>
+              <a:pPr marL="342900" indent="-342900">
+                <a:buAutoNum type="arabicPlain"/>
+              </a:pPr>
+              <a:r>
+                <a:rPr lang="en-US" dirty="0" smtClean="0">
+                  <a:latin typeface="Linux Biolinum" charset="0"/>
+                  <a:ea typeface="Linux Biolinum" charset="0"/>
+                  <a:cs typeface="Linux Biolinum" charset="0"/>
+                </a:rPr>
+                <a:t> 876655412099551426</a:t>
+              </a:r>
+            </a:p>
+            <a:p>
+              <a:pPr marL="342900" indent="-342900">
+                <a:buAutoNum type="arabicPlain"/>
+              </a:pPr>
+              <a:r>
+                <a:rPr lang="en-US" dirty="0" smtClean="0">
+                  <a:latin typeface="Linux Biolinum" charset="0"/>
+                  <a:ea typeface="Linux Biolinum" charset="0"/>
+                  <a:cs typeface="Linux Biolinum" charset="0"/>
+                </a:rPr>
+                <a:t> 9998844331929433361107</a:t>
+              </a:r>
+            </a:p>
+            <a:p>
+              <a:pPr marL="342900" indent="-342900">
+                <a:buAutoNum type="arabicPlain"/>
+              </a:pPr>
+              <a:r>
+                <a:rPr lang="en-US" dirty="0" smtClean="0">
+                  <a:latin typeface="Linux Biolinum" charset="0"/>
+                  <a:ea typeface="Linux Biolinum" charset="0"/>
+                  <a:cs typeface="Linux Biolinum" charset="0"/>
+                </a:rPr>
+                <a:t> 97666666554422210097731</a:t>
+              </a:r>
+            </a:p>
+            <a:p>
+              <a:pPr marL="342900" indent="-342900">
+                <a:buAutoNum type="arabicPlain"/>
+              </a:pPr>
+              <a:r>
+                <a:rPr lang="en-US" dirty="0" smtClean="0">
+                  <a:latin typeface="Linux Biolinum" charset="0"/>
+                  <a:ea typeface="Linux Biolinum" charset="0"/>
+                  <a:cs typeface="Linux Biolinum" charset="0"/>
+                </a:rPr>
+                <a:t> 898665441077761065</a:t>
+              </a:r>
+            </a:p>
+            <a:p>
+              <a:pPr marL="342900" indent="-342900">
+                <a:buAutoNum type="arabicPlain"/>
+              </a:pPr>
+              <a:r>
+                <a:rPr lang="en-US" dirty="0" smtClean="0">
+                  <a:latin typeface="Linux Biolinum" charset="0"/>
+                  <a:ea typeface="Linux Biolinum" charset="0"/>
+                  <a:cs typeface="Linux Biolinum" charset="0"/>
+                </a:rPr>
+                <a:t> 98855431100652108073</a:t>
+              </a:r>
+            </a:p>
+            <a:p>
+              <a:pPr marL="342900" indent="-342900">
+                <a:buAutoNum type="arabicPlain"/>
+              </a:pPr>
+              <a:r>
+                <a:rPr lang="en-US" dirty="0" smtClean="0">
+                  <a:latin typeface="Linux Biolinum" charset="0"/>
+                  <a:ea typeface="Linux Biolinum" charset="0"/>
+                  <a:cs typeface="Linux Biolinum" charset="0"/>
+                </a:rPr>
+                <a:t> 653322122937</a:t>
+              </a:r>
+            </a:p>
+            <a:p>
+              <a:pPr marL="342900" indent="-342900">
+                <a:buAutoNum type="arabicPlain"/>
+              </a:pPr>
+              <a:r>
+                <a:rPr lang="en-US" dirty="0" smtClean="0">
+                  <a:latin typeface="Linux Biolinum" charset="0"/>
+                  <a:ea typeface="Linux Biolinum" charset="0"/>
+                  <a:cs typeface="Linux Biolinum" charset="0"/>
+                </a:rPr>
+                <a:t> 377655421000493</a:t>
+              </a:r>
+            </a:p>
+            <a:p>
+              <a:pPr marL="342900" indent="-342900">
+                <a:buAutoNum type="arabicPlain"/>
+              </a:pPr>
+              <a:r>
+                <a:rPr lang="en-US" dirty="0" smtClean="0">
+                  <a:latin typeface="Linux Biolinum" charset="0"/>
+                  <a:ea typeface="Linux Biolinum" charset="0"/>
+                  <a:cs typeface="Linux Biolinum" charset="0"/>
+                </a:rPr>
+                <a:t> 0984433165212</a:t>
+              </a:r>
+            </a:p>
+            <a:p>
+              <a:pPr marL="342900" indent="-342900">
+                <a:buAutoNum type="arabicPlain"/>
+              </a:pPr>
+              <a:r>
+                <a:rPr lang="en-US" dirty="0" smtClean="0">
+                  <a:latin typeface="Linux Biolinum" charset="0"/>
+                  <a:ea typeface="Linux Biolinum" charset="0"/>
+                  <a:cs typeface="Linux Biolinum" charset="0"/>
+                </a:rPr>
+                <a:t> 4963201631</a:t>
+              </a:r>
+            </a:p>
+            <a:p>
+              <a:pPr marL="342900" indent="-342900">
+                <a:buAutoNum type="arabicPlain"/>
+              </a:pPr>
+              <a:r>
+                <a:rPr lang="en-US" dirty="0" smtClean="0">
+                  <a:latin typeface="Linux Biolinum" charset="0"/>
+                  <a:ea typeface="Linux Biolinum" charset="0"/>
+                  <a:cs typeface="Linux Biolinum" charset="0"/>
+                </a:rPr>
+                <a:t> 45421164</a:t>
+              </a:r>
+            </a:p>
+            <a:p>
+              <a:pPr marL="342900" indent="-342900">
+                <a:buAutoNum type="arabicPlain"/>
+              </a:pPr>
+              <a:r>
+                <a:rPr lang="en-US" dirty="0" smtClean="0">
+                  <a:latin typeface="Linux Biolinum" charset="0"/>
+                  <a:ea typeface="Linux Biolinum" charset="0"/>
+                  <a:cs typeface="Linux Biolinum" charset="0"/>
+                </a:rPr>
+                <a:t> 47830</a:t>
+              </a:r>
+            </a:p>
+            <a:p>
+              <a:pPr marL="342900" indent="-342900">
+                <a:buAutoNum type="arabicPlain"/>
+              </a:pPr>
+              <a:r>
+                <a:rPr lang="en-US" dirty="0" smtClean="0">
+                  <a:latin typeface="Linux Biolinum" charset="0"/>
+                  <a:ea typeface="Linux Biolinum" charset="0"/>
+                  <a:cs typeface="Linux Biolinum" charset="0"/>
+                </a:rPr>
+                <a:t> 00</a:t>
+              </a:r>
+            </a:p>
+            <a:p>
+              <a:pPr marL="342900" indent="-342900">
+                <a:buAutoNum type="arabicPlain"/>
+              </a:pPr>
+              <a:r>
+                <a:rPr lang="en-US" dirty="0" smtClean="0">
+                  <a:latin typeface="Linux Biolinum" charset="0"/>
+                  <a:ea typeface="Linux Biolinum" charset="0"/>
+                  <a:cs typeface="Linux Biolinum" charset="0"/>
+                </a:rPr>
+                <a:t> 676</a:t>
+              </a:r>
+            </a:p>
+            <a:p>
+              <a:pPr marL="342900" indent="-342900">
+                <a:buAutoNum type="arabicPlain"/>
+              </a:pPr>
+              <a:r>
+                <a:rPr lang="en-US" dirty="0" smtClean="0">
+                  <a:latin typeface="Linux Biolinum" charset="0"/>
+                  <a:ea typeface="Linux Biolinum" charset="0"/>
+                  <a:cs typeface="Linux Biolinum" charset="0"/>
+                </a:rPr>
+                <a:t> 52</a:t>
+              </a:r>
+            </a:p>
+            <a:p>
+              <a:pPr marL="342900" indent="-342900">
+                <a:buAutoNum type="arabicPlain"/>
+              </a:pPr>
+              <a:r>
+                <a:rPr lang="en-US" dirty="0" smtClean="0">
+                  <a:latin typeface="Linux Biolinum" charset="0"/>
+                  <a:ea typeface="Linux Biolinum" charset="0"/>
+                  <a:cs typeface="Linux Biolinum" charset="0"/>
+                </a:rPr>
+                <a:t> 92</a:t>
+              </a:r>
+            </a:p>
+            <a:p>
+              <a:pPr marL="342900" indent="-342900">
+                <a:buAutoNum type="arabicPlain"/>
+              </a:pPr>
+              <a:r>
+                <a:rPr lang="en-US" dirty="0" smtClean="0">
+                  <a:latin typeface="Linux Biolinum" charset="0"/>
+                  <a:ea typeface="Linux Biolinum" charset="0"/>
+                  <a:cs typeface="Linux Biolinum" charset="0"/>
+                </a:rPr>
+                <a:t> 5</a:t>
+              </a:r>
+            </a:p>
+            <a:p>
+              <a:pPr marL="342900" indent="-342900">
+                <a:buAutoNum type="arabicPlain"/>
+              </a:pPr>
+              <a:r>
+                <a:rPr lang="en-US" dirty="0" smtClean="0">
+                  <a:latin typeface="Linux Biolinum" charset="0"/>
+                  <a:ea typeface="Linux Biolinum" charset="0"/>
+                  <a:cs typeface="Linux Biolinum" charset="0"/>
+                </a:rPr>
+                <a:t> 39730</a:t>
+              </a:r>
+              <a:endParaRPr lang="en-US" dirty="0">
+                <a:latin typeface="Linux Biolinum" charset="0"/>
+                <a:ea typeface="Linux Biolinum" charset="0"/>
+                <a:cs typeface="Linux Biolinum" charset="0"/>
+              </a:endParaRPr>
+            </a:p>
+          </p:txBody>
+        </p:sp>
+        <p:cxnSp>
+          <p:nvCxnSpPr>
+            <p:cNvPr id="4" name="Straight Connector 3"/>
+            <p:cNvCxnSpPr/>
+            <p:nvPr/>
+          </p:nvCxnSpPr>
+          <p:spPr>
+            <a:xfrm>
+              <a:off x="4114800" y="684000"/>
+              <a:ext cx="0" cy="5410200"/>
+            </a:xfrm>
+            <a:prstGeom prst="line">
+              <a:avLst/>
+            </a:prstGeom>
+            <a:ln w="15875">
+              <a:solidFill>
+                <a:schemeClr val="tx1"/>
+              </a:solidFill>
+            </a:ln>
+          </p:spPr>
+          <p:style>
+            <a:lnRef idx="1">
+              <a:schemeClr val="accent1"/>
+            </a:lnRef>
+            <a:fillRef idx="0">
+              <a:schemeClr val="accent1"/>
+            </a:fillRef>
+            <a:effectRef idx="0">
+              <a:schemeClr val="accent1"/>
+            </a:effectRef>
+            <a:fontRef idx="minor">
+              <a:schemeClr val="tx1"/>
+            </a:fontRef>
+          </p:style>
+        </p:cxnSp>
+        <p:sp>
+          <p:nvSpPr>
+            <p:cNvPr id="6" name="TextBox 5"/>
+            <p:cNvSpPr txBox="1"/>
+            <p:nvPr/>
+          </p:nvSpPr>
+          <p:spPr>
+            <a:xfrm>
+              <a:off x="1600200" y="609600"/>
+              <a:ext cx="1912703" cy="5632311"/>
+            </a:xfrm>
+            <a:prstGeom prst="rect">
+              <a:avLst/>
+            </a:prstGeom>
+            <a:noFill/>
+          </p:spPr>
+          <p:txBody>
+            <a:bodyPr wrap="none" rtlCol="0">
+              <a:spAutoFit/>
+            </a:bodyPr>
+            <a:lstStyle/>
+            <a:p>
+              <a:r>
+                <a:rPr lang="en-US" dirty="0" smtClean="0">
+                  <a:latin typeface="Linux Biolinum" charset="0"/>
+                  <a:ea typeface="Linux Biolinum" charset="0"/>
+                  <a:cs typeface="Linux Biolinum" charset="0"/>
+                </a:rPr>
+                <a:t>0 | 9 = 900 feet</a:t>
+              </a:r>
+            </a:p>
+            <a:p>
+              <a:endParaRPr lang="en-US" dirty="0">
+                <a:latin typeface="Linux Biolinum" charset="0"/>
+                <a:ea typeface="Linux Biolinum" charset="0"/>
+                <a:cs typeface="Linux Biolinum" charset="0"/>
+              </a:endParaRPr>
+            </a:p>
+            <a:p>
+              <a:endParaRPr lang="en-US" dirty="0" smtClean="0">
+                <a:latin typeface="Linux Biolinum" charset="0"/>
+                <a:ea typeface="Linux Biolinum" charset="0"/>
+                <a:cs typeface="Linux Biolinum" charset="0"/>
+              </a:endParaRPr>
+            </a:p>
+            <a:p>
+              <a:endParaRPr lang="en-US" dirty="0">
+                <a:latin typeface="Linux Biolinum" charset="0"/>
+                <a:ea typeface="Linux Biolinum" charset="0"/>
+                <a:cs typeface="Linux Biolinum" charset="0"/>
+              </a:endParaRPr>
+            </a:p>
+            <a:p>
+              <a:endParaRPr lang="en-US" dirty="0" smtClean="0">
+                <a:latin typeface="Linux Biolinum" charset="0"/>
+                <a:ea typeface="Linux Biolinum" charset="0"/>
+                <a:cs typeface="Linux Biolinum" charset="0"/>
+              </a:endParaRPr>
+            </a:p>
+            <a:p>
+              <a:endParaRPr lang="en-US" dirty="0">
+                <a:latin typeface="Linux Biolinum" charset="0"/>
+                <a:ea typeface="Linux Biolinum" charset="0"/>
+                <a:cs typeface="Linux Biolinum" charset="0"/>
+              </a:endParaRPr>
+            </a:p>
+            <a:p>
+              <a:endParaRPr lang="en-US" dirty="0" smtClean="0">
+                <a:latin typeface="Linux Biolinum" charset="0"/>
+                <a:ea typeface="Linux Biolinum" charset="0"/>
+                <a:cs typeface="Linux Biolinum" charset="0"/>
+              </a:endParaRPr>
+            </a:p>
+            <a:p>
+              <a:endParaRPr lang="en-US" dirty="0">
+                <a:latin typeface="Linux Biolinum" charset="0"/>
+                <a:ea typeface="Linux Biolinum" charset="0"/>
+                <a:cs typeface="Linux Biolinum" charset="0"/>
+              </a:endParaRPr>
+            </a:p>
+            <a:p>
+              <a:endParaRPr lang="en-US" dirty="0" smtClean="0">
+                <a:latin typeface="Linux Biolinum" charset="0"/>
+                <a:ea typeface="Linux Biolinum" charset="0"/>
+                <a:cs typeface="Linux Biolinum" charset="0"/>
+              </a:endParaRPr>
+            </a:p>
+            <a:p>
+              <a:endParaRPr lang="en-US" dirty="0" smtClean="0">
+                <a:latin typeface="Linux Biolinum" charset="0"/>
+                <a:ea typeface="Linux Biolinum" charset="0"/>
+                <a:cs typeface="Linux Biolinum" charset="0"/>
+              </a:endParaRPr>
+            </a:p>
+            <a:p>
+              <a:endParaRPr lang="en-US" dirty="0" smtClean="0">
+                <a:latin typeface="Linux Biolinum" charset="0"/>
+                <a:ea typeface="Linux Biolinum" charset="0"/>
+                <a:cs typeface="Linux Biolinum" charset="0"/>
+              </a:endParaRPr>
+            </a:p>
+            <a:p>
+              <a:endParaRPr lang="en-US" dirty="0">
+                <a:latin typeface="Linux Biolinum" charset="0"/>
+                <a:ea typeface="Linux Biolinum" charset="0"/>
+                <a:cs typeface="Linux Biolinum" charset="0"/>
+              </a:endParaRPr>
+            </a:p>
+            <a:p>
+              <a:endParaRPr lang="en-US" dirty="0" smtClean="0">
+                <a:latin typeface="Linux Biolinum" charset="0"/>
+                <a:ea typeface="Linux Biolinum" charset="0"/>
+                <a:cs typeface="Linux Biolinum" charset="0"/>
+              </a:endParaRPr>
+            </a:p>
+            <a:p>
+              <a:endParaRPr lang="en-US" dirty="0">
+                <a:latin typeface="Linux Biolinum" charset="0"/>
+                <a:ea typeface="Linux Biolinum" charset="0"/>
+                <a:cs typeface="Linux Biolinum" charset="0"/>
+              </a:endParaRPr>
+            </a:p>
+            <a:p>
+              <a:endParaRPr lang="en-US" dirty="0" smtClean="0">
+                <a:latin typeface="Linux Biolinum" charset="0"/>
+                <a:ea typeface="Linux Biolinum" charset="0"/>
+                <a:cs typeface="Linux Biolinum" charset="0"/>
+              </a:endParaRPr>
+            </a:p>
+            <a:p>
+              <a:endParaRPr lang="en-US" dirty="0">
+                <a:latin typeface="Linux Biolinum" charset="0"/>
+                <a:ea typeface="Linux Biolinum" charset="0"/>
+                <a:cs typeface="Linux Biolinum" charset="0"/>
+              </a:endParaRPr>
+            </a:p>
+            <a:p>
+              <a:endParaRPr lang="en-US" dirty="0" smtClean="0">
+                <a:latin typeface="Linux Biolinum" charset="0"/>
+                <a:ea typeface="Linux Biolinum" charset="0"/>
+                <a:cs typeface="Linux Biolinum" charset="0"/>
+              </a:endParaRPr>
+            </a:p>
+            <a:p>
+              <a:endParaRPr lang="en-US" dirty="0">
+                <a:latin typeface="Linux Biolinum" charset="0"/>
+                <a:ea typeface="Linux Biolinum" charset="0"/>
+                <a:cs typeface="Linux Biolinum" charset="0"/>
+              </a:endParaRPr>
+            </a:p>
+            <a:p>
+              <a:endParaRPr lang="en-US" dirty="0" smtClean="0">
+                <a:latin typeface="Linux Biolinum" charset="0"/>
+                <a:ea typeface="Linux Biolinum" charset="0"/>
+                <a:cs typeface="Linux Biolinum" charset="0"/>
+              </a:endParaRPr>
+            </a:p>
+            <a:p>
+              <a:r>
+                <a:rPr lang="en-US" dirty="0" smtClean="0">
+                  <a:latin typeface="Linux Biolinum" charset="0"/>
+                  <a:ea typeface="Linux Biolinum" charset="0"/>
+                  <a:cs typeface="Linux Biolinum" charset="0"/>
+                </a:rPr>
+                <a:t>19 | 3 = 19,300 feet</a:t>
+              </a:r>
+              <a:endParaRPr lang="en-US" dirty="0">
+                <a:latin typeface="Linux Biolinum" charset="0"/>
+                <a:ea typeface="Linux Biolinum" charset="0"/>
+                <a:cs typeface="Linux Biolinum" charset="0"/>
+              </a:endParaRPr>
+            </a:p>
+          </p:txBody>
+        </p:sp>
+      </p:grpSp>
+    </p:spTree>
+    <p:extLst>
+      <p:ext uri="{BB962C8B-B14F-4D97-AF65-F5344CB8AC3E}">
+        <p14:creationId xmlns:p14="http://schemas.microsoft.com/office/powerpoint/2010/main" val="459130942"/>
+      </p:ext>
+    </p:extLst>
+  </p:cSld>
+  <p:clrMapOvr>
+    <a:masterClrMapping/>
+  </p:clrMapOvr>
 </p:sld>
 </file>
 
